--- a/Github.pptx
+++ b/Github.pptx
@@ -8,7 +8,17 @@
     <p:sldId id="256" r:id="rId2"/>
     <p:sldId id="257" r:id="rId3"/>
     <p:sldId id="258" r:id="rId4"/>
-    <p:sldId id="259" r:id="rId5"/>
+    <p:sldId id="262" r:id="rId5"/>
+    <p:sldId id="263" r:id="rId6"/>
+    <p:sldId id="264" r:id="rId7"/>
+    <p:sldId id="265" r:id="rId8"/>
+    <p:sldId id="266" r:id="rId9"/>
+    <p:sldId id="267" r:id="rId10"/>
+    <p:sldId id="268" r:id="rId11"/>
+    <p:sldId id="269" r:id="rId12"/>
+    <p:sldId id="270" r:id="rId13"/>
+    <p:sldId id="261" r:id="rId14"/>
+    <p:sldId id="259" r:id="rId15"/>
   </p:sldIdLst>
   <p:sldSz cx="12192000" cy="6858000"/>
   <p:notesSz cx="6858000" cy="9144000"/>
@@ -107,6 +117,11 @@
       </a:defRPr>
     </a:lvl9pPr>
   </p:defaultTextStyle>
+  <p:extLst>
+    <p:ext uri="{EFAFB233-063F-42B5-8137-9DF3F51BA10A}">
+      <p15:sldGuideLst xmlns:p15="http://schemas.microsoft.com/office/powerpoint/2012/main"/>
+    </p:ext>
+  </p:extLst>
 </p:presentation>
 </file>
 
@@ -3391,6 +3406,2716 @@
 </p:sld>
 </file>
 
+<file path=ppt/slides/slide10.xml><?xml version="1.0" encoding="utf-8"?>
+<p:sld xmlns:a="http://schemas.openxmlformats.org/drawingml/2006/main" xmlns:r="http://schemas.openxmlformats.org/officeDocument/2006/relationships" xmlns:p="http://schemas.openxmlformats.org/presentationml/2006/main">
+  <p:cSld>
+    <p:spTree>
+      <p:nvGrpSpPr>
+        <p:cNvPr id="1" name=""/>
+        <p:cNvGrpSpPr/>
+        <p:nvPr/>
+      </p:nvGrpSpPr>
+      <p:grpSpPr>
+        <a:xfrm>
+          <a:off x="0" y="0"/>
+          <a:ext cx="0" cy="0"/>
+          <a:chOff x="0" y="0"/>
+          <a:chExt cx="0" cy="0"/>
+        </a:xfrm>
+      </p:grpSpPr>
+      <p:sp>
+        <p:nvSpPr>
+          <p:cNvPr id="7" name="제목 1">
+            <a:extLst>
+              <a:ext uri="{FF2B5EF4-FFF2-40B4-BE49-F238E27FC236}">
+                <a16:creationId xmlns:a16="http://schemas.microsoft.com/office/drawing/2014/main" id="{C0AEAB77-4322-430B-A939-1F5BE5C02208}"/>
+              </a:ext>
+            </a:extLst>
+          </p:cNvPr>
+          <p:cNvSpPr>
+            <a:spLocks noGrp="1"/>
+          </p:cNvSpPr>
+          <p:nvPr>
+            <p:ph type="title"/>
+          </p:nvPr>
+        </p:nvSpPr>
+        <p:spPr>
+          <a:xfrm>
+            <a:off x="838200" y="365125"/>
+            <a:ext cx="10515600" cy="1325563"/>
+          </a:xfrm>
+        </p:spPr>
+        <p:txBody>
+          <a:bodyPr/>
+          <a:lstStyle/>
+          <a:p>
+            <a:r>
+              <a:rPr lang="ko-KR" altLang="en-US" dirty="0"/>
+              <a:t>우분투 </a:t>
+            </a:r>
+            <a:r>
+              <a:rPr lang="en-US" altLang="ko-KR" dirty="0"/>
+              <a:t>, git bash </a:t>
+            </a:r>
+            <a:r>
+              <a:rPr lang="ko-KR" altLang="en-US" dirty="0"/>
+              <a:t>와 같은 터미널에서 </a:t>
+            </a:r>
+            <a:br>
+              <a:rPr lang="en-US" altLang="ko-KR" dirty="0"/>
+            </a:br>
+            <a:r>
+              <a:rPr lang="ko-KR" altLang="en-US" dirty="0"/>
+              <a:t>연결</a:t>
+            </a:r>
+          </a:p>
+        </p:txBody>
+      </p:sp>
+      <p:sp>
+        <p:nvSpPr>
+          <p:cNvPr id="3" name="Rectangle 1">
+            <a:extLst>
+              <a:ext uri="{FF2B5EF4-FFF2-40B4-BE49-F238E27FC236}">
+                <a16:creationId xmlns:a16="http://schemas.microsoft.com/office/drawing/2014/main" id="{BCC22582-1373-448C-818B-5117971466F6}"/>
+              </a:ext>
+            </a:extLst>
+          </p:cNvPr>
+          <p:cNvSpPr>
+            <a:spLocks noChangeArrowheads="1"/>
+          </p:cNvSpPr>
+          <p:nvPr/>
+        </p:nvSpPr>
+        <p:spPr bwMode="auto">
+          <a:xfrm>
+            <a:off x="2560638" y="2482190"/>
+            <a:ext cx="184731" cy="661720"/>
+          </a:xfrm>
+          <a:prstGeom prst="rect">
+            <a:avLst/>
+          </a:prstGeom>
+          <a:noFill/>
+          <a:ln>
+            <a:noFill/>
+          </a:ln>
+          <a:effectLst/>
+          <a:extLst>
+            <a:ext uri="{909E8E84-426E-40DD-AFC4-6F175D3DCCD1}">
+              <a14:hiddenFill xmlns:a14="http://schemas.microsoft.com/office/drawing/2010/main">
+                <a:solidFill>
+                  <a:schemeClr val="accent1"/>
+                </a:solidFill>
+              </a14:hiddenFill>
+            </a:ext>
+            <a:ext uri="{91240B29-F687-4F45-9708-019B960494DF}">
+              <a14:hiddenLine xmlns:a14="http://schemas.microsoft.com/office/drawing/2010/main" w="9525">
+                <a:solidFill>
+                  <a:schemeClr val="tx1"/>
+                </a:solidFill>
+                <a:miter lim="800000"/>
+                <a:headEnd/>
+                <a:tailEnd/>
+              </a14:hiddenLine>
+            </a:ext>
+            <a:ext uri="{AF507438-7753-43E0-B8FC-AC1667EBCBE1}">
+              <a14:hiddenEffects xmlns:a14="http://schemas.microsoft.com/office/drawing/2010/main">
+                <a:effectLst>
+                  <a:outerShdw dist="35921" dir="2700000" algn="ctr" rotWithShape="0">
+                    <a:schemeClr val="bg2"/>
+                  </a:outerShdw>
+                </a:effectLst>
+              </a14:hiddenEffects>
+            </a:ext>
+          </a:extLst>
+        </p:spPr>
+        <p:txBody>
+          <a:bodyPr vert="horz" wrap="none" lIns="91440" tIns="45720" rIns="91440" bIns="45720" numCol="1" anchor="ctr" anchorCtr="0" compatLnSpc="1">
+            <a:prstTxWarp prst="textNoShape">
+              <a:avLst/>
+            </a:prstTxWarp>
+            <a:spAutoFit/>
+          </a:bodyPr>
+          <a:lstStyle>
+            <a:lvl1pPr eaLnBrk="0" fontAlgn="base" hangingPunct="0">
+              <a:spcBef>
+                <a:spcPct val="0"/>
+              </a:spcBef>
+              <a:spcAft>
+                <a:spcPct val="0"/>
+              </a:spcAft>
+              <a:defRPr>
+                <a:solidFill>
+                  <a:schemeClr val="tx1"/>
+                </a:solidFill>
+                <a:latin typeface="Arial" panose="020B0604020202020204" pitchFamily="34" charset="0"/>
+              </a:defRPr>
+            </a:lvl1pPr>
+            <a:lvl2pPr eaLnBrk="0" fontAlgn="base" hangingPunct="0">
+              <a:spcBef>
+                <a:spcPct val="0"/>
+              </a:spcBef>
+              <a:spcAft>
+                <a:spcPct val="0"/>
+              </a:spcAft>
+              <a:defRPr>
+                <a:solidFill>
+                  <a:schemeClr val="tx1"/>
+                </a:solidFill>
+                <a:latin typeface="Arial" panose="020B0604020202020204" pitchFamily="34" charset="0"/>
+              </a:defRPr>
+            </a:lvl2pPr>
+            <a:lvl3pPr eaLnBrk="0" fontAlgn="base" hangingPunct="0">
+              <a:spcBef>
+                <a:spcPct val="0"/>
+              </a:spcBef>
+              <a:spcAft>
+                <a:spcPct val="0"/>
+              </a:spcAft>
+              <a:defRPr>
+                <a:solidFill>
+                  <a:schemeClr val="tx1"/>
+                </a:solidFill>
+                <a:latin typeface="Arial" panose="020B0604020202020204" pitchFamily="34" charset="0"/>
+              </a:defRPr>
+            </a:lvl3pPr>
+            <a:lvl4pPr eaLnBrk="0" fontAlgn="base" hangingPunct="0">
+              <a:spcBef>
+                <a:spcPct val="0"/>
+              </a:spcBef>
+              <a:spcAft>
+                <a:spcPct val="0"/>
+              </a:spcAft>
+              <a:defRPr>
+                <a:solidFill>
+                  <a:schemeClr val="tx1"/>
+                </a:solidFill>
+                <a:latin typeface="Arial" panose="020B0604020202020204" pitchFamily="34" charset="0"/>
+              </a:defRPr>
+            </a:lvl4pPr>
+            <a:lvl5pPr eaLnBrk="0" fontAlgn="base" hangingPunct="0">
+              <a:spcBef>
+                <a:spcPct val="0"/>
+              </a:spcBef>
+              <a:spcAft>
+                <a:spcPct val="0"/>
+              </a:spcAft>
+              <a:defRPr>
+                <a:solidFill>
+                  <a:schemeClr val="tx1"/>
+                </a:solidFill>
+                <a:latin typeface="Arial" panose="020B0604020202020204" pitchFamily="34" charset="0"/>
+              </a:defRPr>
+            </a:lvl5pPr>
+            <a:lvl6pPr eaLnBrk="0" fontAlgn="base" hangingPunct="0">
+              <a:spcBef>
+                <a:spcPct val="0"/>
+              </a:spcBef>
+              <a:spcAft>
+                <a:spcPct val="0"/>
+              </a:spcAft>
+              <a:defRPr>
+                <a:solidFill>
+                  <a:schemeClr val="tx1"/>
+                </a:solidFill>
+                <a:latin typeface="Arial" panose="020B0604020202020204" pitchFamily="34" charset="0"/>
+              </a:defRPr>
+            </a:lvl6pPr>
+            <a:lvl7pPr eaLnBrk="0" fontAlgn="base" hangingPunct="0">
+              <a:spcBef>
+                <a:spcPct val="0"/>
+              </a:spcBef>
+              <a:spcAft>
+                <a:spcPct val="0"/>
+              </a:spcAft>
+              <a:defRPr>
+                <a:solidFill>
+                  <a:schemeClr val="tx1"/>
+                </a:solidFill>
+                <a:latin typeface="Arial" panose="020B0604020202020204" pitchFamily="34" charset="0"/>
+              </a:defRPr>
+            </a:lvl7pPr>
+            <a:lvl8pPr eaLnBrk="0" fontAlgn="base" hangingPunct="0">
+              <a:spcBef>
+                <a:spcPct val="0"/>
+              </a:spcBef>
+              <a:spcAft>
+                <a:spcPct val="0"/>
+              </a:spcAft>
+              <a:defRPr>
+                <a:solidFill>
+                  <a:schemeClr val="tx1"/>
+                </a:solidFill>
+                <a:latin typeface="Arial" panose="020B0604020202020204" pitchFamily="34" charset="0"/>
+              </a:defRPr>
+            </a:lvl8pPr>
+            <a:lvl9pPr eaLnBrk="0" fontAlgn="base" hangingPunct="0">
+              <a:spcBef>
+                <a:spcPct val="0"/>
+              </a:spcBef>
+              <a:spcAft>
+                <a:spcPct val="0"/>
+              </a:spcAft>
+              <a:defRPr>
+                <a:solidFill>
+                  <a:schemeClr val="tx1"/>
+                </a:solidFill>
+                <a:latin typeface="Arial" panose="020B0604020202020204" pitchFamily="34" charset="0"/>
+              </a:defRPr>
+            </a:lvl9pPr>
+          </a:lstStyle>
+          <a:p>
+            <a:pPr marL="0" marR="0" lvl="0" indent="0" algn="l" defTabSz="914400" rtl="0" eaLnBrk="0" fontAlgn="base" latinLnBrk="0" hangingPunct="0">
+              <a:lnSpc>
+                <a:spcPct val="100000"/>
+              </a:lnSpc>
+              <a:spcBef>
+                <a:spcPct val="0"/>
+              </a:spcBef>
+              <a:spcAft>
+                <a:spcPct val="0"/>
+              </a:spcAft>
+              <a:buClrTx/>
+              <a:buSzTx/>
+              <a:buFontTx/>
+              <a:buNone/>
+              <a:tabLst/>
+            </a:pPr>
+            <a:br>
+              <a:rPr kumimoji="0" lang="ko-KR" altLang="ko-KR" sz="1100" b="0" i="0" u="none" strike="noStrike" cap="none" normalizeH="0" baseline="0" dirty="0">
+                <a:ln>
+                  <a:noFill/>
+                </a:ln>
+                <a:solidFill>
+                  <a:srgbClr val="000000"/>
+                </a:solidFill>
+                <a:effectLst/>
+                <a:latin typeface="Arial" panose="020B0604020202020204" pitchFamily="34" charset="0"/>
+                <a:ea typeface="Noto Sans"/>
+              </a:rPr>
+            </a:br>
+            <a:endParaRPr kumimoji="0" lang="ko-KR" altLang="ko-KR" sz="800" b="0" i="0" u="none" strike="noStrike" cap="none" normalizeH="0" baseline="0" dirty="0">
+              <a:ln>
+                <a:noFill/>
+              </a:ln>
+              <a:solidFill>
+                <a:schemeClr val="tx1"/>
+              </a:solidFill>
+              <a:effectLst/>
+              <a:latin typeface="Arial" panose="020B0604020202020204" pitchFamily="34" charset="0"/>
+            </a:endParaRPr>
+          </a:p>
+          <a:p>
+            <a:pPr marL="0" marR="0" lvl="0" indent="0" algn="l" defTabSz="914400" rtl="0" eaLnBrk="0" fontAlgn="base" latinLnBrk="0" hangingPunct="0">
+              <a:lnSpc>
+                <a:spcPct val="100000"/>
+              </a:lnSpc>
+              <a:spcBef>
+                <a:spcPct val="0"/>
+              </a:spcBef>
+              <a:spcAft>
+                <a:spcPct val="0"/>
+              </a:spcAft>
+              <a:buClrTx/>
+              <a:buSzTx/>
+              <a:buFontTx/>
+              <a:buNone/>
+              <a:tabLst/>
+            </a:pPr>
+            <a:endParaRPr kumimoji="0" lang="ko-KR" altLang="ko-KR" sz="1800" b="0" i="0" u="none" strike="noStrike" cap="none" normalizeH="0" baseline="0" dirty="0">
+              <a:ln>
+                <a:noFill/>
+              </a:ln>
+              <a:solidFill>
+                <a:schemeClr val="tx1"/>
+              </a:solidFill>
+              <a:effectLst/>
+              <a:latin typeface="Arial" panose="020B0604020202020204" pitchFamily="34" charset="0"/>
+            </a:endParaRPr>
+          </a:p>
+        </p:txBody>
+      </p:sp>
+      <p:sp>
+        <p:nvSpPr>
+          <p:cNvPr id="8" name="TextBox 7">
+            <a:extLst>
+              <a:ext uri="{FF2B5EF4-FFF2-40B4-BE49-F238E27FC236}">
+                <a16:creationId xmlns:a16="http://schemas.microsoft.com/office/drawing/2014/main" id="{650692E1-26D1-4137-8BF5-FFACD5F9458F}"/>
+              </a:ext>
+            </a:extLst>
+          </p:cNvPr>
+          <p:cNvSpPr txBox="1"/>
+          <p:nvPr/>
+        </p:nvSpPr>
+        <p:spPr>
+          <a:xfrm>
+            <a:off x="2001520" y="1971040"/>
+            <a:ext cx="184731" cy="369332"/>
+          </a:xfrm>
+          <a:prstGeom prst="rect">
+            <a:avLst/>
+          </a:prstGeom>
+          <a:noFill/>
+        </p:spPr>
+        <p:txBody>
+          <a:bodyPr wrap="none" rtlCol="0">
+            <a:spAutoFit/>
+          </a:bodyPr>
+          <a:lstStyle/>
+          <a:p>
+            <a:endParaRPr lang="ko-KR" altLang="en-US" dirty="0"/>
+          </a:p>
+        </p:txBody>
+      </p:sp>
+      <p:graphicFrame>
+        <p:nvGraphicFramePr>
+          <p:cNvPr id="10" name="표 9">
+            <a:extLst>
+              <a:ext uri="{FF2B5EF4-FFF2-40B4-BE49-F238E27FC236}">
+                <a16:creationId xmlns:a16="http://schemas.microsoft.com/office/drawing/2014/main" id="{EA37D673-3816-4755-BBDC-9B5855285DA5}"/>
+              </a:ext>
+            </a:extLst>
+          </p:cNvPr>
+          <p:cNvGraphicFramePr>
+            <a:graphicFrameLocks noGrp="1"/>
+          </p:cNvGraphicFramePr>
+          <p:nvPr>
+            <p:extLst>
+              <p:ext uri="{D42A27DB-BD31-4B8C-83A1-F6EECF244321}">
+                <p14:modId xmlns:p14="http://schemas.microsoft.com/office/powerpoint/2010/main" val="2133583159"/>
+              </p:ext>
+            </p:extLst>
+          </p:nvPr>
+        </p:nvGraphicFramePr>
+        <p:xfrm>
+          <a:off x="3348218" y="2963118"/>
+          <a:ext cx="7071360" cy="3797622"/>
+        </p:xfrm>
+        <a:graphic>
+          <a:graphicData uri="http://schemas.openxmlformats.org/drawingml/2006/table">
+            <a:tbl>
+              <a:tblPr/>
+              <a:tblGrid>
+                <a:gridCol w="7071360">
+                  <a:extLst>
+                    <a:ext uri="{9D8B030D-6E8A-4147-A177-3AD203B41FA5}">
+                      <a16:colId xmlns:a16="http://schemas.microsoft.com/office/drawing/2014/main" val="2350530737"/>
+                    </a:ext>
+                  </a:extLst>
+                </a:gridCol>
+              </a:tblGrid>
+              <a:tr h="3797622">
+                <a:tc>
+                  <a:txBody>
+                    <a:bodyPr/>
+                    <a:lstStyle/>
+                    <a:p>
+                      <a:r>
+                        <a:rPr lang="en-US" altLang="ko-KR" dirty="0">
+                          <a:solidFill>
+                            <a:srgbClr val="999999"/>
+                          </a:solidFill>
+                          <a:effectLst/>
+                          <a:latin typeface="Consolas" panose="020B0609020204030204" pitchFamily="49" charset="0"/>
+                        </a:rPr>
+                        <a:t>// </a:t>
+                      </a:r>
+                      <a:r>
+                        <a:rPr lang="ko-KR" altLang="en-US" dirty="0" err="1">
+                          <a:solidFill>
+                            <a:srgbClr val="999999"/>
+                          </a:solidFill>
+                          <a:effectLst/>
+                          <a:latin typeface="Consolas" panose="020B0609020204030204" pitchFamily="49" charset="0"/>
+                        </a:rPr>
+                        <a:t>커밋</a:t>
+                      </a:r>
+                      <a:r>
+                        <a:rPr lang="ko-KR" altLang="en-US" dirty="0">
+                          <a:solidFill>
+                            <a:srgbClr val="999999"/>
+                          </a:solidFill>
+                          <a:effectLst/>
+                          <a:latin typeface="Consolas" panose="020B0609020204030204" pitchFamily="49" charset="0"/>
+                        </a:rPr>
+                        <a:t> 이력 상세조회</a:t>
+                      </a:r>
+                      <a:endParaRPr lang="ko-KR" altLang="en-US" dirty="0">
+                        <a:solidFill>
+                          <a:srgbClr val="010101"/>
+                        </a:solidFill>
+                        <a:effectLst/>
+                        <a:latin typeface="Consolas" panose="020B0609020204030204" pitchFamily="49" charset="0"/>
+                      </a:endParaRPr>
+                    </a:p>
+                    <a:p>
+                      <a:r>
+                        <a:rPr lang="en-US" altLang="ko-KR" dirty="0">
+                          <a:solidFill>
+                            <a:srgbClr val="010101"/>
+                          </a:solidFill>
+                          <a:effectLst/>
+                          <a:latin typeface="Consolas" panose="020B0609020204030204" pitchFamily="49" charset="0"/>
+                        </a:rPr>
+                        <a:t>git log </a:t>
+                      </a:r>
+                    </a:p>
+                    <a:p>
+                      <a:r>
+                        <a:rPr lang="en-US" altLang="ko-KR" dirty="0">
+                          <a:solidFill>
+                            <a:srgbClr val="010101"/>
+                          </a:solidFill>
+                          <a:effectLst/>
+                          <a:latin typeface="Consolas" panose="020B0609020204030204" pitchFamily="49" charset="0"/>
+                        </a:rPr>
+                        <a:t> </a:t>
+                      </a:r>
+                    </a:p>
+                    <a:p>
+                      <a:r>
+                        <a:rPr lang="en-US" altLang="ko-KR" dirty="0">
+                          <a:solidFill>
+                            <a:srgbClr val="999999"/>
+                          </a:solidFill>
+                          <a:effectLst/>
+                          <a:latin typeface="Consolas" panose="020B0609020204030204" pitchFamily="49" charset="0"/>
+                        </a:rPr>
+                        <a:t>// </a:t>
+                      </a:r>
+                      <a:r>
+                        <a:rPr lang="ko-KR" altLang="en-US" dirty="0" err="1">
+                          <a:solidFill>
+                            <a:srgbClr val="999999"/>
+                          </a:solidFill>
+                          <a:effectLst/>
+                          <a:latin typeface="Consolas" panose="020B0609020204030204" pitchFamily="49" charset="0"/>
+                        </a:rPr>
+                        <a:t>커밋</a:t>
+                      </a:r>
+                      <a:r>
+                        <a:rPr lang="ko-KR" altLang="en-US" dirty="0">
+                          <a:solidFill>
+                            <a:srgbClr val="999999"/>
+                          </a:solidFill>
+                          <a:effectLst/>
+                          <a:latin typeface="Consolas" panose="020B0609020204030204" pitchFamily="49" charset="0"/>
+                        </a:rPr>
+                        <a:t> </a:t>
+                      </a:r>
+                      <a:r>
+                        <a:rPr lang="ko-KR" altLang="en-US" dirty="0" err="1">
+                          <a:solidFill>
+                            <a:srgbClr val="999999"/>
+                          </a:solidFill>
+                          <a:effectLst/>
+                          <a:latin typeface="Consolas" panose="020B0609020204030204" pitchFamily="49" charset="0"/>
+                        </a:rPr>
+                        <a:t>이력중</a:t>
+                      </a:r>
+                      <a:r>
+                        <a:rPr lang="ko-KR" altLang="en-US" dirty="0">
+                          <a:solidFill>
+                            <a:srgbClr val="999999"/>
+                          </a:solidFill>
+                          <a:effectLst/>
+                          <a:latin typeface="Consolas" panose="020B0609020204030204" pitchFamily="49" charset="0"/>
+                        </a:rPr>
+                        <a:t> </a:t>
+                      </a:r>
+                      <a:r>
+                        <a:rPr lang="ko-KR" altLang="en-US" dirty="0" err="1">
+                          <a:solidFill>
+                            <a:srgbClr val="999999"/>
+                          </a:solidFill>
+                          <a:effectLst/>
+                          <a:latin typeface="Consolas" panose="020B0609020204030204" pitchFamily="49" charset="0"/>
+                        </a:rPr>
+                        <a:t>커밋</a:t>
+                      </a:r>
+                      <a:r>
+                        <a:rPr lang="en-US" altLang="ko-KR" dirty="0">
+                          <a:solidFill>
+                            <a:srgbClr val="999999"/>
+                          </a:solidFill>
+                          <a:effectLst/>
+                          <a:latin typeface="Consolas" panose="020B0609020204030204" pitchFamily="49" charset="0"/>
+                        </a:rPr>
+                        <a:t>ID, </a:t>
+                      </a:r>
+                      <a:r>
+                        <a:rPr lang="ko-KR" altLang="en-US" dirty="0">
+                          <a:solidFill>
+                            <a:srgbClr val="999999"/>
+                          </a:solidFill>
+                          <a:effectLst/>
+                          <a:latin typeface="Consolas" panose="020B0609020204030204" pitchFamily="49" charset="0"/>
+                        </a:rPr>
+                        <a:t>타이틀 메시지만 조회</a:t>
+                      </a:r>
+                      <a:endParaRPr lang="ko-KR" altLang="en-US" dirty="0">
+                        <a:solidFill>
+                          <a:srgbClr val="010101"/>
+                        </a:solidFill>
+                        <a:effectLst/>
+                        <a:latin typeface="Consolas" panose="020B0609020204030204" pitchFamily="49" charset="0"/>
+                      </a:endParaRPr>
+                    </a:p>
+                    <a:p>
+                      <a:r>
+                        <a:rPr lang="en-US" altLang="ko-KR" dirty="0">
+                          <a:solidFill>
+                            <a:srgbClr val="010101"/>
+                          </a:solidFill>
+                          <a:effectLst/>
+                          <a:latin typeface="Consolas" panose="020B0609020204030204" pitchFamily="49" charset="0"/>
+                        </a:rPr>
+                        <a:t>git log </a:t>
+                      </a:r>
+                      <a:r>
+                        <a:rPr lang="en-US" altLang="ko-KR" dirty="0">
+                          <a:solidFill>
+                            <a:srgbClr val="A71D5D"/>
+                          </a:solidFill>
+                          <a:effectLst/>
+                          <a:latin typeface="Consolas" panose="020B0609020204030204" pitchFamily="49" charset="0"/>
+                        </a:rPr>
+                        <a:t>--</a:t>
+                      </a:r>
+                      <a:r>
+                        <a:rPr lang="en-US" altLang="ko-KR" dirty="0" err="1">
+                          <a:solidFill>
+                            <a:srgbClr val="010101"/>
+                          </a:solidFill>
+                          <a:effectLst/>
+                          <a:latin typeface="Consolas" panose="020B0609020204030204" pitchFamily="49" charset="0"/>
+                        </a:rPr>
+                        <a:t>oneline</a:t>
+                      </a:r>
+                      <a:endParaRPr lang="en-US" altLang="ko-KR" dirty="0">
+                        <a:solidFill>
+                          <a:srgbClr val="010101"/>
+                        </a:solidFill>
+                        <a:effectLst/>
+                        <a:latin typeface="Consolas" panose="020B0609020204030204" pitchFamily="49" charset="0"/>
+                      </a:endParaRPr>
+                    </a:p>
+                    <a:p>
+                      <a:r>
+                        <a:rPr lang="en-US" altLang="ko-KR" dirty="0">
+                          <a:solidFill>
+                            <a:srgbClr val="010101"/>
+                          </a:solidFill>
+                          <a:effectLst/>
+                          <a:latin typeface="Consolas" panose="020B0609020204030204" pitchFamily="49" charset="0"/>
+                        </a:rPr>
+                        <a:t> </a:t>
+                      </a:r>
+                    </a:p>
+                    <a:p>
+                      <a:r>
+                        <a:rPr lang="en-US" altLang="ko-KR" dirty="0">
+                          <a:solidFill>
+                            <a:srgbClr val="999999"/>
+                          </a:solidFill>
+                          <a:effectLst/>
+                          <a:latin typeface="Consolas" panose="020B0609020204030204" pitchFamily="49" charset="0"/>
+                        </a:rPr>
+                        <a:t>// </a:t>
+                      </a:r>
+                      <a:r>
+                        <a:rPr lang="ko-KR" altLang="en-US" dirty="0">
+                          <a:solidFill>
+                            <a:srgbClr val="999999"/>
+                          </a:solidFill>
+                          <a:effectLst/>
+                          <a:latin typeface="Consolas" panose="020B0609020204030204" pitchFamily="49" charset="0"/>
+                        </a:rPr>
+                        <a:t>모든 </a:t>
+                      </a:r>
+                      <a:r>
+                        <a:rPr lang="ko-KR" altLang="en-US" dirty="0" err="1">
+                          <a:solidFill>
+                            <a:srgbClr val="999999"/>
+                          </a:solidFill>
+                          <a:effectLst/>
+                          <a:latin typeface="Consolas" panose="020B0609020204030204" pitchFamily="49" charset="0"/>
+                        </a:rPr>
+                        <a:t>브랜치</a:t>
+                      </a:r>
+                      <a:r>
+                        <a:rPr lang="ko-KR" altLang="en-US" dirty="0">
+                          <a:solidFill>
+                            <a:srgbClr val="999999"/>
+                          </a:solidFill>
+                          <a:effectLst/>
+                          <a:latin typeface="Consolas" panose="020B0609020204030204" pitchFamily="49" charset="0"/>
+                        </a:rPr>
+                        <a:t> </a:t>
+                      </a:r>
+                      <a:r>
+                        <a:rPr lang="ko-KR" altLang="en-US" dirty="0" err="1">
+                          <a:solidFill>
+                            <a:srgbClr val="999999"/>
+                          </a:solidFill>
+                          <a:effectLst/>
+                          <a:latin typeface="Consolas" panose="020B0609020204030204" pitchFamily="49" charset="0"/>
+                        </a:rPr>
+                        <a:t>커밋</a:t>
+                      </a:r>
+                      <a:r>
+                        <a:rPr lang="ko-KR" altLang="en-US" dirty="0">
+                          <a:solidFill>
+                            <a:srgbClr val="999999"/>
+                          </a:solidFill>
+                          <a:effectLst/>
+                          <a:latin typeface="Consolas" panose="020B0609020204030204" pitchFamily="49" charset="0"/>
+                        </a:rPr>
+                        <a:t> 이력 조회</a:t>
+                      </a:r>
+                      <a:endParaRPr lang="ko-KR" altLang="en-US" dirty="0">
+                        <a:solidFill>
+                          <a:srgbClr val="010101"/>
+                        </a:solidFill>
+                        <a:effectLst/>
+                        <a:latin typeface="Consolas" panose="020B0609020204030204" pitchFamily="49" charset="0"/>
+                      </a:endParaRPr>
+                    </a:p>
+                    <a:p>
+                      <a:r>
+                        <a:rPr lang="en-US" altLang="ko-KR" dirty="0">
+                          <a:solidFill>
+                            <a:srgbClr val="010101"/>
+                          </a:solidFill>
+                          <a:effectLst/>
+                          <a:latin typeface="Consolas" panose="020B0609020204030204" pitchFamily="49" charset="0"/>
+                        </a:rPr>
+                        <a:t>git log </a:t>
+                      </a:r>
+                      <a:r>
+                        <a:rPr lang="en-US" altLang="ko-KR" dirty="0">
+                          <a:solidFill>
+                            <a:srgbClr val="A71D5D"/>
+                          </a:solidFill>
+                          <a:effectLst/>
+                          <a:latin typeface="Consolas" panose="020B0609020204030204" pitchFamily="49" charset="0"/>
+                        </a:rPr>
+                        <a:t>--</a:t>
+                      </a:r>
+                      <a:r>
+                        <a:rPr lang="en-US" altLang="ko-KR" dirty="0" err="1">
+                          <a:solidFill>
+                            <a:srgbClr val="010101"/>
+                          </a:solidFill>
+                          <a:effectLst/>
+                          <a:latin typeface="Consolas" panose="020B0609020204030204" pitchFamily="49" charset="0"/>
+                        </a:rPr>
+                        <a:t>oneline</a:t>
+                      </a:r>
+                      <a:r>
+                        <a:rPr lang="en-US" altLang="ko-KR" dirty="0">
+                          <a:solidFill>
+                            <a:srgbClr val="010101"/>
+                          </a:solidFill>
+                          <a:effectLst/>
+                          <a:latin typeface="Consolas" panose="020B0609020204030204" pitchFamily="49" charset="0"/>
+                        </a:rPr>
+                        <a:t> </a:t>
+                      </a:r>
+                      <a:r>
+                        <a:rPr lang="en-US" altLang="ko-KR" dirty="0">
+                          <a:solidFill>
+                            <a:srgbClr val="A71D5D"/>
+                          </a:solidFill>
+                          <a:effectLst/>
+                          <a:latin typeface="Consolas" panose="020B0609020204030204" pitchFamily="49" charset="0"/>
+                        </a:rPr>
+                        <a:t>--</a:t>
+                      </a:r>
+                      <a:r>
+                        <a:rPr lang="en-US" altLang="ko-KR" dirty="0">
+                          <a:solidFill>
+                            <a:srgbClr val="010101"/>
+                          </a:solidFill>
+                          <a:effectLst/>
+                          <a:latin typeface="Consolas" panose="020B0609020204030204" pitchFamily="49" charset="0"/>
+                        </a:rPr>
+                        <a:t>decorate </a:t>
+                      </a:r>
+                      <a:r>
+                        <a:rPr lang="en-US" altLang="ko-KR" dirty="0">
+                          <a:solidFill>
+                            <a:srgbClr val="A71D5D"/>
+                          </a:solidFill>
+                          <a:effectLst/>
+                          <a:latin typeface="Consolas" panose="020B0609020204030204" pitchFamily="49" charset="0"/>
+                        </a:rPr>
+                        <a:t>--</a:t>
+                      </a:r>
+                      <a:r>
+                        <a:rPr lang="en-US" altLang="ko-KR" dirty="0">
+                          <a:solidFill>
+                            <a:srgbClr val="010101"/>
+                          </a:solidFill>
+                          <a:effectLst/>
+                          <a:latin typeface="Consolas" panose="020B0609020204030204" pitchFamily="49" charset="0"/>
+                        </a:rPr>
+                        <a:t>graph </a:t>
+                      </a:r>
+                      <a:r>
+                        <a:rPr lang="en-US" altLang="ko-KR" dirty="0">
+                          <a:solidFill>
+                            <a:srgbClr val="A71D5D"/>
+                          </a:solidFill>
+                          <a:effectLst/>
+                          <a:latin typeface="Consolas" panose="020B0609020204030204" pitchFamily="49" charset="0"/>
+                        </a:rPr>
+                        <a:t>--</a:t>
+                      </a:r>
+                      <a:r>
+                        <a:rPr lang="en-US" altLang="ko-KR" dirty="0">
+                          <a:solidFill>
+                            <a:srgbClr val="010101"/>
+                          </a:solidFill>
+                          <a:effectLst/>
+                          <a:latin typeface="Consolas" panose="020B0609020204030204" pitchFamily="49" charset="0"/>
+                        </a:rPr>
+                        <a:t>all</a:t>
+                      </a:r>
+                    </a:p>
+                    <a:p>
+                      <a:r>
+                        <a:rPr lang="en-US" altLang="ko-KR" dirty="0">
+                          <a:solidFill>
+                            <a:srgbClr val="010101"/>
+                          </a:solidFill>
+                          <a:effectLst/>
+                          <a:latin typeface="Consolas" panose="020B0609020204030204" pitchFamily="49" charset="0"/>
+                        </a:rPr>
+                        <a:t> </a:t>
+                      </a:r>
+                    </a:p>
+                    <a:p>
+                      <a:r>
+                        <a:rPr lang="en-US" altLang="ko-KR" dirty="0">
+                          <a:solidFill>
+                            <a:srgbClr val="999999"/>
+                          </a:solidFill>
+                          <a:effectLst/>
+                          <a:latin typeface="Consolas" panose="020B0609020204030204" pitchFamily="49" charset="0"/>
+                        </a:rPr>
+                        <a:t>// </a:t>
+                      </a:r>
+                      <a:r>
+                        <a:rPr lang="ko-KR" altLang="en-US" dirty="0">
+                          <a:solidFill>
+                            <a:srgbClr val="999999"/>
+                          </a:solidFill>
+                          <a:effectLst/>
+                          <a:latin typeface="Consolas" panose="020B0609020204030204" pitchFamily="49" charset="0"/>
+                        </a:rPr>
+                        <a:t>특정 파일의 변경 </a:t>
+                      </a:r>
+                      <a:r>
+                        <a:rPr lang="ko-KR" altLang="en-US" dirty="0" err="1">
+                          <a:solidFill>
+                            <a:srgbClr val="999999"/>
+                          </a:solidFill>
+                          <a:effectLst/>
+                          <a:latin typeface="Consolas" panose="020B0609020204030204" pitchFamily="49" charset="0"/>
+                        </a:rPr>
+                        <a:t>커밋</a:t>
+                      </a:r>
+                      <a:r>
+                        <a:rPr lang="ko-KR" altLang="en-US" dirty="0">
+                          <a:solidFill>
+                            <a:srgbClr val="999999"/>
+                          </a:solidFill>
+                          <a:effectLst/>
+                          <a:latin typeface="Consolas" panose="020B0609020204030204" pitchFamily="49" charset="0"/>
+                        </a:rPr>
+                        <a:t> 조회</a:t>
+                      </a:r>
+                      <a:endParaRPr lang="ko-KR" altLang="en-US" dirty="0">
+                        <a:solidFill>
+                          <a:srgbClr val="010101"/>
+                        </a:solidFill>
+                        <a:effectLst/>
+                        <a:latin typeface="Consolas" panose="020B0609020204030204" pitchFamily="49" charset="0"/>
+                      </a:endParaRPr>
+                    </a:p>
+                    <a:p>
+                      <a:r>
+                        <a:rPr lang="en-US" altLang="ko-KR" dirty="0">
+                          <a:solidFill>
+                            <a:srgbClr val="010101"/>
+                          </a:solidFill>
+                          <a:effectLst/>
+                          <a:latin typeface="Consolas" panose="020B0609020204030204" pitchFamily="49" charset="0"/>
+                        </a:rPr>
+                        <a:t>git log </a:t>
+                      </a:r>
+                      <a:r>
+                        <a:rPr lang="en-US" altLang="ko-KR" dirty="0">
+                          <a:solidFill>
+                            <a:srgbClr val="A71D5D"/>
+                          </a:solidFill>
+                          <a:effectLst/>
+                          <a:latin typeface="Consolas" panose="020B0609020204030204" pitchFamily="49" charset="0"/>
+                        </a:rPr>
+                        <a:t>--</a:t>
+                      </a:r>
+                      <a:r>
+                        <a:rPr lang="ko-KR" altLang="en-US" dirty="0">
+                          <a:solidFill>
+                            <a:srgbClr val="010101"/>
+                          </a:solidFill>
+                          <a:effectLst/>
+                          <a:latin typeface="Consolas" panose="020B0609020204030204" pitchFamily="49" charset="0"/>
+                        </a:rPr>
+                        <a:t> </a:t>
+                      </a:r>
+                      <a:r>
+                        <a:rPr lang="en-US" altLang="ko-KR" dirty="0">
+                          <a:solidFill>
+                            <a:srgbClr val="010101"/>
+                          </a:solidFill>
+                          <a:effectLst/>
+                          <a:latin typeface="Consolas" panose="020B0609020204030204" pitchFamily="49" charset="0"/>
+                        </a:rPr>
+                        <a:t>a.html</a:t>
+                      </a:r>
+                    </a:p>
+                  </a:txBody>
+                  <a:tcPr marL="0" marR="0" anchor="ctr">
+                    <a:lnL>
+                      <a:noFill/>
+                    </a:lnL>
+                    <a:lnR>
+                      <a:noFill/>
+                    </a:lnR>
+                    <a:lnT>
+                      <a:noFill/>
+                    </a:lnT>
+                    <a:lnB>
+                      <a:noFill/>
+                    </a:lnB>
+                    <a:solidFill>
+                      <a:srgbClr val="FAFAFA"/>
+                    </a:solidFill>
+                  </a:tcPr>
+                </a:tc>
+                <a:extLst>
+                  <a:ext uri="{0D108BD9-81ED-4DB2-BD59-A6C34878D82A}">
+                    <a16:rowId xmlns:a16="http://schemas.microsoft.com/office/drawing/2014/main" val="158471201"/>
+                  </a:ext>
+                </a:extLst>
+              </a:tr>
+            </a:tbl>
+          </a:graphicData>
+        </a:graphic>
+      </p:graphicFrame>
+      <p:sp>
+        <p:nvSpPr>
+          <p:cNvPr id="12" name="직사각형 11">
+            <a:extLst>
+              <a:ext uri="{FF2B5EF4-FFF2-40B4-BE49-F238E27FC236}">
+                <a16:creationId xmlns:a16="http://schemas.microsoft.com/office/drawing/2014/main" id="{8EC61552-1BC0-4931-A77A-E5535A063335}"/>
+              </a:ext>
+            </a:extLst>
+          </p:cNvPr>
+          <p:cNvSpPr/>
+          <p:nvPr/>
+        </p:nvSpPr>
+        <p:spPr>
+          <a:xfrm>
+            <a:off x="2001520" y="1920498"/>
+            <a:ext cx="6096000" cy="1123384"/>
+          </a:xfrm>
+          <a:prstGeom prst="rect">
+            <a:avLst/>
+          </a:prstGeom>
+        </p:spPr>
+        <p:txBody>
+          <a:bodyPr>
+            <a:spAutoFit/>
+          </a:bodyPr>
+          <a:lstStyle/>
+          <a:p>
+            <a:pPr lvl="0" eaLnBrk="0" fontAlgn="base" latinLnBrk="0" hangingPunct="0">
+              <a:spcBef>
+                <a:spcPct val="0"/>
+              </a:spcBef>
+              <a:spcAft>
+                <a:spcPct val="0"/>
+              </a:spcAft>
+            </a:pPr>
+            <a:r>
+              <a:rPr lang="ko-KR" altLang="ko-KR" sz="2000" b="1" dirty="0" err="1">
+                <a:solidFill>
+                  <a:srgbClr val="000000"/>
+                </a:solidFill>
+                <a:latin typeface="Arial" panose="020B0604020202020204" pitchFamily="34" charset="0"/>
+                <a:ea typeface="Noto Sans"/>
+              </a:rPr>
+              <a:t>git</a:t>
+            </a:r>
+            <a:r>
+              <a:rPr lang="ko-KR" altLang="ko-KR" sz="2000" b="1" dirty="0">
+                <a:solidFill>
+                  <a:srgbClr val="000000"/>
+                </a:solidFill>
+                <a:latin typeface="Arial" panose="020B0604020202020204" pitchFamily="34" charset="0"/>
+                <a:ea typeface="Noto Sans"/>
+              </a:rPr>
+              <a:t> </a:t>
+            </a:r>
+            <a:r>
+              <a:rPr lang="ko-KR" altLang="ko-KR" sz="2000" b="1" dirty="0" err="1">
+                <a:solidFill>
+                  <a:srgbClr val="000000"/>
+                </a:solidFill>
+                <a:latin typeface="Arial" panose="020B0604020202020204" pitchFamily="34" charset="0"/>
+                <a:ea typeface="Noto Sans"/>
+              </a:rPr>
+              <a:t>log</a:t>
+            </a:r>
+            <a:endParaRPr lang="ko-KR" altLang="ko-KR" sz="1100" dirty="0">
+              <a:latin typeface="Arial" panose="020B0604020202020204" pitchFamily="34" charset="0"/>
+            </a:endParaRPr>
+          </a:p>
+          <a:p>
+            <a:pPr lvl="0" eaLnBrk="0" fontAlgn="base" latinLnBrk="0" hangingPunct="0">
+              <a:spcBef>
+                <a:spcPct val="0"/>
+              </a:spcBef>
+              <a:spcAft>
+                <a:spcPct val="0"/>
+              </a:spcAft>
+            </a:pPr>
+            <a:r>
+              <a:rPr lang="ko-KR" altLang="ko-KR" dirty="0">
+                <a:solidFill>
+                  <a:srgbClr val="000000"/>
+                </a:solidFill>
+                <a:latin typeface="Arial" panose="020B0604020202020204" pitchFamily="34" charset="0"/>
+                <a:ea typeface="Noto Sans"/>
+              </a:rPr>
+              <a:t>로컬저장소의 </a:t>
+            </a:r>
+            <a:r>
+              <a:rPr lang="ko-KR" altLang="ko-KR" dirty="0" err="1">
+                <a:solidFill>
+                  <a:srgbClr val="000000"/>
+                </a:solidFill>
+                <a:latin typeface="Arial" panose="020B0604020202020204" pitchFamily="34" charset="0"/>
+                <a:ea typeface="Noto Sans"/>
+              </a:rPr>
+              <a:t>커밋</a:t>
+            </a:r>
+            <a:r>
+              <a:rPr lang="ko-KR" altLang="ko-KR" dirty="0">
+                <a:solidFill>
+                  <a:srgbClr val="000000"/>
+                </a:solidFill>
+                <a:latin typeface="Arial" panose="020B0604020202020204" pitchFamily="34" charset="0"/>
+                <a:ea typeface="Noto Sans"/>
+              </a:rPr>
+              <a:t> 이력을 조회한다.</a:t>
+            </a:r>
+            <a:br>
+              <a:rPr lang="ko-KR" altLang="ko-KR" dirty="0">
+                <a:solidFill>
+                  <a:srgbClr val="000000"/>
+                </a:solidFill>
+                <a:latin typeface="Arial" panose="020B0604020202020204" pitchFamily="34" charset="0"/>
+                <a:ea typeface="Noto Sans"/>
+              </a:rPr>
+            </a:br>
+            <a:br>
+              <a:rPr lang="ko-KR" altLang="ko-KR" dirty="0">
+                <a:solidFill>
+                  <a:srgbClr val="000000"/>
+                </a:solidFill>
+                <a:latin typeface="Arial" panose="020B0604020202020204" pitchFamily="34" charset="0"/>
+                <a:ea typeface="Noto Sans"/>
+              </a:rPr>
+            </a:br>
+            <a:endParaRPr lang="ko-KR" altLang="ko-KR" sz="1100" dirty="0">
+              <a:latin typeface="Arial" panose="020B0604020202020204" pitchFamily="34" charset="0"/>
+            </a:endParaRPr>
+          </a:p>
+        </p:txBody>
+      </p:sp>
+    </p:spTree>
+    <p:extLst>
+      <p:ext uri="{BB962C8B-B14F-4D97-AF65-F5344CB8AC3E}">
+        <p14:creationId xmlns:p14="http://schemas.microsoft.com/office/powerpoint/2010/main" val="466059961"/>
+      </p:ext>
+    </p:extLst>
+  </p:cSld>
+  <p:clrMapOvr>
+    <a:masterClrMapping/>
+  </p:clrMapOvr>
+</p:sld>
+</file>
+
+<file path=ppt/slides/slide11.xml><?xml version="1.0" encoding="utf-8"?>
+<p:sld xmlns:a="http://schemas.openxmlformats.org/drawingml/2006/main" xmlns:r="http://schemas.openxmlformats.org/officeDocument/2006/relationships" xmlns:p="http://schemas.openxmlformats.org/presentationml/2006/main">
+  <p:cSld>
+    <p:spTree>
+      <p:nvGrpSpPr>
+        <p:cNvPr id="1" name=""/>
+        <p:cNvGrpSpPr/>
+        <p:nvPr/>
+      </p:nvGrpSpPr>
+      <p:grpSpPr>
+        <a:xfrm>
+          <a:off x="0" y="0"/>
+          <a:ext cx="0" cy="0"/>
+          <a:chOff x="0" y="0"/>
+          <a:chExt cx="0" cy="0"/>
+        </a:xfrm>
+      </p:grpSpPr>
+      <p:sp>
+        <p:nvSpPr>
+          <p:cNvPr id="7" name="제목 1">
+            <a:extLst>
+              <a:ext uri="{FF2B5EF4-FFF2-40B4-BE49-F238E27FC236}">
+                <a16:creationId xmlns:a16="http://schemas.microsoft.com/office/drawing/2014/main" id="{C0AEAB77-4322-430B-A939-1F5BE5C02208}"/>
+              </a:ext>
+            </a:extLst>
+          </p:cNvPr>
+          <p:cNvSpPr>
+            <a:spLocks noGrp="1"/>
+          </p:cNvSpPr>
+          <p:nvPr>
+            <p:ph type="title"/>
+          </p:nvPr>
+        </p:nvSpPr>
+        <p:spPr>
+          <a:xfrm>
+            <a:off x="838200" y="365125"/>
+            <a:ext cx="10515600" cy="1325563"/>
+          </a:xfrm>
+        </p:spPr>
+        <p:txBody>
+          <a:bodyPr/>
+          <a:lstStyle/>
+          <a:p>
+            <a:r>
+              <a:rPr lang="ko-KR" altLang="en-US" dirty="0"/>
+              <a:t>우분투 </a:t>
+            </a:r>
+            <a:r>
+              <a:rPr lang="en-US" altLang="ko-KR" dirty="0"/>
+              <a:t>, git bash </a:t>
+            </a:r>
+            <a:r>
+              <a:rPr lang="ko-KR" altLang="en-US" dirty="0"/>
+              <a:t>와 같은 터미널에서 </a:t>
+            </a:r>
+            <a:br>
+              <a:rPr lang="en-US" altLang="ko-KR" dirty="0"/>
+            </a:br>
+            <a:r>
+              <a:rPr lang="ko-KR" altLang="en-US" dirty="0"/>
+              <a:t>연결</a:t>
+            </a:r>
+          </a:p>
+        </p:txBody>
+      </p:sp>
+      <p:sp>
+        <p:nvSpPr>
+          <p:cNvPr id="3" name="Rectangle 1">
+            <a:extLst>
+              <a:ext uri="{FF2B5EF4-FFF2-40B4-BE49-F238E27FC236}">
+                <a16:creationId xmlns:a16="http://schemas.microsoft.com/office/drawing/2014/main" id="{BCC22582-1373-448C-818B-5117971466F6}"/>
+              </a:ext>
+            </a:extLst>
+          </p:cNvPr>
+          <p:cNvSpPr>
+            <a:spLocks noChangeArrowheads="1"/>
+          </p:cNvSpPr>
+          <p:nvPr/>
+        </p:nvSpPr>
+        <p:spPr bwMode="auto">
+          <a:xfrm>
+            <a:off x="2560638" y="2482190"/>
+            <a:ext cx="184731" cy="661720"/>
+          </a:xfrm>
+          <a:prstGeom prst="rect">
+            <a:avLst/>
+          </a:prstGeom>
+          <a:noFill/>
+          <a:ln>
+            <a:noFill/>
+          </a:ln>
+          <a:effectLst/>
+          <a:extLst>
+            <a:ext uri="{909E8E84-426E-40DD-AFC4-6F175D3DCCD1}">
+              <a14:hiddenFill xmlns:a14="http://schemas.microsoft.com/office/drawing/2010/main">
+                <a:solidFill>
+                  <a:schemeClr val="accent1"/>
+                </a:solidFill>
+              </a14:hiddenFill>
+            </a:ext>
+            <a:ext uri="{91240B29-F687-4F45-9708-019B960494DF}">
+              <a14:hiddenLine xmlns:a14="http://schemas.microsoft.com/office/drawing/2010/main" w="9525">
+                <a:solidFill>
+                  <a:schemeClr val="tx1"/>
+                </a:solidFill>
+                <a:miter lim="800000"/>
+                <a:headEnd/>
+                <a:tailEnd/>
+              </a14:hiddenLine>
+            </a:ext>
+            <a:ext uri="{AF507438-7753-43E0-B8FC-AC1667EBCBE1}">
+              <a14:hiddenEffects xmlns:a14="http://schemas.microsoft.com/office/drawing/2010/main">
+                <a:effectLst>
+                  <a:outerShdw dist="35921" dir="2700000" algn="ctr" rotWithShape="0">
+                    <a:schemeClr val="bg2"/>
+                  </a:outerShdw>
+                </a:effectLst>
+              </a14:hiddenEffects>
+            </a:ext>
+          </a:extLst>
+        </p:spPr>
+        <p:txBody>
+          <a:bodyPr vert="horz" wrap="none" lIns="91440" tIns="45720" rIns="91440" bIns="45720" numCol="1" anchor="ctr" anchorCtr="0" compatLnSpc="1">
+            <a:prstTxWarp prst="textNoShape">
+              <a:avLst/>
+            </a:prstTxWarp>
+            <a:spAutoFit/>
+          </a:bodyPr>
+          <a:lstStyle>
+            <a:lvl1pPr eaLnBrk="0" fontAlgn="base" hangingPunct="0">
+              <a:spcBef>
+                <a:spcPct val="0"/>
+              </a:spcBef>
+              <a:spcAft>
+                <a:spcPct val="0"/>
+              </a:spcAft>
+              <a:defRPr>
+                <a:solidFill>
+                  <a:schemeClr val="tx1"/>
+                </a:solidFill>
+                <a:latin typeface="Arial" panose="020B0604020202020204" pitchFamily="34" charset="0"/>
+              </a:defRPr>
+            </a:lvl1pPr>
+            <a:lvl2pPr eaLnBrk="0" fontAlgn="base" hangingPunct="0">
+              <a:spcBef>
+                <a:spcPct val="0"/>
+              </a:spcBef>
+              <a:spcAft>
+                <a:spcPct val="0"/>
+              </a:spcAft>
+              <a:defRPr>
+                <a:solidFill>
+                  <a:schemeClr val="tx1"/>
+                </a:solidFill>
+                <a:latin typeface="Arial" panose="020B0604020202020204" pitchFamily="34" charset="0"/>
+              </a:defRPr>
+            </a:lvl2pPr>
+            <a:lvl3pPr eaLnBrk="0" fontAlgn="base" hangingPunct="0">
+              <a:spcBef>
+                <a:spcPct val="0"/>
+              </a:spcBef>
+              <a:spcAft>
+                <a:spcPct val="0"/>
+              </a:spcAft>
+              <a:defRPr>
+                <a:solidFill>
+                  <a:schemeClr val="tx1"/>
+                </a:solidFill>
+                <a:latin typeface="Arial" panose="020B0604020202020204" pitchFamily="34" charset="0"/>
+              </a:defRPr>
+            </a:lvl3pPr>
+            <a:lvl4pPr eaLnBrk="0" fontAlgn="base" hangingPunct="0">
+              <a:spcBef>
+                <a:spcPct val="0"/>
+              </a:spcBef>
+              <a:spcAft>
+                <a:spcPct val="0"/>
+              </a:spcAft>
+              <a:defRPr>
+                <a:solidFill>
+                  <a:schemeClr val="tx1"/>
+                </a:solidFill>
+                <a:latin typeface="Arial" panose="020B0604020202020204" pitchFamily="34" charset="0"/>
+              </a:defRPr>
+            </a:lvl4pPr>
+            <a:lvl5pPr eaLnBrk="0" fontAlgn="base" hangingPunct="0">
+              <a:spcBef>
+                <a:spcPct val="0"/>
+              </a:spcBef>
+              <a:spcAft>
+                <a:spcPct val="0"/>
+              </a:spcAft>
+              <a:defRPr>
+                <a:solidFill>
+                  <a:schemeClr val="tx1"/>
+                </a:solidFill>
+                <a:latin typeface="Arial" panose="020B0604020202020204" pitchFamily="34" charset="0"/>
+              </a:defRPr>
+            </a:lvl5pPr>
+            <a:lvl6pPr eaLnBrk="0" fontAlgn="base" hangingPunct="0">
+              <a:spcBef>
+                <a:spcPct val="0"/>
+              </a:spcBef>
+              <a:spcAft>
+                <a:spcPct val="0"/>
+              </a:spcAft>
+              <a:defRPr>
+                <a:solidFill>
+                  <a:schemeClr val="tx1"/>
+                </a:solidFill>
+                <a:latin typeface="Arial" panose="020B0604020202020204" pitchFamily="34" charset="0"/>
+              </a:defRPr>
+            </a:lvl6pPr>
+            <a:lvl7pPr eaLnBrk="0" fontAlgn="base" hangingPunct="0">
+              <a:spcBef>
+                <a:spcPct val="0"/>
+              </a:spcBef>
+              <a:spcAft>
+                <a:spcPct val="0"/>
+              </a:spcAft>
+              <a:defRPr>
+                <a:solidFill>
+                  <a:schemeClr val="tx1"/>
+                </a:solidFill>
+                <a:latin typeface="Arial" panose="020B0604020202020204" pitchFamily="34" charset="0"/>
+              </a:defRPr>
+            </a:lvl7pPr>
+            <a:lvl8pPr eaLnBrk="0" fontAlgn="base" hangingPunct="0">
+              <a:spcBef>
+                <a:spcPct val="0"/>
+              </a:spcBef>
+              <a:spcAft>
+                <a:spcPct val="0"/>
+              </a:spcAft>
+              <a:defRPr>
+                <a:solidFill>
+                  <a:schemeClr val="tx1"/>
+                </a:solidFill>
+                <a:latin typeface="Arial" panose="020B0604020202020204" pitchFamily="34" charset="0"/>
+              </a:defRPr>
+            </a:lvl8pPr>
+            <a:lvl9pPr eaLnBrk="0" fontAlgn="base" hangingPunct="0">
+              <a:spcBef>
+                <a:spcPct val="0"/>
+              </a:spcBef>
+              <a:spcAft>
+                <a:spcPct val="0"/>
+              </a:spcAft>
+              <a:defRPr>
+                <a:solidFill>
+                  <a:schemeClr val="tx1"/>
+                </a:solidFill>
+                <a:latin typeface="Arial" panose="020B0604020202020204" pitchFamily="34" charset="0"/>
+              </a:defRPr>
+            </a:lvl9pPr>
+          </a:lstStyle>
+          <a:p>
+            <a:pPr marL="0" marR="0" lvl="0" indent="0" algn="l" defTabSz="914400" rtl="0" eaLnBrk="0" fontAlgn="base" latinLnBrk="0" hangingPunct="0">
+              <a:lnSpc>
+                <a:spcPct val="100000"/>
+              </a:lnSpc>
+              <a:spcBef>
+                <a:spcPct val="0"/>
+              </a:spcBef>
+              <a:spcAft>
+                <a:spcPct val="0"/>
+              </a:spcAft>
+              <a:buClrTx/>
+              <a:buSzTx/>
+              <a:buFontTx/>
+              <a:buNone/>
+              <a:tabLst/>
+            </a:pPr>
+            <a:br>
+              <a:rPr kumimoji="0" lang="ko-KR" altLang="ko-KR" sz="1100" b="0" i="0" u="none" strike="noStrike" cap="none" normalizeH="0" baseline="0" dirty="0">
+                <a:ln>
+                  <a:noFill/>
+                </a:ln>
+                <a:solidFill>
+                  <a:srgbClr val="000000"/>
+                </a:solidFill>
+                <a:effectLst/>
+                <a:latin typeface="Arial" panose="020B0604020202020204" pitchFamily="34" charset="0"/>
+                <a:ea typeface="Noto Sans"/>
+              </a:rPr>
+            </a:br>
+            <a:endParaRPr kumimoji="0" lang="ko-KR" altLang="ko-KR" sz="800" b="0" i="0" u="none" strike="noStrike" cap="none" normalizeH="0" baseline="0" dirty="0">
+              <a:ln>
+                <a:noFill/>
+              </a:ln>
+              <a:solidFill>
+                <a:schemeClr val="tx1"/>
+              </a:solidFill>
+              <a:effectLst/>
+              <a:latin typeface="Arial" panose="020B0604020202020204" pitchFamily="34" charset="0"/>
+            </a:endParaRPr>
+          </a:p>
+          <a:p>
+            <a:pPr marL="0" marR="0" lvl="0" indent="0" algn="l" defTabSz="914400" rtl="0" eaLnBrk="0" fontAlgn="base" latinLnBrk="0" hangingPunct="0">
+              <a:lnSpc>
+                <a:spcPct val="100000"/>
+              </a:lnSpc>
+              <a:spcBef>
+                <a:spcPct val="0"/>
+              </a:spcBef>
+              <a:spcAft>
+                <a:spcPct val="0"/>
+              </a:spcAft>
+              <a:buClrTx/>
+              <a:buSzTx/>
+              <a:buFontTx/>
+              <a:buNone/>
+              <a:tabLst/>
+            </a:pPr>
+            <a:endParaRPr kumimoji="0" lang="ko-KR" altLang="ko-KR" sz="1800" b="0" i="0" u="none" strike="noStrike" cap="none" normalizeH="0" baseline="0" dirty="0">
+              <a:ln>
+                <a:noFill/>
+              </a:ln>
+              <a:solidFill>
+                <a:schemeClr val="tx1"/>
+              </a:solidFill>
+              <a:effectLst/>
+              <a:latin typeface="Arial" panose="020B0604020202020204" pitchFamily="34" charset="0"/>
+            </a:endParaRPr>
+          </a:p>
+        </p:txBody>
+      </p:sp>
+      <p:sp>
+        <p:nvSpPr>
+          <p:cNvPr id="8" name="TextBox 7">
+            <a:extLst>
+              <a:ext uri="{FF2B5EF4-FFF2-40B4-BE49-F238E27FC236}">
+                <a16:creationId xmlns:a16="http://schemas.microsoft.com/office/drawing/2014/main" id="{650692E1-26D1-4137-8BF5-FFACD5F9458F}"/>
+              </a:ext>
+            </a:extLst>
+          </p:cNvPr>
+          <p:cNvSpPr txBox="1"/>
+          <p:nvPr/>
+        </p:nvSpPr>
+        <p:spPr>
+          <a:xfrm>
+            <a:off x="2001520" y="1971040"/>
+            <a:ext cx="184731" cy="369332"/>
+          </a:xfrm>
+          <a:prstGeom prst="rect">
+            <a:avLst/>
+          </a:prstGeom>
+          <a:noFill/>
+        </p:spPr>
+        <p:txBody>
+          <a:bodyPr wrap="none" rtlCol="0">
+            <a:spAutoFit/>
+          </a:bodyPr>
+          <a:lstStyle/>
+          <a:p>
+            <a:endParaRPr lang="ko-KR" altLang="en-US" dirty="0"/>
+          </a:p>
+        </p:txBody>
+      </p:sp>
+      <p:graphicFrame>
+        <p:nvGraphicFramePr>
+          <p:cNvPr id="2" name="표 1">
+            <a:extLst>
+              <a:ext uri="{FF2B5EF4-FFF2-40B4-BE49-F238E27FC236}">
+                <a16:creationId xmlns:a16="http://schemas.microsoft.com/office/drawing/2014/main" id="{15447FE9-F37F-40B1-A5AD-257840E9E327}"/>
+              </a:ext>
+            </a:extLst>
+          </p:cNvPr>
+          <p:cNvGraphicFramePr>
+            <a:graphicFrameLocks noGrp="1"/>
+          </p:cNvGraphicFramePr>
+          <p:nvPr>
+            <p:extLst>
+              <p:ext uri="{D42A27DB-BD31-4B8C-83A1-F6EECF244321}">
+                <p14:modId xmlns:p14="http://schemas.microsoft.com/office/powerpoint/2010/main" val="3779255706"/>
+              </p:ext>
+            </p:extLst>
+          </p:nvPr>
+        </p:nvGraphicFramePr>
+        <p:xfrm>
+          <a:off x="838200" y="2925147"/>
+          <a:ext cx="7071360" cy="2286000"/>
+        </p:xfrm>
+        <a:graphic>
+          <a:graphicData uri="http://schemas.openxmlformats.org/drawingml/2006/table">
+            <a:tbl>
+              <a:tblPr/>
+              <a:tblGrid>
+                <a:gridCol w="3535680">
+                  <a:extLst>
+                    <a:ext uri="{9D8B030D-6E8A-4147-A177-3AD203B41FA5}">
+                      <a16:colId xmlns:a16="http://schemas.microsoft.com/office/drawing/2014/main" val="3573991841"/>
+                    </a:ext>
+                  </a:extLst>
+                </a:gridCol>
+                <a:gridCol w="3535680">
+                  <a:extLst>
+                    <a:ext uri="{9D8B030D-6E8A-4147-A177-3AD203B41FA5}">
+                      <a16:colId xmlns:a16="http://schemas.microsoft.com/office/drawing/2014/main" val="3952994173"/>
+                    </a:ext>
+                  </a:extLst>
+                </a:gridCol>
+              </a:tblGrid>
+              <a:tr h="0">
+                <a:tc>
+                  <a:txBody>
+                    <a:bodyPr/>
+                    <a:lstStyle/>
+                    <a:p>
+                      <a:r>
+                        <a:rPr lang="en-US">
+                          <a:solidFill>
+                            <a:srgbClr val="999999"/>
+                          </a:solidFill>
+                          <a:effectLst/>
+                          <a:latin typeface="Consolas" panose="020B0609020204030204" pitchFamily="49" charset="0"/>
+                        </a:rPr>
+                        <a:t>// Github </a:t>
+                      </a:r>
+                      <a:r>
+                        <a:rPr lang="ko-KR" altLang="en-US">
+                          <a:solidFill>
+                            <a:srgbClr val="999999"/>
+                          </a:solidFill>
+                          <a:effectLst/>
+                          <a:latin typeface="Consolas" panose="020B0609020204030204" pitchFamily="49" charset="0"/>
+                        </a:rPr>
+                        <a:t>원격저장소와 연결한다</a:t>
+                      </a:r>
+                      <a:r>
+                        <a:rPr lang="en-US" altLang="ko-KR">
+                          <a:solidFill>
+                            <a:srgbClr val="999999"/>
+                          </a:solidFill>
+                          <a:effectLst/>
+                          <a:latin typeface="Consolas" panose="020B0609020204030204" pitchFamily="49" charset="0"/>
+                        </a:rPr>
+                        <a:t>.</a:t>
+                      </a:r>
+                      <a:endParaRPr lang="ko-KR" altLang="en-US">
+                        <a:solidFill>
+                          <a:srgbClr val="010101"/>
+                        </a:solidFill>
+                        <a:effectLst/>
+                        <a:latin typeface="Consolas" panose="020B0609020204030204" pitchFamily="49" charset="0"/>
+                      </a:endParaRPr>
+                    </a:p>
+                    <a:p>
+                      <a:r>
+                        <a:rPr lang="en-US">
+                          <a:solidFill>
+                            <a:srgbClr val="010101"/>
+                          </a:solidFill>
+                          <a:effectLst/>
+                          <a:latin typeface="Consolas" panose="020B0609020204030204" pitchFamily="49" charset="0"/>
+                        </a:rPr>
+                        <a:t>git remote add origin [</a:t>
+                      </a:r>
+                      <a:r>
+                        <a:rPr lang="ko-KR" altLang="en-US">
+                          <a:solidFill>
+                            <a:srgbClr val="010101"/>
+                          </a:solidFill>
+                          <a:effectLst/>
+                          <a:latin typeface="Consolas" panose="020B0609020204030204" pitchFamily="49" charset="0"/>
+                        </a:rPr>
+                        <a:t>자신의 </a:t>
+                      </a:r>
+                      <a:r>
+                        <a:rPr lang="en-US">
+                          <a:solidFill>
+                            <a:srgbClr val="010101"/>
+                          </a:solidFill>
+                          <a:effectLst/>
+                          <a:latin typeface="Consolas" panose="020B0609020204030204" pitchFamily="49" charset="0"/>
+                        </a:rPr>
+                        <a:t>Github </a:t>
+                      </a:r>
+                      <a:r>
+                        <a:rPr lang="ko-KR" altLang="en-US">
+                          <a:solidFill>
+                            <a:srgbClr val="010101"/>
+                          </a:solidFill>
+                          <a:effectLst/>
+                          <a:latin typeface="Consolas" panose="020B0609020204030204" pitchFamily="49" charset="0"/>
+                        </a:rPr>
+                        <a:t>원격저장소 주소</a:t>
+                      </a:r>
+                      <a:r>
+                        <a:rPr lang="en-US" altLang="ko-KR">
+                          <a:solidFill>
+                            <a:srgbClr val="010101"/>
+                          </a:solidFill>
+                          <a:effectLst/>
+                          <a:latin typeface="Consolas" panose="020B0609020204030204" pitchFamily="49" charset="0"/>
+                        </a:rPr>
+                        <a:t>]</a:t>
+                      </a:r>
+                    </a:p>
+                    <a:p>
+                      <a:r>
+                        <a:rPr lang="en-US" altLang="ko-KR">
+                          <a:solidFill>
+                            <a:srgbClr val="010101"/>
+                          </a:solidFill>
+                          <a:effectLst/>
+                          <a:latin typeface="Consolas" panose="020B0609020204030204" pitchFamily="49" charset="0"/>
+                        </a:rPr>
+                        <a:t> </a:t>
+                      </a:r>
+                    </a:p>
+                    <a:p>
+                      <a:r>
+                        <a:rPr lang="en-US" altLang="ko-KR">
+                          <a:solidFill>
+                            <a:srgbClr val="999999"/>
+                          </a:solidFill>
+                          <a:effectLst/>
+                          <a:latin typeface="Consolas" panose="020B0609020204030204" pitchFamily="49" charset="0"/>
+                        </a:rPr>
+                        <a:t>// </a:t>
+                      </a:r>
+                      <a:r>
+                        <a:rPr lang="ko-KR" altLang="en-US">
+                          <a:solidFill>
+                            <a:srgbClr val="999999"/>
+                          </a:solidFill>
+                          <a:effectLst/>
+                          <a:latin typeface="Consolas" panose="020B0609020204030204" pitchFamily="49" charset="0"/>
+                        </a:rPr>
+                        <a:t>연결된 원격저장소 확인한다</a:t>
+                      </a:r>
+                      <a:r>
+                        <a:rPr lang="en-US" altLang="ko-KR">
+                          <a:solidFill>
+                            <a:srgbClr val="999999"/>
+                          </a:solidFill>
+                          <a:effectLst/>
+                          <a:latin typeface="Consolas" panose="020B0609020204030204" pitchFamily="49" charset="0"/>
+                        </a:rPr>
+                        <a:t>.</a:t>
+                      </a:r>
+                      <a:endParaRPr lang="ko-KR" altLang="en-US">
+                        <a:solidFill>
+                          <a:srgbClr val="010101"/>
+                        </a:solidFill>
+                        <a:effectLst/>
+                        <a:latin typeface="Consolas" panose="020B0609020204030204" pitchFamily="49" charset="0"/>
+                      </a:endParaRPr>
+                    </a:p>
+                    <a:p>
+                      <a:r>
+                        <a:rPr lang="en-US">
+                          <a:solidFill>
+                            <a:srgbClr val="010101"/>
+                          </a:solidFill>
+                          <a:effectLst/>
+                          <a:latin typeface="Consolas" panose="020B0609020204030204" pitchFamily="49" charset="0"/>
+                        </a:rPr>
+                        <a:t>remote </a:t>
+                      </a:r>
+                      <a:r>
+                        <a:rPr lang="en-US">
+                          <a:solidFill>
+                            <a:srgbClr val="A71D5D"/>
+                          </a:solidFill>
+                          <a:effectLst/>
+                          <a:latin typeface="Consolas" panose="020B0609020204030204" pitchFamily="49" charset="0"/>
+                        </a:rPr>
+                        <a:t>-</a:t>
+                      </a:r>
+                      <a:r>
+                        <a:rPr lang="en-US">
+                          <a:solidFill>
+                            <a:srgbClr val="010101"/>
+                          </a:solidFill>
+                          <a:effectLst/>
+                          <a:latin typeface="Consolas" panose="020B0609020204030204" pitchFamily="49" charset="0"/>
+                        </a:rPr>
+                        <a:t>v</a:t>
+                      </a:r>
+                    </a:p>
+                    <a:p>
+                      <a:pPr algn="r"/>
+                      <a:r>
+                        <a:rPr lang="en-US" i="1" u="none" strike="noStrike">
+                          <a:solidFill>
+                            <a:srgbClr val="E5E5E5"/>
+                          </a:solidFill>
+                          <a:effectLst/>
+                          <a:hlinkClick r:id="rId2"/>
+                        </a:rPr>
+                        <a:t>Colored by Color Scripter</a:t>
+                      </a:r>
+                      <a:endParaRPr lang="en-US" i="1">
+                        <a:effectLst/>
+                      </a:endParaRPr>
+                    </a:p>
+                  </a:txBody>
+                  <a:tcPr marL="0" marR="0" anchor="ctr">
+                    <a:lnL>
+                      <a:noFill/>
+                    </a:lnL>
+                    <a:lnR>
+                      <a:noFill/>
+                    </a:lnR>
+                    <a:lnT>
+                      <a:noFill/>
+                    </a:lnT>
+                    <a:lnB>
+                      <a:noFill/>
+                    </a:lnB>
+                    <a:solidFill>
+                      <a:srgbClr val="FAFAFA"/>
+                    </a:solidFill>
+                  </a:tcPr>
+                </a:tc>
+                <a:tc>
+                  <a:txBody>
+                    <a:bodyPr/>
+                    <a:lstStyle/>
+                    <a:p>
+                      <a:pPr fontAlgn="b"/>
+                      <a:r>
+                        <a:rPr lang="en-US" u="none" strike="noStrike" dirty="0">
+                          <a:solidFill>
+                            <a:srgbClr val="FFFFFF"/>
+                          </a:solidFill>
+                          <a:effectLst/>
+                          <a:hlinkClick r:id="rId2"/>
+                        </a:rPr>
+                        <a:t>cs</a:t>
+                      </a:r>
+                      <a:endParaRPr lang="en-US" dirty="0">
+                        <a:effectLst/>
+                      </a:endParaRPr>
+                    </a:p>
+                  </a:txBody>
+                  <a:tcPr marL="0" marR="15240" marT="0" marB="30480" anchor="b">
+                    <a:lnL>
+                      <a:noFill/>
+                    </a:lnL>
+                    <a:lnR>
+                      <a:noFill/>
+                    </a:lnR>
+                    <a:lnT>
+                      <a:noFill/>
+                    </a:lnT>
+                    <a:lnB>
+                      <a:noFill/>
+                    </a:lnB>
+                    <a:solidFill>
+                      <a:srgbClr val="FAFAFA"/>
+                    </a:solidFill>
+                  </a:tcPr>
+                </a:tc>
+                <a:extLst>
+                  <a:ext uri="{0D108BD9-81ED-4DB2-BD59-A6C34878D82A}">
+                    <a16:rowId xmlns:a16="http://schemas.microsoft.com/office/drawing/2014/main" val="1786876606"/>
+                  </a:ext>
+                </a:extLst>
+              </a:tr>
+            </a:tbl>
+          </a:graphicData>
+        </a:graphic>
+      </p:graphicFrame>
+      <p:pic>
+        <p:nvPicPr>
+          <p:cNvPr id="7170" name="Picture 2" descr="https://t1.daumcdn.net/cfile/tistory/99479A415A30B36705">
+            <a:extLst>
+              <a:ext uri="{FF2B5EF4-FFF2-40B4-BE49-F238E27FC236}">
+                <a16:creationId xmlns:a16="http://schemas.microsoft.com/office/drawing/2014/main" id="{D98069D7-0774-4D5C-A216-4095082ECEE7}"/>
+              </a:ext>
+            </a:extLst>
+          </p:cNvPr>
+          <p:cNvPicPr>
+            <a:picLocks noChangeAspect="1" noChangeArrowheads="1"/>
+          </p:cNvPicPr>
+          <p:nvPr/>
+        </p:nvPicPr>
+        <p:blipFill>
+          <a:blip r:embed="rId3">
+            <a:extLst>
+              <a:ext uri="{28A0092B-C50C-407E-A947-70E740481C1C}">
+                <a14:useLocalDpi xmlns:a14="http://schemas.microsoft.com/office/drawing/2010/main" val="0"/>
+              </a:ext>
+            </a:extLst>
+          </a:blip>
+          <a:srcRect/>
+          <a:stretch>
+            <a:fillRect/>
+          </a:stretch>
+        </p:blipFill>
+        <p:spPr bwMode="auto">
+          <a:xfrm>
+            <a:off x="4928625" y="5379516"/>
+            <a:ext cx="6296025" cy="1247775"/>
+          </a:xfrm>
+          <a:prstGeom prst="rect">
+            <a:avLst/>
+          </a:prstGeom>
+          <a:noFill/>
+          <a:extLst>
+            <a:ext uri="{909E8E84-426E-40DD-AFC4-6F175D3DCCD1}">
+              <a14:hiddenFill xmlns:a14="http://schemas.microsoft.com/office/drawing/2010/main">
+                <a:solidFill>
+                  <a:srgbClr val="FFFFFF"/>
+                </a:solidFill>
+              </a14:hiddenFill>
+            </a:ext>
+          </a:extLst>
+        </p:spPr>
+      </p:pic>
+      <p:sp>
+        <p:nvSpPr>
+          <p:cNvPr id="5" name="TextBox 4">
+            <a:extLst>
+              <a:ext uri="{FF2B5EF4-FFF2-40B4-BE49-F238E27FC236}">
+                <a16:creationId xmlns:a16="http://schemas.microsoft.com/office/drawing/2014/main" id="{F4D7CE3B-0710-47E4-AFF5-2D3A0D9E1DEF}"/>
+              </a:ext>
+            </a:extLst>
+          </p:cNvPr>
+          <p:cNvSpPr txBox="1"/>
+          <p:nvPr/>
+        </p:nvSpPr>
+        <p:spPr>
+          <a:xfrm>
+            <a:off x="617830" y="1971040"/>
+            <a:ext cx="4070345" cy="954107"/>
+          </a:xfrm>
+          <a:prstGeom prst="rect">
+            <a:avLst/>
+          </a:prstGeom>
+          <a:noFill/>
+        </p:spPr>
+        <p:txBody>
+          <a:bodyPr wrap="none" rtlCol="0">
+            <a:spAutoFit/>
+          </a:bodyPr>
+          <a:lstStyle/>
+          <a:p>
+            <a:pPr lvl="0" eaLnBrk="0" fontAlgn="base" latinLnBrk="0" hangingPunct="0">
+              <a:spcBef>
+                <a:spcPct val="0"/>
+              </a:spcBef>
+              <a:spcAft>
+                <a:spcPct val="0"/>
+              </a:spcAft>
+            </a:pPr>
+            <a:r>
+              <a:rPr lang="ko-KR" altLang="ko-KR" sz="2000" b="1" dirty="0" err="1">
+                <a:solidFill>
+                  <a:srgbClr val="000000"/>
+                </a:solidFill>
+                <a:latin typeface="Arial" panose="020B0604020202020204" pitchFamily="34" charset="0"/>
+                <a:ea typeface="Noto Sans"/>
+              </a:rPr>
+              <a:t>git</a:t>
+            </a:r>
+            <a:r>
+              <a:rPr lang="ko-KR" altLang="ko-KR" sz="2000" b="1" dirty="0">
+                <a:solidFill>
+                  <a:srgbClr val="000000"/>
+                </a:solidFill>
+                <a:latin typeface="Arial" panose="020B0604020202020204" pitchFamily="34" charset="0"/>
+                <a:ea typeface="Noto Sans"/>
+              </a:rPr>
+              <a:t> </a:t>
+            </a:r>
+            <a:r>
+              <a:rPr lang="ko-KR" altLang="ko-KR" sz="2000" b="1" dirty="0" err="1">
+                <a:solidFill>
+                  <a:srgbClr val="000000"/>
+                </a:solidFill>
+                <a:latin typeface="Arial" panose="020B0604020202020204" pitchFamily="34" charset="0"/>
+                <a:ea typeface="Noto Sans"/>
+              </a:rPr>
+              <a:t>remote</a:t>
+            </a:r>
+            <a:endParaRPr lang="ko-KR" altLang="ko-KR" sz="1100" dirty="0">
+              <a:latin typeface="Arial" panose="020B0604020202020204" pitchFamily="34" charset="0"/>
+            </a:endParaRPr>
+          </a:p>
+          <a:p>
+            <a:pPr lvl="0" eaLnBrk="0" fontAlgn="base" latinLnBrk="0" hangingPunct="0">
+              <a:spcBef>
+                <a:spcPct val="0"/>
+              </a:spcBef>
+              <a:spcAft>
+                <a:spcPct val="0"/>
+              </a:spcAft>
+            </a:pPr>
+            <a:r>
+              <a:rPr lang="ko-KR" altLang="ko-KR" dirty="0">
+                <a:solidFill>
+                  <a:srgbClr val="000000"/>
+                </a:solidFill>
+                <a:latin typeface="Arial" panose="020B0604020202020204" pitchFamily="34" charset="0"/>
+                <a:ea typeface="Noto Sans"/>
+              </a:rPr>
+              <a:t>로컬저장소와 원격저장소를 연결한다.</a:t>
+            </a:r>
+            <a:endParaRPr lang="ko-KR" altLang="ko-KR" sz="1100" dirty="0">
+              <a:latin typeface="Arial" panose="020B0604020202020204" pitchFamily="34" charset="0"/>
+            </a:endParaRPr>
+          </a:p>
+          <a:p>
+            <a:endParaRPr lang="ko-KR" altLang="en-US" dirty="0"/>
+          </a:p>
+        </p:txBody>
+      </p:sp>
+    </p:spTree>
+    <p:extLst>
+      <p:ext uri="{BB962C8B-B14F-4D97-AF65-F5344CB8AC3E}">
+        <p14:creationId xmlns:p14="http://schemas.microsoft.com/office/powerpoint/2010/main" val="3535568284"/>
+      </p:ext>
+    </p:extLst>
+  </p:cSld>
+  <p:clrMapOvr>
+    <a:masterClrMapping/>
+  </p:clrMapOvr>
+</p:sld>
+</file>
+
+<file path=ppt/slides/slide12.xml><?xml version="1.0" encoding="utf-8"?>
+<p:sld xmlns:a="http://schemas.openxmlformats.org/drawingml/2006/main" xmlns:r="http://schemas.openxmlformats.org/officeDocument/2006/relationships" xmlns:p="http://schemas.openxmlformats.org/presentationml/2006/main">
+  <p:cSld>
+    <p:spTree>
+      <p:nvGrpSpPr>
+        <p:cNvPr id="1" name=""/>
+        <p:cNvGrpSpPr/>
+        <p:nvPr/>
+      </p:nvGrpSpPr>
+      <p:grpSpPr>
+        <a:xfrm>
+          <a:off x="0" y="0"/>
+          <a:ext cx="0" cy="0"/>
+          <a:chOff x="0" y="0"/>
+          <a:chExt cx="0" cy="0"/>
+        </a:xfrm>
+      </p:grpSpPr>
+      <p:graphicFrame>
+        <p:nvGraphicFramePr>
+          <p:cNvPr id="4" name="표 3">
+            <a:extLst>
+              <a:ext uri="{FF2B5EF4-FFF2-40B4-BE49-F238E27FC236}">
+                <a16:creationId xmlns:a16="http://schemas.microsoft.com/office/drawing/2014/main" id="{CA12D481-1A9A-486D-A387-46839D737112}"/>
+              </a:ext>
+            </a:extLst>
+          </p:cNvPr>
+          <p:cNvGraphicFramePr>
+            <a:graphicFrameLocks noGrp="1"/>
+          </p:cNvGraphicFramePr>
+          <p:nvPr>
+            <p:extLst>
+              <p:ext uri="{D42A27DB-BD31-4B8C-83A1-F6EECF244321}">
+                <p14:modId xmlns:p14="http://schemas.microsoft.com/office/powerpoint/2010/main" val="2821535617"/>
+              </p:ext>
+            </p:extLst>
+          </p:nvPr>
+        </p:nvGraphicFramePr>
+        <p:xfrm>
+          <a:off x="2247803" y="3428841"/>
+          <a:ext cx="7071360" cy="3383280"/>
+        </p:xfrm>
+        <a:graphic>
+          <a:graphicData uri="http://schemas.openxmlformats.org/drawingml/2006/table">
+            <a:tbl>
+              <a:tblPr/>
+              <a:tblGrid>
+                <a:gridCol w="7071360">
+                  <a:extLst>
+                    <a:ext uri="{9D8B030D-6E8A-4147-A177-3AD203B41FA5}">
+                      <a16:colId xmlns:a16="http://schemas.microsoft.com/office/drawing/2014/main" val="2591417125"/>
+                    </a:ext>
+                  </a:extLst>
+                </a:gridCol>
+              </a:tblGrid>
+              <a:tr h="0">
+                <a:tc>
+                  <a:txBody>
+                    <a:bodyPr/>
+                    <a:lstStyle/>
+                    <a:p>
+                      <a:pPr algn="l"/>
+                      <a:r>
+                        <a:rPr lang="en-US" altLang="ko-KR" b="0" i="0" dirty="0">
+                          <a:solidFill>
+                            <a:srgbClr val="999999"/>
+                          </a:solidFill>
+                          <a:effectLst/>
+                          <a:latin typeface="Consolas" panose="020B0609020204030204" pitchFamily="49" charset="0"/>
+                        </a:rPr>
+                        <a:t>// </a:t>
+                      </a:r>
+                      <a:r>
+                        <a:rPr lang="ko-KR" altLang="en-US" b="0" i="0" dirty="0">
+                          <a:solidFill>
+                            <a:srgbClr val="999999"/>
+                          </a:solidFill>
+                          <a:effectLst/>
+                          <a:latin typeface="Consolas" panose="020B0609020204030204" pitchFamily="49" charset="0"/>
+                        </a:rPr>
+                        <a:t>원격저장소에 저장한다</a:t>
+                      </a:r>
+                      <a:r>
+                        <a:rPr lang="en-US" altLang="ko-KR" b="0" i="0" dirty="0">
+                          <a:solidFill>
+                            <a:srgbClr val="999999"/>
+                          </a:solidFill>
+                          <a:effectLst/>
+                          <a:latin typeface="Consolas" panose="020B0609020204030204" pitchFamily="49" charset="0"/>
+                        </a:rPr>
+                        <a:t>.</a:t>
+                      </a:r>
+                      <a:endParaRPr lang="ko-KR" altLang="en-US" b="0" i="0" dirty="0">
+                        <a:solidFill>
+                          <a:srgbClr val="010101"/>
+                        </a:solidFill>
+                        <a:effectLst/>
+                        <a:latin typeface="Consolas" panose="020B0609020204030204" pitchFamily="49" charset="0"/>
+                      </a:endParaRPr>
+                    </a:p>
+                    <a:p>
+                      <a:pPr algn="l"/>
+                      <a:r>
+                        <a:rPr lang="en-US" b="0" i="0" dirty="0">
+                          <a:solidFill>
+                            <a:srgbClr val="010101"/>
+                          </a:solidFill>
+                          <a:effectLst/>
+                          <a:latin typeface="Consolas" panose="020B0609020204030204" pitchFamily="49" charset="0"/>
+                        </a:rPr>
+                        <a:t>git </a:t>
+                      </a:r>
+                      <a:r>
+                        <a:rPr lang="en-US" b="0" i="0" dirty="0">
+                          <a:solidFill>
+                            <a:srgbClr val="066DE2"/>
+                          </a:solidFill>
+                          <a:effectLst/>
+                          <a:latin typeface="Consolas" panose="020B0609020204030204" pitchFamily="49" charset="0"/>
+                        </a:rPr>
+                        <a:t>push</a:t>
+                      </a:r>
+                      <a:r>
+                        <a:rPr lang="en-US" b="0" i="0" dirty="0">
+                          <a:solidFill>
+                            <a:srgbClr val="010101"/>
+                          </a:solidFill>
+                          <a:effectLst/>
+                          <a:latin typeface="Consolas" panose="020B0609020204030204" pitchFamily="49" charset="0"/>
+                        </a:rPr>
+                        <a:t> </a:t>
+                      </a:r>
+                      <a:r>
+                        <a:rPr lang="en-US" b="0" i="0" dirty="0">
+                          <a:solidFill>
+                            <a:srgbClr val="A71D5D"/>
+                          </a:solidFill>
+                          <a:effectLst/>
+                          <a:latin typeface="Consolas" panose="020B0609020204030204" pitchFamily="49" charset="0"/>
+                        </a:rPr>
+                        <a:t>-</a:t>
+                      </a:r>
+                      <a:r>
+                        <a:rPr lang="en-US" b="0" i="0" dirty="0">
+                          <a:solidFill>
+                            <a:srgbClr val="010101"/>
+                          </a:solidFill>
+                          <a:effectLst/>
+                          <a:latin typeface="Consolas" panose="020B0609020204030204" pitchFamily="49" charset="0"/>
+                        </a:rPr>
+                        <a:t>u origin master</a:t>
+                      </a:r>
+                    </a:p>
+                    <a:p>
+                      <a:pPr algn="l"/>
+                      <a:r>
+                        <a:rPr lang="en-US" b="0" i="0" dirty="0">
+                          <a:solidFill>
+                            <a:srgbClr val="010101"/>
+                          </a:solidFill>
+                          <a:effectLst/>
+                          <a:latin typeface="Consolas" panose="020B0609020204030204" pitchFamily="49" charset="0"/>
+                        </a:rPr>
+                        <a:t> </a:t>
+                      </a:r>
+                    </a:p>
+                    <a:p>
+                      <a:pPr algn="l"/>
+                      <a:r>
+                        <a:rPr lang="en-US" b="0" i="0" dirty="0">
+                          <a:solidFill>
+                            <a:srgbClr val="999999"/>
+                          </a:solidFill>
+                          <a:effectLst/>
+                          <a:latin typeface="Consolas" panose="020B0609020204030204" pitchFamily="49" charset="0"/>
+                        </a:rPr>
+                        <a:t>// </a:t>
+                      </a:r>
+                      <a:r>
+                        <a:rPr lang="ko-KR" altLang="en-US" b="0" i="0" dirty="0">
+                          <a:solidFill>
+                            <a:srgbClr val="999999"/>
+                          </a:solidFill>
+                          <a:effectLst/>
+                          <a:latin typeface="Consolas" panose="020B0609020204030204" pitchFamily="49" charset="0"/>
+                        </a:rPr>
+                        <a:t>에러 </a:t>
+                      </a:r>
+                      <a:r>
+                        <a:rPr lang="en-US" altLang="ko-KR" b="0" i="0" dirty="0">
+                          <a:solidFill>
+                            <a:srgbClr val="999999"/>
+                          </a:solidFill>
+                          <a:effectLst/>
+                          <a:latin typeface="Consolas" panose="020B0609020204030204" pitchFamily="49" charset="0"/>
+                        </a:rPr>
+                        <a:t>- ! [</a:t>
+                      </a:r>
+                      <a:r>
+                        <a:rPr lang="en-US" b="0" i="0" dirty="0">
+                          <a:solidFill>
+                            <a:srgbClr val="999999"/>
+                          </a:solidFill>
+                          <a:effectLst/>
+                          <a:latin typeface="Consolas" panose="020B0609020204030204" pitchFamily="49" charset="0"/>
+                        </a:rPr>
+                        <a:t>rejected] master -&gt; master (fetch first)</a:t>
+                      </a:r>
+                      <a:endParaRPr lang="en-US" b="0" i="0" dirty="0">
+                        <a:solidFill>
+                          <a:srgbClr val="010101"/>
+                        </a:solidFill>
+                        <a:effectLst/>
+                        <a:latin typeface="Consolas" panose="020B0609020204030204" pitchFamily="49" charset="0"/>
+                      </a:endParaRPr>
+                    </a:p>
+                    <a:p>
+                      <a:pPr algn="l"/>
+                      <a:r>
+                        <a:rPr lang="en-US" b="0" i="0" dirty="0">
+                          <a:solidFill>
+                            <a:srgbClr val="999999"/>
+                          </a:solidFill>
+                          <a:effectLst/>
+                          <a:latin typeface="Consolas" panose="020B0609020204030204" pitchFamily="49" charset="0"/>
+                        </a:rPr>
+                        <a:t>// </a:t>
+                      </a:r>
+                      <a:r>
+                        <a:rPr lang="ko-KR" altLang="en-US" b="0" i="0" dirty="0">
+                          <a:solidFill>
+                            <a:srgbClr val="999999"/>
+                          </a:solidFill>
+                          <a:effectLst/>
+                          <a:latin typeface="Consolas" panose="020B0609020204030204" pitchFamily="49" charset="0"/>
+                        </a:rPr>
+                        <a:t>이미 변경된 파일이 원격저장소에 </a:t>
+                      </a:r>
+                      <a:r>
+                        <a:rPr lang="ko-KR" altLang="en-US" b="0" i="0" dirty="0" err="1">
+                          <a:solidFill>
+                            <a:srgbClr val="999999"/>
+                          </a:solidFill>
+                          <a:effectLst/>
+                          <a:latin typeface="Consolas" panose="020B0609020204030204" pitchFamily="49" charset="0"/>
+                        </a:rPr>
+                        <a:t>있을경우</a:t>
+                      </a:r>
+                      <a:r>
+                        <a:rPr lang="ko-KR" altLang="en-US" b="0" i="0" dirty="0">
+                          <a:solidFill>
+                            <a:srgbClr val="999999"/>
+                          </a:solidFill>
+                          <a:effectLst/>
+                          <a:latin typeface="Consolas" panose="020B0609020204030204" pitchFamily="49" charset="0"/>
+                        </a:rPr>
+                        <a:t> 발생</a:t>
+                      </a:r>
+                      <a:endParaRPr lang="ko-KR" altLang="en-US" b="0" i="0" dirty="0">
+                        <a:solidFill>
+                          <a:srgbClr val="010101"/>
+                        </a:solidFill>
+                        <a:effectLst/>
+                        <a:latin typeface="Consolas" panose="020B0609020204030204" pitchFamily="49" charset="0"/>
+                      </a:endParaRPr>
+                    </a:p>
+                    <a:p>
+                      <a:pPr algn="l"/>
+                      <a:r>
+                        <a:rPr lang="en-US" b="0" i="0" dirty="0">
+                          <a:solidFill>
+                            <a:srgbClr val="010101"/>
+                          </a:solidFill>
+                          <a:effectLst/>
+                          <a:latin typeface="Consolas" panose="020B0609020204030204" pitchFamily="49" charset="0"/>
+                        </a:rPr>
+                        <a:t>git pull origin master </a:t>
+                      </a:r>
+                    </a:p>
+                    <a:p>
+                      <a:pPr algn="l"/>
+                      <a:r>
+                        <a:rPr lang="en-US" b="0" i="0" dirty="0">
+                          <a:solidFill>
+                            <a:srgbClr val="010101"/>
+                          </a:solidFill>
+                          <a:effectLst/>
+                          <a:latin typeface="Consolas" panose="020B0609020204030204" pitchFamily="49" charset="0"/>
+                        </a:rPr>
+                        <a:t> </a:t>
+                      </a:r>
+                    </a:p>
+                    <a:p>
+                      <a:pPr algn="l"/>
+                      <a:r>
+                        <a:rPr lang="en-US" b="0" i="0" dirty="0">
+                          <a:solidFill>
+                            <a:srgbClr val="999999"/>
+                          </a:solidFill>
+                          <a:effectLst/>
+                          <a:latin typeface="Consolas" panose="020B0609020204030204" pitchFamily="49" charset="0"/>
+                        </a:rPr>
+                        <a:t>// </a:t>
+                      </a:r>
+                      <a:r>
+                        <a:rPr lang="ko-KR" altLang="en-US" b="0" i="0" dirty="0">
+                          <a:solidFill>
+                            <a:srgbClr val="999999"/>
+                          </a:solidFill>
+                          <a:effectLst/>
+                          <a:latin typeface="Consolas" panose="020B0609020204030204" pitchFamily="49" charset="0"/>
+                        </a:rPr>
+                        <a:t>에러 </a:t>
+                      </a:r>
+                      <a:r>
+                        <a:rPr lang="en-US" altLang="ko-KR" b="0" i="0" dirty="0">
+                          <a:solidFill>
+                            <a:srgbClr val="999999"/>
+                          </a:solidFill>
+                          <a:effectLst/>
+                          <a:latin typeface="Consolas" panose="020B0609020204030204" pitchFamily="49" charset="0"/>
+                        </a:rPr>
+                        <a:t>- ! [</a:t>
+                      </a:r>
+                      <a:r>
+                        <a:rPr lang="en-US" b="0" i="0" dirty="0">
+                          <a:solidFill>
+                            <a:srgbClr val="999999"/>
+                          </a:solidFill>
+                          <a:effectLst/>
+                          <a:latin typeface="Consolas" panose="020B0609020204030204" pitchFamily="49" charset="0"/>
+                        </a:rPr>
+                        <a:t>rejected] master -&gt; master (non-fast-forward)</a:t>
+                      </a:r>
+                      <a:endParaRPr lang="en-US" b="0" i="0" dirty="0">
+                        <a:solidFill>
+                          <a:srgbClr val="010101"/>
+                        </a:solidFill>
+                        <a:effectLst/>
+                        <a:latin typeface="Consolas" panose="020B0609020204030204" pitchFamily="49" charset="0"/>
+                      </a:endParaRPr>
+                    </a:p>
+                    <a:p>
+                      <a:pPr algn="l"/>
+                      <a:r>
+                        <a:rPr lang="en-US" b="0" i="0" dirty="0">
+                          <a:solidFill>
+                            <a:srgbClr val="010101"/>
+                          </a:solidFill>
+                          <a:effectLst/>
+                          <a:latin typeface="Consolas" panose="020B0609020204030204" pitchFamily="49" charset="0"/>
+                        </a:rPr>
+                        <a:t>git </a:t>
+                      </a:r>
+                      <a:r>
+                        <a:rPr lang="en-US" b="0" i="0" dirty="0">
+                          <a:solidFill>
+                            <a:srgbClr val="066DE2"/>
+                          </a:solidFill>
+                          <a:effectLst/>
+                          <a:latin typeface="Consolas" panose="020B0609020204030204" pitchFamily="49" charset="0"/>
+                        </a:rPr>
+                        <a:t>push</a:t>
+                      </a:r>
+                      <a:r>
+                        <a:rPr lang="en-US" b="0" i="0" dirty="0">
+                          <a:solidFill>
+                            <a:srgbClr val="010101"/>
+                          </a:solidFill>
+                          <a:effectLst/>
+                          <a:latin typeface="Consolas" panose="020B0609020204030204" pitchFamily="49" charset="0"/>
+                        </a:rPr>
+                        <a:t> origin </a:t>
+                      </a:r>
+                      <a:r>
+                        <a:rPr lang="en-US" b="0" i="0" dirty="0">
+                          <a:solidFill>
+                            <a:srgbClr val="A71D5D"/>
+                          </a:solidFill>
+                          <a:effectLst/>
+                          <a:latin typeface="Consolas" panose="020B0609020204030204" pitchFamily="49" charset="0"/>
+                        </a:rPr>
+                        <a:t>+</a:t>
+                      </a:r>
+                      <a:r>
+                        <a:rPr lang="en-US" b="0" i="0" dirty="0">
+                          <a:solidFill>
+                            <a:srgbClr val="010101"/>
+                          </a:solidFill>
+                          <a:effectLst/>
+                          <a:latin typeface="Consolas" panose="020B0609020204030204" pitchFamily="49" charset="0"/>
+                        </a:rPr>
+                        <a:t>master</a:t>
+                      </a:r>
+                    </a:p>
+                    <a:p>
+                      <a:br>
+                        <a:rPr lang="en-US" dirty="0">
+                          <a:effectLst/>
+                        </a:rPr>
+                      </a:br>
+                      <a:endParaRPr lang="en-US" altLang="ko-KR" dirty="0"/>
+                    </a:p>
+                  </a:txBody>
+                  <a:tcPr marL="0" marR="0" anchor="ctr">
+                    <a:lnL>
+                      <a:noFill/>
+                    </a:lnL>
+                    <a:lnR>
+                      <a:noFill/>
+                    </a:lnR>
+                    <a:lnT>
+                      <a:noFill/>
+                    </a:lnT>
+                    <a:lnB>
+                      <a:noFill/>
+                    </a:lnB>
+                    <a:solidFill>
+                      <a:srgbClr val="FAFAFA"/>
+                    </a:solidFill>
+                  </a:tcPr>
+                </a:tc>
+                <a:extLst>
+                  <a:ext uri="{0D108BD9-81ED-4DB2-BD59-A6C34878D82A}">
+                    <a16:rowId xmlns:a16="http://schemas.microsoft.com/office/drawing/2014/main" val="1442447921"/>
+                  </a:ext>
+                </a:extLst>
+              </a:tr>
+            </a:tbl>
+          </a:graphicData>
+        </a:graphic>
+      </p:graphicFrame>
+      <p:sp>
+        <p:nvSpPr>
+          <p:cNvPr id="6" name="직사각형 5">
+            <a:extLst>
+              <a:ext uri="{FF2B5EF4-FFF2-40B4-BE49-F238E27FC236}">
+                <a16:creationId xmlns:a16="http://schemas.microsoft.com/office/drawing/2014/main" id="{E88994F4-0F8C-44FD-90AE-A55540DDDF4E}"/>
+              </a:ext>
+            </a:extLst>
+          </p:cNvPr>
+          <p:cNvSpPr/>
+          <p:nvPr/>
+        </p:nvSpPr>
+        <p:spPr>
+          <a:xfrm>
+            <a:off x="1867383" y="2450123"/>
+            <a:ext cx="6096000" cy="615553"/>
+          </a:xfrm>
+          <a:prstGeom prst="rect">
+            <a:avLst/>
+          </a:prstGeom>
+        </p:spPr>
+        <p:txBody>
+          <a:bodyPr>
+            <a:spAutoFit/>
+          </a:bodyPr>
+          <a:lstStyle/>
+          <a:p>
+            <a:pPr lvl="0" eaLnBrk="0" fontAlgn="base" latinLnBrk="0" hangingPunct="0">
+              <a:spcBef>
+                <a:spcPct val="0"/>
+              </a:spcBef>
+              <a:spcAft>
+                <a:spcPct val="0"/>
+              </a:spcAft>
+            </a:pPr>
+            <a:r>
+              <a:rPr lang="ko-KR" altLang="ko-KR" b="1" dirty="0" err="1">
+                <a:solidFill>
+                  <a:srgbClr val="000000"/>
+                </a:solidFill>
+                <a:latin typeface="Arial" panose="020B0604020202020204" pitchFamily="34" charset="0"/>
+              </a:rPr>
+              <a:t>git</a:t>
+            </a:r>
+            <a:r>
+              <a:rPr lang="ko-KR" altLang="ko-KR" b="1" dirty="0">
+                <a:solidFill>
+                  <a:srgbClr val="000000"/>
+                </a:solidFill>
+                <a:latin typeface="Arial" panose="020B0604020202020204" pitchFamily="34" charset="0"/>
+              </a:rPr>
+              <a:t> </a:t>
+            </a:r>
+            <a:r>
+              <a:rPr lang="ko-KR" altLang="ko-KR" b="1" dirty="0" err="1">
+                <a:solidFill>
+                  <a:srgbClr val="000000"/>
+                </a:solidFill>
+                <a:latin typeface="Arial" panose="020B0604020202020204" pitchFamily="34" charset="0"/>
+              </a:rPr>
+              <a:t>push</a:t>
+            </a:r>
+            <a:r>
+              <a:rPr lang="en-US" altLang="ko-KR" sz="1050" b="1" dirty="0">
+                <a:solidFill>
+                  <a:srgbClr val="000000"/>
+                </a:solidFill>
+                <a:latin typeface="Arial" panose="020B0604020202020204" pitchFamily="34" charset="0"/>
+              </a:rPr>
+              <a:t> </a:t>
+            </a:r>
+          </a:p>
+          <a:p>
+            <a:pPr lvl="0" eaLnBrk="0" fontAlgn="base" latinLnBrk="0" hangingPunct="0">
+              <a:spcBef>
+                <a:spcPct val="0"/>
+              </a:spcBef>
+              <a:spcAft>
+                <a:spcPct val="0"/>
+              </a:spcAft>
+            </a:pPr>
+            <a:r>
+              <a:rPr lang="en-US" altLang="ko-KR" sz="1600" b="1" dirty="0">
+                <a:solidFill>
+                  <a:srgbClr val="000000"/>
+                </a:solidFill>
+                <a:latin typeface="Arial" panose="020B0604020202020204" pitchFamily="34" charset="0"/>
+              </a:rPr>
+              <a:t>Commit </a:t>
+            </a:r>
+            <a:r>
+              <a:rPr lang="ko-KR" altLang="en-US" sz="1600" b="1" dirty="0">
+                <a:solidFill>
+                  <a:srgbClr val="000000"/>
+                </a:solidFill>
+                <a:latin typeface="Arial" panose="020B0604020202020204" pitchFamily="34" charset="0"/>
+              </a:rPr>
+              <a:t>했던 내용들을 올린다</a:t>
+            </a:r>
+            <a:r>
+              <a:rPr lang="en-US" altLang="ko-KR" sz="1600" b="1" dirty="0">
+                <a:solidFill>
+                  <a:srgbClr val="000000"/>
+                </a:solidFill>
+                <a:latin typeface="Arial" panose="020B0604020202020204" pitchFamily="34" charset="0"/>
+              </a:rPr>
+              <a:t>.</a:t>
+            </a:r>
+          </a:p>
+        </p:txBody>
+      </p:sp>
+      <p:sp>
+        <p:nvSpPr>
+          <p:cNvPr id="7" name="제목 1">
+            <a:extLst>
+              <a:ext uri="{FF2B5EF4-FFF2-40B4-BE49-F238E27FC236}">
+                <a16:creationId xmlns:a16="http://schemas.microsoft.com/office/drawing/2014/main" id="{8FE54836-1EEC-431E-8E43-F15520ABE6B1}"/>
+              </a:ext>
+            </a:extLst>
+          </p:cNvPr>
+          <p:cNvSpPr>
+            <a:spLocks noGrp="1"/>
+          </p:cNvSpPr>
+          <p:nvPr>
+            <p:ph type="title"/>
+          </p:nvPr>
+        </p:nvSpPr>
+        <p:spPr>
+          <a:xfrm>
+            <a:off x="838200" y="365125"/>
+            <a:ext cx="10515600" cy="1325563"/>
+          </a:xfrm>
+        </p:spPr>
+        <p:txBody>
+          <a:bodyPr/>
+          <a:lstStyle/>
+          <a:p>
+            <a:r>
+              <a:rPr lang="ko-KR" altLang="en-US" dirty="0"/>
+              <a:t>우분투 </a:t>
+            </a:r>
+            <a:r>
+              <a:rPr lang="en-US" altLang="ko-KR" dirty="0"/>
+              <a:t>, git bash </a:t>
+            </a:r>
+            <a:r>
+              <a:rPr lang="ko-KR" altLang="en-US" dirty="0"/>
+              <a:t>와 같은 터미널에서 </a:t>
+            </a:r>
+            <a:br>
+              <a:rPr lang="en-US" altLang="ko-KR" dirty="0"/>
+            </a:br>
+            <a:r>
+              <a:rPr lang="ko-KR" altLang="en-US" dirty="0"/>
+              <a:t>연결</a:t>
+            </a:r>
+          </a:p>
+        </p:txBody>
+      </p:sp>
+    </p:spTree>
+    <p:extLst>
+      <p:ext uri="{BB962C8B-B14F-4D97-AF65-F5344CB8AC3E}">
+        <p14:creationId xmlns:p14="http://schemas.microsoft.com/office/powerpoint/2010/main" val="3122883695"/>
+      </p:ext>
+    </p:extLst>
+  </p:cSld>
+  <p:clrMapOvr>
+    <a:masterClrMapping/>
+  </p:clrMapOvr>
+</p:sld>
+</file>
+
+<file path=ppt/slides/slide13.xml><?xml version="1.0" encoding="utf-8"?>
+<p:sld xmlns:a="http://schemas.openxmlformats.org/drawingml/2006/main" xmlns:r="http://schemas.openxmlformats.org/officeDocument/2006/relationships" xmlns:p="http://schemas.openxmlformats.org/presentationml/2006/main">
+  <p:cSld>
+    <p:spTree>
+      <p:nvGrpSpPr>
+        <p:cNvPr id="1" name=""/>
+        <p:cNvGrpSpPr/>
+        <p:nvPr/>
+      </p:nvGrpSpPr>
+      <p:grpSpPr>
+        <a:xfrm>
+          <a:off x="0" y="0"/>
+          <a:ext cx="0" cy="0"/>
+          <a:chOff x="0" y="0"/>
+          <a:chExt cx="0" cy="0"/>
+        </a:xfrm>
+      </p:grpSpPr>
+      <p:sp>
+        <p:nvSpPr>
+          <p:cNvPr id="2" name="제목 1">
+            <a:extLst>
+              <a:ext uri="{FF2B5EF4-FFF2-40B4-BE49-F238E27FC236}">
+                <a16:creationId xmlns:a16="http://schemas.microsoft.com/office/drawing/2014/main" id="{0459CF5C-DC26-49BE-BEC1-57C3D668FAD3}"/>
+              </a:ext>
+            </a:extLst>
+          </p:cNvPr>
+          <p:cNvSpPr>
+            <a:spLocks noGrp="1"/>
+          </p:cNvSpPr>
+          <p:nvPr>
+            <p:ph type="title"/>
+          </p:nvPr>
+        </p:nvSpPr>
+        <p:spPr/>
+        <p:txBody>
+          <a:bodyPr/>
+          <a:lstStyle/>
+          <a:p>
+            <a:r>
+              <a:rPr lang="ko-KR" altLang="en-US" dirty="0"/>
+              <a:t>리눅스 명령어 </a:t>
+            </a:r>
+          </a:p>
+        </p:txBody>
+      </p:sp>
+      <p:sp>
+        <p:nvSpPr>
+          <p:cNvPr id="3" name="내용 개체 틀 2">
+            <a:extLst>
+              <a:ext uri="{FF2B5EF4-FFF2-40B4-BE49-F238E27FC236}">
+                <a16:creationId xmlns:a16="http://schemas.microsoft.com/office/drawing/2014/main" id="{BA4BE2A8-B0A4-4B91-AFEB-D5A9BD203DE8}"/>
+              </a:ext>
+            </a:extLst>
+          </p:cNvPr>
+          <p:cNvSpPr>
+            <a:spLocks noGrp="1"/>
+          </p:cNvSpPr>
+          <p:nvPr>
+            <p:ph idx="1"/>
+          </p:nvPr>
+        </p:nvSpPr>
+        <p:spPr/>
+        <p:txBody>
+          <a:bodyPr/>
+          <a:lstStyle/>
+          <a:p>
+            <a:r>
+              <a:rPr lang="en-US" altLang="ko-KR" dirty="0"/>
+              <a:t> ls –al </a:t>
+            </a:r>
+            <a:r>
+              <a:rPr lang="ko-KR" altLang="en-US" dirty="0"/>
+              <a:t>현재 내가 있는 디렉토리에 정보를 보여준다</a:t>
+            </a:r>
+            <a:r>
+              <a:rPr lang="en-US" altLang="ko-KR" dirty="0"/>
+              <a:t>.</a:t>
+            </a:r>
+          </a:p>
+          <a:p>
+            <a:r>
+              <a:rPr lang="en-US" altLang="ko-KR" dirty="0"/>
+              <a:t> </a:t>
+            </a:r>
+            <a:r>
+              <a:rPr lang="en-US" altLang="ko-KR" dirty="0" err="1"/>
+              <a:t>pwd</a:t>
+            </a:r>
+            <a:r>
+              <a:rPr lang="en-US" altLang="ko-KR" dirty="0"/>
+              <a:t> </a:t>
+            </a:r>
+            <a:r>
+              <a:rPr lang="ko-KR" altLang="en-US" dirty="0"/>
+              <a:t>현재 내가 있는 루트 디렉토리로 </a:t>
+            </a:r>
+            <a:r>
+              <a:rPr lang="ko-KR" altLang="en-US" dirty="0" err="1"/>
+              <a:t>부터에</a:t>
+            </a:r>
+            <a:r>
+              <a:rPr lang="ko-KR" altLang="en-US" dirty="0"/>
+              <a:t> 경로</a:t>
+            </a:r>
+            <a:endParaRPr lang="en-US" altLang="ko-KR" dirty="0"/>
+          </a:p>
+          <a:p>
+            <a:r>
+              <a:rPr lang="en-US" altLang="ko-KR" dirty="0"/>
+              <a:t> </a:t>
+            </a:r>
+            <a:r>
+              <a:rPr lang="en-US" altLang="ko-KR" dirty="0" err="1"/>
+              <a:t>sudo</a:t>
+            </a:r>
+            <a:r>
+              <a:rPr lang="en-US" altLang="ko-KR" dirty="0"/>
+              <a:t> </a:t>
+            </a:r>
+            <a:r>
+              <a:rPr lang="ko-KR" altLang="en-US" dirty="0"/>
+              <a:t>관리자 권한으로 실행 </a:t>
+            </a:r>
+            <a:endParaRPr lang="en-US" altLang="ko-KR" dirty="0"/>
+          </a:p>
+          <a:p>
+            <a:r>
+              <a:rPr lang="en-US" altLang="ko-KR" dirty="0"/>
+              <a:t> Install </a:t>
+            </a:r>
+            <a:r>
+              <a:rPr lang="ko-KR" altLang="en-US" dirty="0"/>
+              <a:t>설치 명령어</a:t>
+            </a:r>
+            <a:endParaRPr lang="en-US" altLang="ko-KR" dirty="0"/>
+          </a:p>
+        </p:txBody>
+      </p:sp>
+    </p:spTree>
+    <p:extLst>
+      <p:ext uri="{BB962C8B-B14F-4D97-AF65-F5344CB8AC3E}">
+        <p14:creationId xmlns:p14="http://schemas.microsoft.com/office/powerpoint/2010/main" val="1918910412"/>
+      </p:ext>
+    </p:extLst>
+  </p:cSld>
+  <p:clrMapOvr>
+    <a:masterClrMapping/>
+  </p:clrMapOvr>
+</p:sld>
+</file>
+
+<file path=ppt/slides/slide14.xml><?xml version="1.0" encoding="utf-8"?>
+<p:sld xmlns:a="http://schemas.openxmlformats.org/drawingml/2006/main" xmlns:r="http://schemas.openxmlformats.org/officeDocument/2006/relationships" xmlns:p="http://schemas.openxmlformats.org/presentationml/2006/main">
+  <p:cSld>
+    <p:spTree>
+      <p:nvGrpSpPr>
+        <p:cNvPr id="1" name=""/>
+        <p:cNvGrpSpPr/>
+        <p:nvPr/>
+      </p:nvGrpSpPr>
+      <p:grpSpPr>
+        <a:xfrm>
+          <a:off x="0" y="0"/>
+          <a:ext cx="0" cy="0"/>
+          <a:chOff x="0" y="0"/>
+          <a:chExt cx="0" cy="0"/>
+        </a:xfrm>
+      </p:grpSpPr>
+      <p:sp>
+        <p:nvSpPr>
+          <p:cNvPr id="2" name="제목 1">
+            <a:extLst>
+              <a:ext uri="{FF2B5EF4-FFF2-40B4-BE49-F238E27FC236}">
+                <a16:creationId xmlns:a16="http://schemas.microsoft.com/office/drawing/2014/main" id="{63631C7B-3B48-48E0-ABD6-39FC8863D049}"/>
+              </a:ext>
+            </a:extLst>
+          </p:cNvPr>
+          <p:cNvSpPr>
+            <a:spLocks noGrp="1"/>
+          </p:cNvSpPr>
+          <p:nvPr>
+            <p:ph type="title"/>
+          </p:nvPr>
+        </p:nvSpPr>
+        <p:spPr/>
+        <p:txBody>
+          <a:bodyPr/>
+          <a:lstStyle/>
+          <a:p>
+            <a:endParaRPr lang="ko-KR" altLang="en-US" dirty="0"/>
+          </a:p>
+        </p:txBody>
+      </p:sp>
+      <p:sp>
+        <p:nvSpPr>
+          <p:cNvPr id="3" name="내용 개체 틀 2">
+            <a:extLst>
+              <a:ext uri="{FF2B5EF4-FFF2-40B4-BE49-F238E27FC236}">
+                <a16:creationId xmlns:a16="http://schemas.microsoft.com/office/drawing/2014/main" id="{D76D3BC8-978D-42F4-A5E4-622F118B053F}"/>
+              </a:ext>
+            </a:extLst>
+          </p:cNvPr>
+          <p:cNvSpPr>
+            <a:spLocks noGrp="1"/>
+          </p:cNvSpPr>
+          <p:nvPr>
+            <p:ph idx="1"/>
+          </p:nvPr>
+        </p:nvSpPr>
+        <p:spPr/>
+        <p:txBody>
+          <a:bodyPr/>
+          <a:lstStyle/>
+          <a:p>
+            <a:endParaRPr lang="ko-KR" altLang="en-US"/>
+          </a:p>
+        </p:txBody>
+      </p:sp>
+    </p:spTree>
+    <p:extLst>
+      <p:ext uri="{BB962C8B-B14F-4D97-AF65-F5344CB8AC3E}">
+        <p14:creationId xmlns:p14="http://schemas.microsoft.com/office/powerpoint/2010/main" val="598361973"/>
+      </p:ext>
+    </p:extLst>
+  </p:cSld>
+  <p:clrMapOvr>
+    <a:masterClrMapping/>
+  </p:clrMapOvr>
+</p:sld>
+</file>
+
 <file path=ppt/slides/slide2.xml><?xml version="1.0" encoding="utf-8"?>
 <p:sld xmlns:a="http://schemas.openxmlformats.org/drawingml/2006/main" xmlns:r="http://schemas.openxmlformats.org/officeDocument/2006/relationships" xmlns:p="http://schemas.openxmlformats.org/presentationml/2006/main">
   <p:cSld>
@@ -3751,7 +6476,7 @@
         <p:spPr>
           <a:xfrm>
             <a:off x="8634714" y="2268638"/>
-            <a:ext cx="3425938" cy="923330"/>
+            <a:ext cx="3579826" cy="2031325"/>
           </a:xfrm>
           <a:prstGeom prst="rect">
             <a:avLst/>
@@ -3778,7 +6503,94 @@
             <a:endParaRPr lang="en-US" altLang="ko-KR" dirty="0"/>
           </a:p>
           <a:p>
-            <a:endParaRPr lang="ko-KR" altLang="en-US" dirty="0"/>
+            <a:r>
+              <a:rPr lang="ko-KR" altLang="en-US" dirty="0"/>
+              <a:t>또는 </a:t>
+            </a:r>
+            <a:endParaRPr lang="en-US" altLang="ko-KR" dirty="0"/>
+          </a:p>
+          <a:p>
+            <a:endParaRPr lang="en-US" altLang="ko-KR" dirty="0"/>
+          </a:p>
+          <a:p>
+            <a:r>
+              <a:rPr lang="en-US" altLang="ko-KR" dirty="0"/>
+              <a:t>Git extensions </a:t>
+            </a:r>
+            <a:r>
+              <a:rPr lang="ko-KR" altLang="en-US" dirty="0"/>
+              <a:t>과 같은 </a:t>
+            </a:r>
+            <a:endParaRPr lang="en-US" altLang="ko-KR" dirty="0"/>
+          </a:p>
+          <a:p>
+            <a:r>
+              <a:rPr lang="ko-KR" altLang="en-US" dirty="0"/>
+              <a:t>인터페이스를 제공하는 프로그램</a:t>
+            </a:r>
+            <a:endParaRPr lang="en-US" altLang="ko-KR" dirty="0"/>
+          </a:p>
+          <a:p>
+            <a:r>
+              <a:rPr lang="ko-KR" altLang="en-US" dirty="0" err="1"/>
+              <a:t>으로</a:t>
+            </a:r>
+            <a:r>
+              <a:rPr lang="ko-KR" altLang="en-US" dirty="0"/>
+              <a:t> 연결</a:t>
+            </a:r>
+          </a:p>
+        </p:txBody>
+      </p:sp>
+      <p:sp>
+        <p:nvSpPr>
+          <p:cNvPr id="3" name="직사각형 2">
+            <a:extLst>
+              <a:ext uri="{FF2B5EF4-FFF2-40B4-BE49-F238E27FC236}">
+                <a16:creationId xmlns:a16="http://schemas.microsoft.com/office/drawing/2014/main" id="{1DAF967F-329B-467D-8C8F-3EEBCE46F7C5}"/>
+              </a:ext>
+            </a:extLst>
+          </p:cNvPr>
+          <p:cNvSpPr/>
+          <p:nvPr/>
+        </p:nvSpPr>
+        <p:spPr>
+          <a:xfrm>
+            <a:off x="2879465" y="2181225"/>
+            <a:ext cx="4619625" cy="390525"/>
+          </a:xfrm>
+          <a:prstGeom prst="rect">
+            <a:avLst/>
+          </a:prstGeom>
+          <a:noFill/>
+          <a:ln w="38100">
+            <a:solidFill>
+              <a:srgbClr val="FF0000"/>
+            </a:solidFill>
+          </a:ln>
+        </p:spPr>
+        <p:style>
+          <a:lnRef idx="2">
+            <a:schemeClr val="accent1">
+              <a:shade val="50000"/>
+            </a:schemeClr>
+          </a:lnRef>
+          <a:fillRef idx="1">
+            <a:schemeClr val="accent1"/>
+          </a:fillRef>
+          <a:effectRef idx="0">
+            <a:schemeClr val="accent1"/>
+          </a:effectRef>
+          <a:fontRef idx="minor">
+            <a:schemeClr val="lt1"/>
+          </a:fontRef>
+        </p:style>
+        <p:txBody>
+          <a:bodyPr rtlCol="0" anchor="ctr"/>
+          <a:lstStyle/>
+          <a:p>
+            <a:pPr algn="ctr"/>
+            <a:endParaRPr lang="ko-KR" altLang="en-US"/>
           </a:p>
         </p:txBody>
       </p:sp>
@@ -3817,7 +6629,7 @@
           <p:cNvPr id="2" name="제목 1">
             <a:extLst>
               <a:ext uri="{FF2B5EF4-FFF2-40B4-BE49-F238E27FC236}">
-                <a16:creationId xmlns:a16="http://schemas.microsoft.com/office/drawing/2014/main" id="{63631C7B-3B48-48E0-ABD6-39FC8863D049}"/>
+                <a16:creationId xmlns:a16="http://schemas.microsoft.com/office/drawing/2014/main" id="{02FE2184-875E-4CB8-8AF6-B14C913D0567}"/>
               </a:ext>
             </a:extLst>
           </p:cNvPr>
@@ -3833,16 +6645,280 @@
           <a:bodyPr/>
           <a:lstStyle/>
           <a:p>
-            <a:endParaRPr lang="ko-KR" altLang="en-US" dirty="0"/>
+            <a:r>
+              <a:rPr lang="en-US" altLang="ko-KR" dirty="0"/>
+              <a:t>Git extensions </a:t>
+            </a:r>
+            <a:r>
+              <a:rPr lang="ko-KR" altLang="en-US" dirty="0"/>
+              <a:t>으로 연결하기</a:t>
+            </a:r>
+          </a:p>
+        </p:txBody>
+      </p:sp>
+      <p:pic>
+        <p:nvPicPr>
+          <p:cNvPr id="5" name="내용 개체 틀 4">
+            <a:extLst>
+              <a:ext uri="{FF2B5EF4-FFF2-40B4-BE49-F238E27FC236}">
+                <a16:creationId xmlns:a16="http://schemas.microsoft.com/office/drawing/2014/main" id="{8D0643ED-54ED-498D-9894-04C364341701}"/>
+              </a:ext>
+            </a:extLst>
+          </p:cNvPr>
+          <p:cNvPicPr>
+            <a:picLocks noGrp="1" noChangeAspect="1"/>
+          </p:cNvPicPr>
+          <p:nvPr>
+            <p:ph idx="1"/>
+          </p:nvPr>
+        </p:nvPicPr>
+        <p:blipFill>
+          <a:blip r:embed="rId2">
+            <a:extLst>
+              <a:ext uri="{28A0092B-C50C-407E-A947-70E740481C1C}">
+                <a14:useLocalDpi xmlns:a14="http://schemas.microsoft.com/office/drawing/2010/main" val="0"/>
+              </a:ext>
+            </a:extLst>
+          </a:blip>
+          <a:stretch>
+            <a:fillRect/>
+          </a:stretch>
+        </p:blipFill>
+        <p:spPr>
+          <a:xfrm>
+            <a:off x="3026364" y="2025303"/>
+            <a:ext cx="5860288" cy="3589331"/>
+          </a:xfrm>
+        </p:spPr>
+      </p:pic>
+      <p:sp>
+        <p:nvSpPr>
+          <p:cNvPr id="6" name="직사각형 5">
+            <a:extLst>
+              <a:ext uri="{FF2B5EF4-FFF2-40B4-BE49-F238E27FC236}">
+                <a16:creationId xmlns:a16="http://schemas.microsoft.com/office/drawing/2014/main" id="{D6D15AD1-FCA9-483E-9A98-4726F38490B9}"/>
+              </a:ext>
+            </a:extLst>
+          </p:cNvPr>
+          <p:cNvSpPr/>
+          <p:nvPr/>
+        </p:nvSpPr>
+        <p:spPr>
+          <a:xfrm>
+            <a:off x="4199242" y="2384593"/>
+            <a:ext cx="3704253" cy="289249"/>
+          </a:xfrm>
+          <a:prstGeom prst="rect">
+            <a:avLst/>
+          </a:prstGeom>
+          <a:noFill/>
+          <a:ln w="38100">
+            <a:solidFill>
+              <a:srgbClr val="FF0000"/>
+            </a:solidFill>
+          </a:ln>
+        </p:spPr>
+        <p:style>
+          <a:lnRef idx="2">
+            <a:schemeClr val="accent1">
+              <a:shade val="50000"/>
+            </a:schemeClr>
+          </a:lnRef>
+          <a:fillRef idx="1">
+            <a:schemeClr val="accent1"/>
+          </a:fillRef>
+          <a:effectRef idx="0">
+            <a:schemeClr val="accent1"/>
+          </a:effectRef>
+          <a:fontRef idx="minor">
+            <a:schemeClr val="lt1"/>
+          </a:fontRef>
+        </p:style>
+        <p:txBody>
+          <a:bodyPr rtlCol="0" anchor="ctr"/>
+          <a:lstStyle/>
+          <a:p>
+            <a:pPr algn="ctr"/>
+            <a:endParaRPr lang="ko-KR" altLang="en-US"/>
           </a:p>
         </p:txBody>
       </p:sp>
       <p:sp>
         <p:nvSpPr>
-          <p:cNvPr id="3" name="내용 개체 틀 2">
-            <a:extLst>
-              <a:ext uri="{FF2B5EF4-FFF2-40B4-BE49-F238E27FC236}">
-                <a16:creationId xmlns:a16="http://schemas.microsoft.com/office/drawing/2014/main" id="{D76D3BC8-978D-42F4-A5E4-622F118B053F}"/>
+          <p:cNvPr id="7" name="TextBox 6">
+            <a:extLst>
+              <a:ext uri="{FF2B5EF4-FFF2-40B4-BE49-F238E27FC236}">
+                <a16:creationId xmlns:a16="http://schemas.microsoft.com/office/drawing/2014/main" id="{DB1AFF84-C86D-4BF0-9E3E-3F05A815A509}"/>
+              </a:ext>
+            </a:extLst>
+          </p:cNvPr>
+          <p:cNvSpPr txBox="1"/>
+          <p:nvPr/>
+        </p:nvSpPr>
+        <p:spPr>
+          <a:xfrm>
+            <a:off x="8709957" y="2304510"/>
+            <a:ext cx="3482043" cy="369332"/>
+          </a:xfrm>
+          <a:prstGeom prst="rect">
+            <a:avLst/>
+          </a:prstGeom>
+          <a:noFill/>
+        </p:spPr>
+        <p:txBody>
+          <a:bodyPr wrap="none" rtlCol="0">
+            <a:spAutoFit/>
+          </a:bodyPr>
+          <a:lstStyle/>
+          <a:p>
+            <a:r>
+              <a:rPr lang="ko-KR" altLang="en-US" dirty="0"/>
+              <a:t>아까 복사했던 경로를 넣어준다</a:t>
+            </a:r>
+            <a:r>
+              <a:rPr lang="en-US" altLang="ko-KR" dirty="0"/>
+              <a:t>.</a:t>
+            </a:r>
+            <a:endParaRPr lang="ko-KR" altLang="en-US" dirty="0"/>
+          </a:p>
+        </p:txBody>
+      </p:sp>
+      <p:sp>
+        <p:nvSpPr>
+          <p:cNvPr id="11" name="직사각형 10">
+            <a:extLst>
+              <a:ext uri="{FF2B5EF4-FFF2-40B4-BE49-F238E27FC236}">
+                <a16:creationId xmlns:a16="http://schemas.microsoft.com/office/drawing/2014/main" id="{1C3A6AB5-3192-4786-871A-418865F1D391}"/>
+              </a:ext>
+            </a:extLst>
+          </p:cNvPr>
+          <p:cNvSpPr/>
+          <p:nvPr/>
+        </p:nvSpPr>
+        <p:spPr>
+          <a:xfrm>
+            <a:off x="3026364" y="2715891"/>
+            <a:ext cx="942393" cy="289249"/>
+          </a:xfrm>
+          <a:prstGeom prst="rect">
+            <a:avLst/>
+          </a:prstGeom>
+          <a:noFill/>
+          <a:ln w="38100">
+            <a:solidFill>
+              <a:srgbClr val="FF0000"/>
+            </a:solidFill>
+          </a:ln>
+        </p:spPr>
+        <p:style>
+          <a:lnRef idx="2">
+            <a:schemeClr val="accent1">
+              <a:shade val="50000"/>
+            </a:schemeClr>
+          </a:lnRef>
+          <a:fillRef idx="1">
+            <a:schemeClr val="accent1"/>
+          </a:fillRef>
+          <a:effectRef idx="0">
+            <a:schemeClr val="accent1"/>
+          </a:effectRef>
+          <a:fontRef idx="minor">
+            <a:schemeClr val="lt1"/>
+          </a:fontRef>
+        </p:style>
+        <p:txBody>
+          <a:bodyPr rtlCol="0" anchor="ctr"/>
+          <a:lstStyle/>
+          <a:p>
+            <a:pPr algn="ctr"/>
+            <a:endParaRPr lang="ko-KR" altLang="en-US"/>
+          </a:p>
+        </p:txBody>
+      </p:sp>
+      <p:sp>
+        <p:nvSpPr>
+          <p:cNvPr id="12" name="TextBox 11">
+            <a:extLst>
+              <a:ext uri="{FF2B5EF4-FFF2-40B4-BE49-F238E27FC236}">
+                <a16:creationId xmlns:a16="http://schemas.microsoft.com/office/drawing/2014/main" id="{6B3233C9-27D0-4CD2-BBFD-4E90DFC89478}"/>
+              </a:ext>
+            </a:extLst>
+          </p:cNvPr>
+          <p:cNvSpPr txBox="1"/>
+          <p:nvPr/>
+        </p:nvSpPr>
+        <p:spPr>
+          <a:xfrm>
+            <a:off x="371244" y="2536059"/>
+            <a:ext cx="2387196" cy="923330"/>
+          </a:xfrm>
+          <a:prstGeom prst="rect">
+            <a:avLst/>
+          </a:prstGeom>
+          <a:noFill/>
+        </p:spPr>
+        <p:txBody>
+          <a:bodyPr wrap="square" rtlCol="0">
+            <a:spAutoFit/>
+          </a:bodyPr>
+          <a:lstStyle/>
+          <a:p>
+            <a:r>
+              <a:rPr lang="ko-KR" altLang="en-US" dirty="0"/>
+              <a:t>폴더를 어디에 </a:t>
+            </a:r>
+            <a:r>
+              <a:rPr lang="ko-KR" altLang="en-US" dirty="0" err="1"/>
+              <a:t>생성할건지에</a:t>
+            </a:r>
+            <a:r>
+              <a:rPr lang="ko-KR" altLang="en-US" dirty="0"/>
+              <a:t> 대한 경로를 선택해준다</a:t>
+            </a:r>
+            <a:r>
+              <a:rPr lang="en-US" altLang="ko-KR" dirty="0"/>
+              <a:t>.</a:t>
+            </a:r>
+            <a:endParaRPr lang="ko-KR" altLang="en-US" dirty="0"/>
+          </a:p>
+        </p:txBody>
+      </p:sp>
+    </p:spTree>
+    <p:extLst>
+      <p:ext uri="{BB962C8B-B14F-4D97-AF65-F5344CB8AC3E}">
+        <p14:creationId xmlns:p14="http://schemas.microsoft.com/office/powerpoint/2010/main" val="3139788913"/>
+      </p:ext>
+    </p:extLst>
+  </p:cSld>
+  <p:clrMapOvr>
+    <a:masterClrMapping/>
+  </p:clrMapOvr>
+</p:sld>
+</file>
+
+<file path=ppt/slides/slide5.xml><?xml version="1.0" encoding="utf-8"?>
+<p:sld xmlns:a="http://schemas.openxmlformats.org/drawingml/2006/main" xmlns:r="http://schemas.openxmlformats.org/officeDocument/2006/relationships" xmlns:p="http://schemas.openxmlformats.org/presentationml/2006/main">
+  <p:cSld>
+    <p:spTree>
+      <p:nvGrpSpPr>
+        <p:cNvPr id="1" name=""/>
+        <p:cNvGrpSpPr/>
+        <p:nvPr/>
+      </p:nvGrpSpPr>
+      <p:grpSpPr>
+        <a:xfrm>
+          <a:off x="0" y="0"/>
+          <a:ext cx="0" cy="0"/>
+          <a:chOff x="0" y="0"/>
+          <a:chExt cx="0" cy="0"/>
+        </a:xfrm>
+      </p:grpSpPr>
+      <p:sp>
+        <p:nvSpPr>
+          <p:cNvPr id="2" name="제목 1">
+            <a:extLst>
+              <a:ext uri="{FF2B5EF4-FFF2-40B4-BE49-F238E27FC236}">
+                <a16:creationId xmlns:a16="http://schemas.microsoft.com/office/drawing/2014/main" id="{C8116BF8-96C7-42B7-9607-611FA81441AE}"/>
               </a:ext>
             </a:extLst>
           </p:cNvPr>
@@ -3850,7 +6926,7 @@
             <a:spLocks noGrp="1"/>
           </p:cNvSpPr>
           <p:nvPr>
-            <p:ph idx="1"/>
+            <p:ph type="title"/>
           </p:nvPr>
         </p:nvSpPr>
         <p:spPr/>
@@ -3858,14 +6934,3425 @@
           <a:bodyPr/>
           <a:lstStyle/>
           <a:p>
-            <a:endParaRPr lang="ko-KR" altLang="en-US"/>
+            <a:r>
+              <a:rPr lang="ko-KR" altLang="en-US" dirty="0"/>
+              <a:t>우분투 </a:t>
+            </a:r>
+            <a:r>
+              <a:rPr lang="en-US" altLang="ko-KR" dirty="0"/>
+              <a:t>, git bash </a:t>
+            </a:r>
+            <a:r>
+              <a:rPr lang="ko-KR" altLang="en-US" dirty="0"/>
+              <a:t>와 같은 터미널에서 </a:t>
+            </a:r>
+            <a:br>
+              <a:rPr lang="en-US" altLang="ko-KR" dirty="0"/>
+            </a:br>
+            <a:r>
+              <a:rPr lang="ko-KR" altLang="en-US" dirty="0"/>
+              <a:t>연결</a:t>
+            </a:r>
+          </a:p>
+        </p:txBody>
+      </p:sp>
+      <p:graphicFrame>
+        <p:nvGraphicFramePr>
+          <p:cNvPr id="4" name="내용 개체 틀 3">
+            <a:extLst>
+              <a:ext uri="{FF2B5EF4-FFF2-40B4-BE49-F238E27FC236}">
+                <a16:creationId xmlns:a16="http://schemas.microsoft.com/office/drawing/2014/main" id="{58CE8FE4-CC15-4B9B-B56A-6DDE634CAF32}"/>
+              </a:ext>
+            </a:extLst>
+          </p:cNvPr>
+          <p:cNvGraphicFramePr>
+            <a:graphicFrameLocks noGrp="1"/>
+          </p:cNvGraphicFramePr>
+          <p:nvPr>
+            <p:ph idx="1"/>
+            <p:extLst>
+              <p:ext uri="{D42A27DB-BD31-4B8C-83A1-F6EECF244321}">
+                <p14:modId xmlns:p14="http://schemas.microsoft.com/office/powerpoint/2010/main" val="2669972080"/>
+              </p:ext>
+            </p:extLst>
+          </p:nvPr>
+        </p:nvGraphicFramePr>
+        <p:xfrm>
+          <a:off x="1727200" y="2964071"/>
+          <a:ext cx="7071360" cy="2834640"/>
+        </p:xfrm>
+        <a:graphic>
+          <a:graphicData uri="http://schemas.openxmlformats.org/drawingml/2006/table">
+            <a:tbl>
+              <a:tblPr/>
+              <a:tblGrid>
+                <a:gridCol w="7071360">
+                  <a:extLst>
+                    <a:ext uri="{9D8B030D-6E8A-4147-A177-3AD203B41FA5}">
+                      <a16:colId xmlns:a16="http://schemas.microsoft.com/office/drawing/2014/main" val="1014580669"/>
+                    </a:ext>
+                  </a:extLst>
+                </a:gridCol>
+              </a:tblGrid>
+              <a:tr h="0">
+                <a:tc>
+                  <a:txBody>
+                    <a:bodyPr/>
+                    <a:lstStyle/>
+                    <a:p>
+                      <a:pPr algn="l"/>
+                      <a:r>
+                        <a:rPr lang="en-US" b="0" i="0" dirty="0">
+                          <a:solidFill>
+                            <a:srgbClr val="999999"/>
+                          </a:solidFill>
+                          <a:effectLst/>
+                          <a:latin typeface="Consolas" panose="020B0609020204030204" pitchFamily="49" charset="0"/>
+                        </a:rPr>
+                        <a:t>// git commit</a:t>
+                      </a:r>
+                      <a:r>
+                        <a:rPr lang="ko-KR" altLang="en-US" b="0" i="0" dirty="0">
+                          <a:solidFill>
+                            <a:srgbClr val="999999"/>
+                          </a:solidFill>
+                          <a:effectLst/>
+                          <a:latin typeface="Consolas" panose="020B0609020204030204" pitchFamily="49" charset="0"/>
+                        </a:rPr>
+                        <a:t>에 사용될 </a:t>
+                      </a:r>
+                      <a:r>
+                        <a:rPr lang="en-US" b="0" i="0" dirty="0">
+                          <a:solidFill>
+                            <a:srgbClr val="999999"/>
+                          </a:solidFill>
+                          <a:effectLst/>
+                          <a:latin typeface="Consolas" panose="020B0609020204030204" pitchFamily="49" charset="0"/>
+                        </a:rPr>
+                        <a:t>username</a:t>
+                      </a:r>
+                      <a:endParaRPr lang="en-US" b="0" i="0" dirty="0">
+                        <a:solidFill>
+                          <a:srgbClr val="010101"/>
+                        </a:solidFill>
+                        <a:effectLst/>
+                        <a:latin typeface="Consolas" panose="020B0609020204030204" pitchFamily="49" charset="0"/>
+                      </a:endParaRPr>
+                    </a:p>
+                    <a:p>
+                      <a:pPr algn="l"/>
+                      <a:r>
+                        <a:rPr lang="en-US" b="0" i="0" dirty="0">
+                          <a:solidFill>
+                            <a:srgbClr val="010101"/>
+                          </a:solidFill>
+                          <a:effectLst/>
+                          <a:latin typeface="Consolas" panose="020B0609020204030204" pitchFamily="49" charset="0"/>
+                        </a:rPr>
+                        <a:t>git config </a:t>
+                      </a:r>
+                      <a:r>
+                        <a:rPr lang="en-US" b="0" i="0" dirty="0">
+                          <a:solidFill>
+                            <a:srgbClr val="A71D5D"/>
+                          </a:solidFill>
+                          <a:effectLst/>
+                          <a:latin typeface="Consolas" panose="020B0609020204030204" pitchFamily="49" charset="0"/>
+                        </a:rPr>
+                        <a:t>--</a:t>
+                      </a:r>
+                      <a:r>
+                        <a:rPr lang="en-US" b="0" i="0" dirty="0">
+                          <a:solidFill>
+                            <a:srgbClr val="010101"/>
+                          </a:solidFill>
+                          <a:effectLst/>
+                          <a:latin typeface="Consolas" panose="020B0609020204030204" pitchFamily="49" charset="0"/>
+                        </a:rPr>
+                        <a:t>global user.</a:t>
+                      </a:r>
+                      <a:r>
+                        <a:rPr lang="en-US" b="0" i="0" dirty="0">
+                          <a:solidFill>
+                            <a:srgbClr val="066DE2"/>
+                          </a:solidFill>
+                          <a:effectLst/>
+                          <a:latin typeface="Consolas" panose="020B0609020204030204" pitchFamily="49" charset="0"/>
+                        </a:rPr>
+                        <a:t>name</a:t>
+                      </a:r>
+                      <a:r>
+                        <a:rPr lang="en-US" b="0" i="0" dirty="0">
+                          <a:solidFill>
+                            <a:srgbClr val="010101"/>
+                          </a:solidFill>
+                          <a:effectLst/>
+                          <a:latin typeface="Consolas" panose="020B0609020204030204" pitchFamily="49" charset="0"/>
+                        </a:rPr>
+                        <a:t> </a:t>
+                      </a:r>
+                      <a:r>
+                        <a:rPr lang="en-US" b="0" i="0" dirty="0">
+                          <a:solidFill>
+                            <a:srgbClr val="63A35C"/>
+                          </a:solidFill>
+                          <a:effectLst/>
+                          <a:latin typeface="Consolas" panose="020B0609020204030204" pitchFamily="49" charset="0"/>
+                        </a:rPr>
+                        <a:t>"</a:t>
+                      </a:r>
+                      <a:r>
+                        <a:rPr lang="en-US" b="0" i="0" dirty="0" err="1">
+                          <a:solidFill>
+                            <a:srgbClr val="63A35C"/>
+                          </a:solidFill>
+                          <a:effectLst/>
+                          <a:latin typeface="Consolas" panose="020B0609020204030204" pitchFamily="49" charset="0"/>
+                        </a:rPr>
+                        <a:t>your_name</a:t>
+                      </a:r>
+                      <a:r>
+                        <a:rPr lang="en-US" b="0" i="0" dirty="0">
+                          <a:solidFill>
+                            <a:srgbClr val="63A35C"/>
+                          </a:solidFill>
+                          <a:effectLst/>
+                          <a:latin typeface="Consolas" panose="020B0609020204030204" pitchFamily="49" charset="0"/>
+                        </a:rPr>
+                        <a:t>"</a:t>
+                      </a:r>
+                      <a:endParaRPr lang="en-US" b="0" i="0" dirty="0">
+                        <a:solidFill>
+                          <a:srgbClr val="010101"/>
+                        </a:solidFill>
+                        <a:effectLst/>
+                        <a:latin typeface="Consolas" panose="020B0609020204030204" pitchFamily="49" charset="0"/>
+                      </a:endParaRPr>
+                    </a:p>
+                    <a:p>
+                      <a:pPr algn="l"/>
+                      <a:r>
+                        <a:rPr lang="en-US" b="0" i="0" dirty="0">
+                          <a:solidFill>
+                            <a:srgbClr val="010101"/>
+                          </a:solidFill>
+                          <a:effectLst/>
+                          <a:latin typeface="Consolas" panose="020B0609020204030204" pitchFamily="49" charset="0"/>
+                        </a:rPr>
+                        <a:t> </a:t>
+                      </a:r>
+                    </a:p>
+                    <a:p>
+                      <a:pPr algn="l"/>
+                      <a:r>
+                        <a:rPr lang="en-US" b="0" i="0" dirty="0">
+                          <a:solidFill>
+                            <a:srgbClr val="999999"/>
+                          </a:solidFill>
+                          <a:effectLst/>
+                          <a:latin typeface="Consolas" panose="020B0609020204030204" pitchFamily="49" charset="0"/>
+                        </a:rPr>
+                        <a:t>// git commit</a:t>
+                      </a:r>
+                      <a:r>
+                        <a:rPr lang="ko-KR" altLang="en-US" b="0" i="0" dirty="0">
+                          <a:solidFill>
+                            <a:srgbClr val="999999"/>
+                          </a:solidFill>
+                          <a:effectLst/>
+                          <a:latin typeface="Consolas" panose="020B0609020204030204" pitchFamily="49" charset="0"/>
+                        </a:rPr>
+                        <a:t>에 사용될 </a:t>
+                      </a:r>
+                      <a:r>
+                        <a:rPr lang="en-US" b="0" i="0" dirty="0">
+                          <a:solidFill>
+                            <a:srgbClr val="999999"/>
+                          </a:solidFill>
+                          <a:effectLst/>
+                          <a:latin typeface="Consolas" panose="020B0609020204030204" pitchFamily="49" charset="0"/>
+                        </a:rPr>
+                        <a:t>email</a:t>
+                      </a:r>
+                      <a:endParaRPr lang="en-US" b="0" i="0" dirty="0">
+                        <a:solidFill>
+                          <a:srgbClr val="010101"/>
+                        </a:solidFill>
+                        <a:effectLst/>
+                        <a:latin typeface="Consolas" panose="020B0609020204030204" pitchFamily="49" charset="0"/>
+                      </a:endParaRPr>
+                    </a:p>
+                    <a:p>
+                      <a:pPr algn="l"/>
+                      <a:r>
+                        <a:rPr lang="en-US" b="0" i="0" dirty="0">
+                          <a:solidFill>
+                            <a:srgbClr val="010101"/>
+                          </a:solidFill>
+                          <a:effectLst/>
+                          <a:latin typeface="Consolas" panose="020B0609020204030204" pitchFamily="49" charset="0"/>
+                        </a:rPr>
+                        <a:t>git config </a:t>
+                      </a:r>
+                      <a:r>
+                        <a:rPr lang="en-US" b="0" i="0" dirty="0">
+                          <a:solidFill>
+                            <a:srgbClr val="A71D5D"/>
+                          </a:solidFill>
+                          <a:effectLst/>
+                          <a:latin typeface="Consolas" panose="020B0609020204030204" pitchFamily="49" charset="0"/>
+                        </a:rPr>
+                        <a:t>--</a:t>
+                      </a:r>
+                      <a:r>
+                        <a:rPr lang="en-US" b="0" i="0" dirty="0">
+                          <a:solidFill>
+                            <a:srgbClr val="010101"/>
+                          </a:solidFill>
+                          <a:effectLst/>
+                          <a:latin typeface="Consolas" panose="020B0609020204030204" pitchFamily="49" charset="0"/>
+                        </a:rPr>
+                        <a:t>global </a:t>
+                      </a:r>
+                      <a:r>
+                        <a:rPr lang="en-US" b="0" i="0" dirty="0" err="1">
+                          <a:solidFill>
+                            <a:srgbClr val="010101"/>
+                          </a:solidFill>
+                          <a:effectLst/>
+                          <a:latin typeface="Consolas" panose="020B0609020204030204" pitchFamily="49" charset="0"/>
+                        </a:rPr>
+                        <a:t>user.email</a:t>
+                      </a:r>
+                      <a:r>
+                        <a:rPr lang="en-US" b="0" i="0" dirty="0">
+                          <a:solidFill>
+                            <a:srgbClr val="010101"/>
+                          </a:solidFill>
+                          <a:effectLst/>
+                          <a:latin typeface="Consolas" panose="020B0609020204030204" pitchFamily="49" charset="0"/>
+                        </a:rPr>
+                        <a:t> </a:t>
+                      </a:r>
+                      <a:r>
+                        <a:rPr lang="en-US" b="0" i="0" dirty="0">
+                          <a:solidFill>
+                            <a:srgbClr val="63A35C"/>
+                          </a:solidFill>
+                          <a:effectLst/>
+                          <a:latin typeface="Consolas" panose="020B0609020204030204" pitchFamily="49" charset="0"/>
+                        </a:rPr>
+                        <a:t>"your_email@example.com"</a:t>
+                      </a:r>
+                      <a:endParaRPr lang="en-US" b="0" i="0" dirty="0">
+                        <a:solidFill>
+                          <a:srgbClr val="010101"/>
+                        </a:solidFill>
+                        <a:effectLst/>
+                        <a:latin typeface="Consolas" panose="020B0609020204030204" pitchFamily="49" charset="0"/>
+                      </a:endParaRPr>
+                    </a:p>
+                    <a:p>
+                      <a:pPr algn="l"/>
+                      <a:r>
+                        <a:rPr lang="en-US" b="0" i="0" dirty="0">
+                          <a:solidFill>
+                            <a:srgbClr val="010101"/>
+                          </a:solidFill>
+                          <a:effectLst/>
+                          <a:latin typeface="Consolas" panose="020B0609020204030204" pitchFamily="49" charset="0"/>
+                        </a:rPr>
+                        <a:t> </a:t>
+                      </a:r>
+                    </a:p>
+                    <a:p>
+                      <a:pPr algn="l"/>
+                      <a:r>
+                        <a:rPr lang="en-US" b="0" i="0" dirty="0">
+                          <a:solidFill>
+                            <a:srgbClr val="999999"/>
+                          </a:solidFill>
+                          <a:effectLst/>
+                          <a:latin typeface="Consolas" panose="020B0609020204030204" pitchFamily="49" charset="0"/>
+                        </a:rPr>
+                        <a:t>// </a:t>
+                      </a:r>
+                      <a:r>
+                        <a:rPr lang="ko-KR" altLang="en-US" b="0" i="0" dirty="0">
+                          <a:solidFill>
+                            <a:srgbClr val="999999"/>
+                          </a:solidFill>
+                          <a:effectLst/>
+                          <a:latin typeface="Consolas" panose="020B0609020204030204" pitchFamily="49" charset="0"/>
+                        </a:rPr>
+                        <a:t>설정한 내용을 확인할 수 있다</a:t>
+                      </a:r>
+                      <a:r>
+                        <a:rPr lang="en-US" altLang="ko-KR" b="0" i="0" dirty="0">
+                          <a:solidFill>
+                            <a:srgbClr val="999999"/>
+                          </a:solidFill>
+                          <a:effectLst/>
+                          <a:latin typeface="Consolas" panose="020B0609020204030204" pitchFamily="49" charset="0"/>
+                        </a:rPr>
+                        <a:t>.</a:t>
+                      </a:r>
+                      <a:endParaRPr lang="ko-KR" altLang="en-US" b="0" i="0" dirty="0">
+                        <a:solidFill>
+                          <a:srgbClr val="010101"/>
+                        </a:solidFill>
+                        <a:effectLst/>
+                        <a:latin typeface="Consolas" panose="020B0609020204030204" pitchFamily="49" charset="0"/>
+                      </a:endParaRPr>
+                    </a:p>
+                    <a:p>
+                      <a:pPr algn="l"/>
+                      <a:r>
+                        <a:rPr lang="en-US" b="0" i="0" dirty="0">
+                          <a:solidFill>
+                            <a:srgbClr val="010101"/>
+                          </a:solidFill>
+                          <a:effectLst/>
+                          <a:latin typeface="Consolas" panose="020B0609020204030204" pitchFamily="49" charset="0"/>
+                        </a:rPr>
+                        <a:t>git config </a:t>
+                      </a:r>
+                      <a:r>
+                        <a:rPr lang="en-US" b="0" i="0" dirty="0">
+                          <a:solidFill>
+                            <a:srgbClr val="A71D5D"/>
+                          </a:solidFill>
+                          <a:effectLst/>
+                          <a:latin typeface="Consolas" panose="020B0609020204030204" pitchFamily="49" charset="0"/>
+                        </a:rPr>
+                        <a:t>--</a:t>
+                      </a:r>
+                      <a:r>
+                        <a:rPr lang="en-US" b="0" i="0" dirty="0">
+                          <a:solidFill>
+                            <a:srgbClr val="010101"/>
+                          </a:solidFill>
+                          <a:effectLst/>
+                          <a:latin typeface="Consolas" panose="020B0609020204030204" pitchFamily="49" charset="0"/>
+                        </a:rPr>
+                        <a:t>list</a:t>
+                      </a:r>
+                    </a:p>
+                    <a:p>
+                      <a:br>
+                        <a:rPr lang="en-US" dirty="0">
+                          <a:effectLst/>
+                        </a:rPr>
+                      </a:br>
+                      <a:endParaRPr lang="en-US" altLang="ko-KR" dirty="0"/>
+                    </a:p>
+                  </a:txBody>
+                  <a:tcPr marL="0" marR="0" anchor="ctr">
+                    <a:lnL>
+                      <a:noFill/>
+                    </a:lnL>
+                    <a:lnR>
+                      <a:noFill/>
+                    </a:lnR>
+                    <a:lnT>
+                      <a:noFill/>
+                    </a:lnT>
+                    <a:lnB>
+                      <a:noFill/>
+                    </a:lnB>
+                    <a:solidFill>
+                      <a:srgbClr val="FAFAFA"/>
+                    </a:solidFill>
+                  </a:tcPr>
+                </a:tc>
+                <a:extLst>
+                  <a:ext uri="{0D108BD9-81ED-4DB2-BD59-A6C34878D82A}">
+                    <a16:rowId xmlns:a16="http://schemas.microsoft.com/office/drawing/2014/main" val="3828832467"/>
+                  </a:ext>
+                </a:extLst>
+              </a:tr>
+            </a:tbl>
+          </a:graphicData>
+        </a:graphic>
+      </p:graphicFrame>
+      <p:sp>
+        <p:nvSpPr>
+          <p:cNvPr id="5" name="Rectangle 1">
+            <a:extLst>
+              <a:ext uri="{FF2B5EF4-FFF2-40B4-BE49-F238E27FC236}">
+                <a16:creationId xmlns:a16="http://schemas.microsoft.com/office/drawing/2014/main" id="{4B492391-F0CD-4F20-A0F3-FC9CAD0474B3}"/>
+              </a:ext>
+            </a:extLst>
+          </p:cNvPr>
+          <p:cNvSpPr>
+            <a:spLocks noChangeArrowheads="1"/>
+          </p:cNvSpPr>
+          <p:nvPr/>
+        </p:nvSpPr>
+        <p:spPr bwMode="auto">
+          <a:xfrm>
+            <a:off x="1270000" y="2247057"/>
+            <a:ext cx="4490332" cy="338554"/>
+          </a:xfrm>
+          <a:prstGeom prst="rect">
+            <a:avLst/>
+          </a:prstGeom>
+          <a:noFill/>
+          <a:ln>
+            <a:noFill/>
+          </a:ln>
+          <a:effectLst/>
+          <a:extLst>
+            <a:ext uri="{909E8E84-426E-40DD-AFC4-6F175D3DCCD1}">
+              <a14:hiddenFill xmlns:a14="http://schemas.microsoft.com/office/drawing/2010/main">
+                <a:solidFill>
+                  <a:schemeClr val="accent1"/>
+                </a:solidFill>
+              </a14:hiddenFill>
+            </a:ext>
+            <a:ext uri="{91240B29-F687-4F45-9708-019B960494DF}">
+              <a14:hiddenLine xmlns:a14="http://schemas.microsoft.com/office/drawing/2010/main" w="9525">
+                <a:solidFill>
+                  <a:schemeClr val="tx1"/>
+                </a:solidFill>
+                <a:miter lim="800000"/>
+                <a:headEnd/>
+                <a:tailEnd/>
+              </a14:hiddenLine>
+            </a:ext>
+            <a:ext uri="{AF507438-7753-43E0-B8FC-AC1667EBCBE1}">
+              <a14:hiddenEffects xmlns:a14="http://schemas.microsoft.com/office/drawing/2010/main">
+                <a:effectLst>
+                  <a:outerShdw dist="35921" dir="2700000" algn="ctr" rotWithShape="0">
+                    <a:schemeClr val="bg2"/>
+                  </a:outerShdw>
+                </a:effectLst>
+              </a14:hiddenEffects>
+            </a:ext>
+          </a:extLst>
+        </p:spPr>
+        <p:txBody>
+          <a:bodyPr vert="horz" wrap="none" lIns="91440" tIns="45720" rIns="91440" bIns="45720" numCol="1" anchor="ctr" anchorCtr="0" compatLnSpc="1">
+            <a:prstTxWarp prst="textNoShape">
+              <a:avLst/>
+            </a:prstTxWarp>
+            <a:spAutoFit/>
+          </a:bodyPr>
+          <a:lstStyle>
+            <a:lvl1pPr eaLnBrk="0" fontAlgn="base" hangingPunct="0">
+              <a:spcBef>
+                <a:spcPct val="0"/>
+              </a:spcBef>
+              <a:spcAft>
+                <a:spcPct val="0"/>
+              </a:spcAft>
+              <a:defRPr>
+                <a:solidFill>
+                  <a:schemeClr val="tx1"/>
+                </a:solidFill>
+                <a:latin typeface="Arial" panose="020B0604020202020204" pitchFamily="34" charset="0"/>
+              </a:defRPr>
+            </a:lvl1pPr>
+            <a:lvl2pPr eaLnBrk="0" fontAlgn="base" hangingPunct="0">
+              <a:spcBef>
+                <a:spcPct val="0"/>
+              </a:spcBef>
+              <a:spcAft>
+                <a:spcPct val="0"/>
+              </a:spcAft>
+              <a:defRPr>
+                <a:solidFill>
+                  <a:schemeClr val="tx1"/>
+                </a:solidFill>
+                <a:latin typeface="Arial" panose="020B0604020202020204" pitchFamily="34" charset="0"/>
+              </a:defRPr>
+            </a:lvl2pPr>
+            <a:lvl3pPr eaLnBrk="0" fontAlgn="base" hangingPunct="0">
+              <a:spcBef>
+                <a:spcPct val="0"/>
+              </a:spcBef>
+              <a:spcAft>
+                <a:spcPct val="0"/>
+              </a:spcAft>
+              <a:defRPr>
+                <a:solidFill>
+                  <a:schemeClr val="tx1"/>
+                </a:solidFill>
+                <a:latin typeface="Arial" panose="020B0604020202020204" pitchFamily="34" charset="0"/>
+              </a:defRPr>
+            </a:lvl3pPr>
+            <a:lvl4pPr eaLnBrk="0" fontAlgn="base" hangingPunct="0">
+              <a:spcBef>
+                <a:spcPct val="0"/>
+              </a:spcBef>
+              <a:spcAft>
+                <a:spcPct val="0"/>
+              </a:spcAft>
+              <a:defRPr>
+                <a:solidFill>
+                  <a:schemeClr val="tx1"/>
+                </a:solidFill>
+                <a:latin typeface="Arial" panose="020B0604020202020204" pitchFamily="34" charset="0"/>
+              </a:defRPr>
+            </a:lvl4pPr>
+            <a:lvl5pPr eaLnBrk="0" fontAlgn="base" hangingPunct="0">
+              <a:spcBef>
+                <a:spcPct val="0"/>
+              </a:spcBef>
+              <a:spcAft>
+                <a:spcPct val="0"/>
+              </a:spcAft>
+              <a:defRPr>
+                <a:solidFill>
+                  <a:schemeClr val="tx1"/>
+                </a:solidFill>
+                <a:latin typeface="Arial" panose="020B0604020202020204" pitchFamily="34" charset="0"/>
+              </a:defRPr>
+            </a:lvl5pPr>
+            <a:lvl6pPr eaLnBrk="0" fontAlgn="base" hangingPunct="0">
+              <a:spcBef>
+                <a:spcPct val="0"/>
+              </a:spcBef>
+              <a:spcAft>
+                <a:spcPct val="0"/>
+              </a:spcAft>
+              <a:defRPr>
+                <a:solidFill>
+                  <a:schemeClr val="tx1"/>
+                </a:solidFill>
+                <a:latin typeface="Arial" panose="020B0604020202020204" pitchFamily="34" charset="0"/>
+              </a:defRPr>
+            </a:lvl6pPr>
+            <a:lvl7pPr eaLnBrk="0" fontAlgn="base" hangingPunct="0">
+              <a:spcBef>
+                <a:spcPct val="0"/>
+              </a:spcBef>
+              <a:spcAft>
+                <a:spcPct val="0"/>
+              </a:spcAft>
+              <a:defRPr>
+                <a:solidFill>
+                  <a:schemeClr val="tx1"/>
+                </a:solidFill>
+                <a:latin typeface="Arial" panose="020B0604020202020204" pitchFamily="34" charset="0"/>
+              </a:defRPr>
+            </a:lvl7pPr>
+            <a:lvl8pPr eaLnBrk="0" fontAlgn="base" hangingPunct="0">
+              <a:spcBef>
+                <a:spcPct val="0"/>
+              </a:spcBef>
+              <a:spcAft>
+                <a:spcPct val="0"/>
+              </a:spcAft>
+              <a:defRPr>
+                <a:solidFill>
+                  <a:schemeClr val="tx1"/>
+                </a:solidFill>
+                <a:latin typeface="Arial" panose="020B0604020202020204" pitchFamily="34" charset="0"/>
+              </a:defRPr>
+            </a:lvl8pPr>
+            <a:lvl9pPr eaLnBrk="0" fontAlgn="base" hangingPunct="0">
+              <a:spcBef>
+                <a:spcPct val="0"/>
+              </a:spcBef>
+              <a:spcAft>
+                <a:spcPct val="0"/>
+              </a:spcAft>
+              <a:defRPr>
+                <a:solidFill>
+                  <a:schemeClr val="tx1"/>
+                </a:solidFill>
+                <a:latin typeface="Arial" panose="020B0604020202020204" pitchFamily="34" charset="0"/>
+              </a:defRPr>
+            </a:lvl9pPr>
+          </a:lstStyle>
+          <a:p>
+            <a:pPr marL="0" marR="0" lvl="0" indent="0" algn="l" defTabSz="914400" rtl="0" eaLnBrk="0" fontAlgn="base" latinLnBrk="0" hangingPunct="0">
+              <a:lnSpc>
+                <a:spcPct val="100000"/>
+              </a:lnSpc>
+              <a:spcBef>
+                <a:spcPct val="0"/>
+              </a:spcBef>
+              <a:spcAft>
+                <a:spcPct val="0"/>
+              </a:spcAft>
+              <a:buClrTx/>
+              <a:buSzTx/>
+              <a:buFontTx/>
+              <a:buNone/>
+              <a:tabLst/>
+            </a:pPr>
+            <a:r>
+              <a:rPr kumimoji="0" lang="ko-KR" altLang="ko-KR" sz="1600" b="1" i="0" u="none" strike="noStrike" cap="none" normalizeH="0" baseline="0" dirty="0" err="1">
+                <a:ln>
+                  <a:noFill/>
+                </a:ln>
+                <a:solidFill>
+                  <a:schemeClr val="tx1"/>
+                </a:solidFill>
+                <a:effectLst/>
+                <a:latin typeface="Arial" panose="020B0604020202020204" pitchFamily="34" charset="0"/>
+              </a:rPr>
+              <a:t>git</a:t>
+            </a:r>
+            <a:r>
+              <a:rPr kumimoji="0" lang="ko-KR" altLang="ko-KR" sz="1600" b="1" i="0" u="none" strike="noStrike" cap="none" normalizeH="0" baseline="0" dirty="0">
+                <a:ln>
+                  <a:noFill/>
+                </a:ln>
+                <a:solidFill>
+                  <a:schemeClr val="tx1"/>
+                </a:solidFill>
+                <a:effectLst/>
+                <a:latin typeface="Arial" panose="020B0604020202020204" pitchFamily="34" charset="0"/>
+              </a:rPr>
+              <a:t> </a:t>
+            </a:r>
+            <a:r>
+              <a:rPr kumimoji="0" lang="ko-KR" altLang="ko-KR" sz="1600" b="1" i="0" u="none" strike="noStrike" cap="none" normalizeH="0" baseline="0" dirty="0" err="1">
+                <a:ln>
+                  <a:noFill/>
+                </a:ln>
+                <a:solidFill>
+                  <a:schemeClr val="tx1"/>
+                </a:solidFill>
+                <a:effectLst/>
+                <a:latin typeface="Arial" panose="020B0604020202020204" pitchFamily="34" charset="0"/>
+              </a:rPr>
+              <a:t>config</a:t>
+            </a:r>
+            <a:r>
+              <a:rPr kumimoji="0" lang="ko-KR" altLang="ko-KR" sz="1600" b="1" i="0" u="none" strike="noStrike" cap="none" normalizeH="0" baseline="0" dirty="0">
+                <a:ln>
+                  <a:noFill/>
+                </a:ln>
+                <a:solidFill>
+                  <a:schemeClr val="tx1"/>
+                </a:solidFill>
+                <a:effectLst/>
+                <a:latin typeface="Arial" panose="020B0604020202020204" pitchFamily="34" charset="0"/>
+              </a:rPr>
+              <a:t> (최초 1회 실행)</a:t>
+            </a:r>
+            <a:r>
+              <a:rPr kumimoji="0" lang="en-US" altLang="ko-KR" sz="1600" b="1" i="0" u="none" strike="noStrike" cap="none" normalizeH="0" baseline="0" dirty="0">
+                <a:ln>
+                  <a:noFill/>
+                </a:ln>
+                <a:solidFill>
+                  <a:schemeClr val="tx1"/>
+                </a:solidFill>
+                <a:effectLst/>
+                <a:latin typeface="Arial" panose="020B0604020202020204" pitchFamily="34" charset="0"/>
+              </a:rPr>
+              <a:t>  </a:t>
+            </a:r>
+            <a:r>
+              <a:rPr kumimoji="0" lang="ko-KR" altLang="en-US" sz="1600" b="1" i="0" u="none" strike="noStrike" cap="none" normalizeH="0" baseline="0" dirty="0">
+                <a:ln>
+                  <a:noFill/>
+                </a:ln>
+                <a:solidFill>
+                  <a:schemeClr val="tx1"/>
+                </a:solidFill>
+                <a:effectLst/>
+                <a:latin typeface="Arial" panose="020B0604020202020204" pitchFamily="34" charset="0"/>
+              </a:rPr>
+              <a:t>가장 먼저 </a:t>
+            </a:r>
+            <a:r>
+              <a:rPr kumimoji="0" lang="ko-KR" altLang="en-US" sz="1600" b="1" i="0" u="none" strike="noStrike" cap="none" normalizeH="0" baseline="0" dirty="0" err="1">
+                <a:ln>
+                  <a:noFill/>
+                </a:ln>
+                <a:solidFill>
+                  <a:schemeClr val="tx1"/>
+                </a:solidFill>
+                <a:effectLst/>
+                <a:latin typeface="Arial" panose="020B0604020202020204" pitchFamily="34" charset="0"/>
+              </a:rPr>
+              <a:t>해야할</a:t>
+            </a:r>
+            <a:r>
+              <a:rPr kumimoji="0" lang="ko-KR" altLang="en-US" sz="1600" b="1" i="0" u="none" strike="noStrike" cap="none" normalizeH="0" baseline="0" dirty="0">
+                <a:ln>
+                  <a:noFill/>
+                </a:ln>
+                <a:solidFill>
+                  <a:schemeClr val="tx1"/>
+                </a:solidFill>
+                <a:effectLst/>
+                <a:latin typeface="Arial" panose="020B0604020202020204" pitchFamily="34" charset="0"/>
+              </a:rPr>
+              <a:t> 일</a:t>
+            </a:r>
+            <a:endParaRPr kumimoji="0" lang="ko-KR" altLang="ko-KR" sz="1000" b="0" i="0" u="none" strike="noStrike" cap="none" normalizeH="0" baseline="0" dirty="0">
+              <a:ln>
+                <a:noFill/>
+              </a:ln>
+              <a:solidFill>
+                <a:schemeClr val="tx1"/>
+              </a:solidFill>
+              <a:effectLst/>
+              <a:latin typeface="Arial" panose="020B0604020202020204" pitchFamily="34" charset="0"/>
+            </a:endParaRPr>
           </a:p>
         </p:txBody>
       </p:sp>
     </p:spTree>
     <p:extLst>
       <p:ext uri="{BB962C8B-B14F-4D97-AF65-F5344CB8AC3E}">
-        <p14:creationId xmlns:p14="http://schemas.microsoft.com/office/powerpoint/2010/main" val="598361973"/>
+        <p14:creationId xmlns:p14="http://schemas.microsoft.com/office/powerpoint/2010/main" val="4205781528"/>
+      </p:ext>
+    </p:extLst>
+  </p:cSld>
+  <p:clrMapOvr>
+    <a:masterClrMapping/>
+  </p:clrMapOvr>
+</p:sld>
+</file>
+
+<file path=ppt/slides/slide6.xml><?xml version="1.0" encoding="utf-8"?>
+<p:sld xmlns:a="http://schemas.openxmlformats.org/drawingml/2006/main" xmlns:r="http://schemas.openxmlformats.org/officeDocument/2006/relationships" xmlns:p="http://schemas.openxmlformats.org/presentationml/2006/main">
+  <p:cSld>
+    <p:spTree>
+      <p:nvGrpSpPr>
+        <p:cNvPr id="1" name=""/>
+        <p:cNvGrpSpPr/>
+        <p:nvPr/>
+      </p:nvGrpSpPr>
+      <p:grpSpPr>
+        <a:xfrm>
+          <a:off x="0" y="0"/>
+          <a:ext cx="0" cy="0"/>
+          <a:chOff x="0" y="0"/>
+          <a:chExt cx="0" cy="0"/>
+        </a:xfrm>
+      </p:grpSpPr>
+      <p:graphicFrame>
+        <p:nvGraphicFramePr>
+          <p:cNvPr id="6" name="표 5">
+            <a:extLst>
+              <a:ext uri="{FF2B5EF4-FFF2-40B4-BE49-F238E27FC236}">
+                <a16:creationId xmlns:a16="http://schemas.microsoft.com/office/drawing/2014/main" id="{FC4E9D09-A62A-41CC-8F85-B3D2178982F3}"/>
+              </a:ext>
+            </a:extLst>
+          </p:cNvPr>
+          <p:cNvGraphicFramePr>
+            <a:graphicFrameLocks noGrp="1"/>
+          </p:cNvGraphicFramePr>
+          <p:nvPr>
+            <p:extLst>
+              <p:ext uri="{D42A27DB-BD31-4B8C-83A1-F6EECF244321}">
+                <p14:modId xmlns:p14="http://schemas.microsoft.com/office/powerpoint/2010/main" val="3170954268"/>
+              </p:ext>
+            </p:extLst>
+          </p:nvPr>
+        </p:nvGraphicFramePr>
+        <p:xfrm>
+          <a:off x="2164398" y="2856707"/>
+          <a:ext cx="7071360" cy="3108960"/>
+        </p:xfrm>
+        <a:graphic>
+          <a:graphicData uri="http://schemas.openxmlformats.org/drawingml/2006/table">
+            <a:tbl>
+              <a:tblPr/>
+              <a:tblGrid>
+                <a:gridCol w="7071360">
+                  <a:extLst>
+                    <a:ext uri="{9D8B030D-6E8A-4147-A177-3AD203B41FA5}">
+                      <a16:colId xmlns:a16="http://schemas.microsoft.com/office/drawing/2014/main" val="650380891"/>
+                    </a:ext>
+                  </a:extLst>
+                </a:gridCol>
+              </a:tblGrid>
+              <a:tr h="0">
+                <a:tc>
+                  <a:txBody>
+                    <a:bodyPr/>
+                    <a:lstStyle/>
+                    <a:p>
+                      <a:r>
+                        <a:rPr lang="en-US" altLang="ko-KR" dirty="0">
+                          <a:solidFill>
+                            <a:srgbClr val="999999"/>
+                          </a:solidFill>
+                          <a:effectLst/>
+                          <a:latin typeface="Consolas" panose="020B0609020204030204" pitchFamily="49" charset="0"/>
+                        </a:rPr>
+                        <a:t>// </a:t>
+                      </a:r>
+                      <a:r>
+                        <a:rPr lang="ko-KR" altLang="en-US" dirty="0">
+                          <a:solidFill>
+                            <a:srgbClr val="999999"/>
+                          </a:solidFill>
+                          <a:effectLst/>
+                          <a:latin typeface="Consolas" panose="020B0609020204030204" pitchFamily="49" charset="0"/>
+                        </a:rPr>
+                        <a:t>로컬저장소로 설정할 프로젝트 위치로 이동한다</a:t>
+                      </a:r>
+                      <a:r>
+                        <a:rPr lang="en-US" altLang="ko-KR" dirty="0">
+                          <a:solidFill>
+                            <a:srgbClr val="999999"/>
+                          </a:solidFill>
+                          <a:effectLst/>
+                          <a:latin typeface="Consolas" panose="020B0609020204030204" pitchFamily="49" charset="0"/>
+                        </a:rPr>
+                        <a:t>.</a:t>
+                      </a:r>
+                      <a:endParaRPr lang="ko-KR" altLang="en-US" dirty="0">
+                        <a:solidFill>
+                          <a:srgbClr val="010101"/>
+                        </a:solidFill>
+                        <a:effectLst/>
+                        <a:latin typeface="Consolas" panose="020B0609020204030204" pitchFamily="49" charset="0"/>
+                      </a:endParaRPr>
+                    </a:p>
+                    <a:p>
+                      <a:r>
+                        <a:rPr lang="en-US" altLang="ko-KR" dirty="0">
+                          <a:solidFill>
+                            <a:srgbClr val="010101"/>
+                          </a:solidFill>
+                          <a:effectLst/>
+                          <a:latin typeface="Consolas" panose="020B0609020204030204" pitchFamily="49" charset="0"/>
+                        </a:rPr>
+                        <a:t>cd C:/dev/workspace/eom2017</a:t>
+                      </a:r>
+                    </a:p>
+                    <a:p>
+                      <a:br>
+                        <a:rPr lang="en-US" altLang="ko-KR" dirty="0">
+                          <a:solidFill>
+                            <a:srgbClr val="010101"/>
+                          </a:solidFill>
+                          <a:effectLst/>
+                          <a:latin typeface="Consolas" panose="020B0609020204030204" pitchFamily="49" charset="0"/>
+                        </a:rPr>
+                      </a:br>
+                      <a:endParaRPr lang="en-US" altLang="ko-KR" dirty="0">
+                        <a:solidFill>
+                          <a:srgbClr val="010101"/>
+                        </a:solidFill>
+                        <a:effectLst/>
+                        <a:latin typeface="Consolas" panose="020B0609020204030204" pitchFamily="49" charset="0"/>
+                      </a:endParaRPr>
+                    </a:p>
+                    <a:p>
+                      <a:r>
+                        <a:rPr lang="en-US" altLang="ko-KR" dirty="0">
+                          <a:solidFill>
+                            <a:srgbClr val="999999"/>
+                          </a:solidFill>
+                          <a:effectLst/>
+                          <a:latin typeface="Consolas" panose="020B0609020204030204" pitchFamily="49" charset="0"/>
+                        </a:rPr>
+                        <a:t>// </a:t>
+                      </a:r>
+                      <a:r>
+                        <a:rPr lang="ko-KR" altLang="en-US" dirty="0">
+                          <a:solidFill>
+                            <a:srgbClr val="999999"/>
+                          </a:solidFill>
+                          <a:effectLst/>
+                          <a:latin typeface="Consolas" panose="020B0609020204030204" pitchFamily="49" charset="0"/>
+                        </a:rPr>
+                        <a:t>로컬저장소로 설정한다</a:t>
+                      </a:r>
+                      <a:r>
+                        <a:rPr lang="en-US" altLang="ko-KR" dirty="0">
+                          <a:solidFill>
+                            <a:srgbClr val="999999"/>
+                          </a:solidFill>
+                          <a:effectLst/>
+                          <a:latin typeface="Consolas" panose="020B0609020204030204" pitchFamily="49" charset="0"/>
+                        </a:rPr>
+                        <a:t>.</a:t>
+                      </a:r>
+                      <a:endParaRPr lang="ko-KR" altLang="en-US" dirty="0">
+                        <a:solidFill>
+                          <a:srgbClr val="010101"/>
+                        </a:solidFill>
+                        <a:effectLst/>
+                        <a:latin typeface="Consolas" panose="020B0609020204030204" pitchFamily="49" charset="0"/>
+                      </a:endParaRPr>
+                    </a:p>
+                    <a:p>
+                      <a:r>
+                        <a:rPr lang="en-US" altLang="ko-KR" dirty="0">
+                          <a:solidFill>
+                            <a:srgbClr val="999999"/>
+                          </a:solidFill>
+                          <a:effectLst/>
+                          <a:latin typeface="Consolas" panose="020B0609020204030204" pitchFamily="49" charset="0"/>
+                        </a:rPr>
+                        <a:t>// (master) </a:t>
+                      </a:r>
+                      <a:r>
+                        <a:rPr lang="ko-KR" altLang="en-US" dirty="0" err="1">
+                          <a:solidFill>
+                            <a:srgbClr val="999999"/>
+                          </a:solidFill>
+                          <a:effectLst/>
+                          <a:latin typeface="Consolas" panose="020B0609020204030204" pitchFamily="49" charset="0"/>
+                        </a:rPr>
+                        <a:t>브랜치로</a:t>
+                      </a:r>
+                      <a:r>
+                        <a:rPr lang="ko-KR" altLang="en-US" dirty="0">
+                          <a:solidFill>
+                            <a:srgbClr val="999999"/>
+                          </a:solidFill>
+                          <a:effectLst/>
+                          <a:latin typeface="Consolas" panose="020B0609020204030204" pitchFamily="49" charset="0"/>
+                        </a:rPr>
+                        <a:t> 보이면 성공한 것이다</a:t>
+                      </a:r>
+                      <a:r>
+                        <a:rPr lang="en-US" altLang="ko-KR" dirty="0">
+                          <a:solidFill>
+                            <a:srgbClr val="999999"/>
+                          </a:solidFill>
+                          <a:effectLst/>
+                          <a:latin typeface="Consolas" panose="020B0609020204030204" pitchFamily="49" charset="0"/>
+                        </a:rPr>
+                        <a:t>.</a:t>
+                      </a:r>
+                      <a:endParaRPr lang="ko-KR" altLang="en-US" dirty="0">
+                        <a:solidFill>
+                          <a:srgbClr val="010101"/>
+                        </a:solidFill>
+                        <a:effectLst/>
+                        <a:latin typeface="Consolas" panose="020B0609020204030204" pitchFamily="49" charset="0"/>
+                      </a:endParaRPr>
+                    </a:p>
+                    <a:p>
+                      <a:r>
+                        <a:rPr lang="en-US" altLang="ko-KR" dirty="0">
+                          <a:solidFill>
+                            <a:srgbClr val="010101"/>
+                          </a:solidFill>
+                          <a:effectLst/>
+                          <a:latin typeface="Consolas" panose="020B0609020204030204" pitchFamily="49" charset="0"/>
+                        </a:rPr>
+                        <a:t>git </a:t>
+                      </a:r>
+                      <a:r>
+                        <a:rPr lang="en-US" altLang="ko-KR" dirty="0" err="1">
+                          <a:solidFill>
+                            <a:srgbClr val="010101"/>
+                          </a:solidFill>
+                          <a:effectLst/>
+                          <a:latin typeface="Consolas" panose="020B0609020204030204" pitchFamily="49" charset="0"/>
+                        </a:rPr>
+                        <a:t>init</a:t>
+                      </a:r>
+                      <a:endParaRPr lang="en-US" altLang="ko-KR" dirty="0">
+                        <a:solidFill>
+                          <a:srgbClr val="010101"/>
+                        </a:solidFill>
+                        <a:effectLst/>
+                        <a:latin typeface="Consolas" panose="020B0609020204030204" pitchFamily="49" charset="0"/>
+                      </a:endParaRPr>
+                    </a:p>
+                    <a:p>
+                      <a:br>
+                        <a:rPr lang="en-US" altLang="ko-KR" dirty="0">
+                          <a:solidFill>
+                            <a:srgbClr val="010101"/>
+                          </a:solidFill>
+                          <a:effectLst/>
+                          <a:latin typeface="Consolas" panose="020B0609020204030204" pitchFamily="49" charset="0"/>
+                        </a:rPr>
+                      </a:br>
+                      <a:endParaRPr lang="en-US" altLang="ko-KR" dirty="0">
+                        <a:solidFill>
+                          <a:srgbClr val="010101"/>
+                        </a:solidFill>
+                        <a:effectLst/>
+                        <a:latin typeface="Consolas" panose="020B0609020204030204" pitchFamily="49" charset="0"/>
+                      </a:endParaRPr>
+                    </a:p>
+                    <a:p>
+                      <a:r>
+                        <a:rPr lang="en-US" altLang="ko-KR" dirty="0">
+                          <a:solidFill>
+                            <a:srgbClr val="999999"/>
+                          </a:solidFill>
+                          <a:effectLst/>
+                          <a:latin typeface="Consolas" panose="020B0609020204030204" pitchFamily="49" charset="0"/>
+                        </a:rPr>
+                        <a:t>// </a:t>
+                      </a:r>
+                      <a:r>
+                        <a:rPr lang="ko-KR" altLang="en-US" dirty="0">
+                          <a:solidFill>
+                            <a:srgbClr val="999999"/>
+                          </a:solidFill>
+                          <a:effectLst/>
+                          <a:latin typeface="Consolas" panose="020B0609020204030204" pitchFamily="49" charset="0"/>
+                        </a:rPr>
+                        <a:t>만약 </a:t>
+                      </a:r>
+                      <a:r>
+                        <a:rPr lang="en-US" altLang="ko-KR" dirty="0" err="1">
+                          <a:solidFill>
+                            <a:srgbClr val="999999"/>
+                          </a:solidFill>
+                          <a:effectLst/>
+                          <a:latin typeface="Consolas" panose="020B0609020204030204" pitchFamily="49" charset="0"/>
+                        </a:rPr>
+                        <a:t>init</a:t>
+                      </a:r>
+                      <a:r>
+                        <a:rPr lang="ko-KR" altLang="en-US" dirty="0">
+                          <a:solidFill>
+                            <a:srgbClr val="999999"/>
+                          </a:solidFill>
+                          <a:effectLst/>
+                          <a:latin typeface="Consolas" panose="020B0609020204030204" pitchFamily="49" charset="0"/>
+                        </a:rPr>
+                        <a:t>을 취소하려면 아래의 명령어를 입력한다</a:t>
+                      </a:r>
+                      <a:r>
+                        <a:rPr lang="en-US" altLang="ko-KR" dirty="0">
+                          <a:solidFill>
+                            <a:srgbClr val="999999"/>
+                          </a:solidFill>
+                          <a:effectLst/>
+                          <a:latin typeface="Consolas" panose="020B0609020204030204" pitchFamily="49" charset="0"/>
+                        </a:rPr>
+                        <a:t>.</a:t>
+                      </a:r>
+                      <a:endParaRPr lang="ko-KR" altLang="en-US" dirty="0">
+                        <a:solidFill>
+                          <a:srgbClr val="010101"/>
+                        </a:solidFill>
+                        <a:effectLst/>
+                        <a:latin typeface="Consolas" panose="020B0609020204030204" pitchFamily="49" charset="0"/>
+                      </a:endParaRPr>
+                    </a:p>
+                    <a:p>
+                      <a:r>
+                        <a:rPr lang="en-US" altLang="ko-KR" dirty="0">
+                          <a:solidFill>
+                            <a:srgbClr val="010101"/>
+                          </a:solidFill>
+                          <a:effectLst/>
+                          <a:latin typeface="Consolas" panose="020B0609020204030204" pitchFamily="49" charset="0"/>
+                        </a:rPr>
+                        <a:t>rm -r .git</a:t>
+                      </a:r>
+                    </a:p>
+                  </a:txBody>
+                  <a:tcPr marL="0" marR="0" anchor="ctr">
+                    <a:lnL>
+                      <a:noFill/>
+                    </a:lnL>
+                    <a:lnR>
+                      <a:noFill/>
+                    </a:lnR>
+                    <a:lnT>
+                      <a:noFill/>
+                    </a:lnT>
+                    <a:lnB>
+                      <a:noFill/>
+                    </a:lnB>
+                    <a:solidFill>
+                      <a:srgbClr val="FAFAFA"/>
+                    </a:solidFill>
+                  </a:tcPr>
+                </a:tc>
+                <a:extLst>
+                  <a:ext uri="{0D108BD9-81ED-4DB2-BD59-A6C34878D82A}">
+                    <a16:rowId xmlns:a16="http://schemas.microsoft.com/office/drawing/2014/main" val="2406987643"/>
+                  </a:ext>
+                </a:extLst>
+              </a:tr>
+            </a:tbl>
+          </a:graphicData>
+        </a:graphic>
+      </p:graphicFrame>
+      <p:sp>
+        <p:nvSpPr>
+          <p:cNvPr id="7" name="Rectangle 2">
+            <a:extLst>
+              <a:ext uri="{FF2B5EF4-FFF2-40B4-BE49-F238E27FC236}">
+                <a16:creationId xmlns:a16="http://schemas.microsoft.com/office/drawing/2014/main" id="{0C2D89EA-6340-41C0-924A-D8F782B032A5}"/>
+              </a:ext>
+            </a:extLst>
+          </p:cNvPr>
+          <p:cNvSpPr>
+            <a:spLocks noChangeArrowheads="1"/>
+          </p:cNvSpPr>
+          <p:nvPr/>
+        </p:nvSpPr>
+        <p:spPr bwMode="auto">
+          <a:xfrm>
+            <a:off x="1656398" y="2050559"/>
+            <a:ext cx="2736647" cy="446276"/>
+          </a:xfrm>
+          <a:prstGeom prst="rect">
+            <a:avLst/>
+          </a:prstGeom>
+          <a:noFill/>
+          <a:ln>
+            <a:noFill/>
+          </a:ln>
+          <a:effectLst/>
+          <a:extLst>
+            <a:ext uri="{909E8E84-426E-40DD-AFC4-6F175D3DCCD1}">
+              <a14:hiddenFill xmlns:a14="http://schemas.microsoft.com/office/drawing/2010/main">
+                <a:solidFill>
+                  <a:schemeClr val="accent1"/>
+                </a:solidFill>
+              </a14:hiddenFill>
+            </a:ext>
+            <a:ext uri="{91240B29-F687-4F45-9708-019B960494DF}">
+              <a14:hiddenLine xmlns:a14="http://schemas.microsoft.com/office/drawing/2010/main" w="9525">
+                <a:solidFill>
+                  <a:schemeClr val="tx1"/>
+                </a:solidFill>
+                <a:miter lim="800000"/>
+                <a:headEnd/>
+                <a:tailEnd/>
+              </a14:hiddenLine>
+            </a:ext>
+            <a:ext uri="{AF507438-7753-43E0-B8FC-AC1667EBCBE1}">
+              <a14:hiddenEffects xmlns:a14="http://schemas.microsoft.com/office/drawing/2010/main">
+                <a:effectLst>
+                  <a:outerShdw dist="35921" dir="2700000" algn="ctr" rotWithShape="0">
+                    <a:schemeClr val="bg2"/>
+                  </a:outerShdw>
+                </a:effectLst>
+              </a14:hiddenEffects>
+            </a:ext>
+          </a:extLst>
+        </p:spPr>
+        <p:txBody>
+          <a:bodyPr vert="horz" wrap="none" lIns="91440" tIns="45720" rIns="91440" bIns="45720" numCol="1" anchor="ctr" anchorCtr="0" compatLnSpc="1">
+            <a:prstTxWarp prst="textNoShape">
+              <a:avLst/>
+            </a:prstTxWarp>
+            <a:spAutoFit/>
+          </a:bodyPr>
+          <a:lstStyle>
+            <a:lvl1pPr eaLnBrk="0" fontAlgn="base" hangingPunct="0">
+              <a:spcBef>
+                <a:spcPct val="0"/>
+              </a:spcBef>
+              <a:spcAft>
+                <a:spcPct val="0"/>
+              </a:spcAft>
+              <a:defRPr>
+                <a:solidFill>
+                  <a:schemeClr val="tx1"/>
+                </a:solidFill>
+                <a:latin typeface="Arial" panose="020B0604020202020204" pitchFamily="34" charset="0"/>
+              </a:defRPr>
+            </a:lvl1pPr>
+            <a:lvl2pPr eaLnBrk="0" fontAlgn="base" hangingPunct="0">
+              <a:spcBef>
+                <a:spcPct val="0"/>
+              </a:spcBef>
+              <a:spcAft>
+                <a:spcPct val="0"/>
+              </a:spcAft>
+              <a:defRPr>
+                <a:solidFill>
+                  <a:schemeClr val="tx1"/>
+                </a:solidFill>
+                <a:latin typeface="Arial" panose="020B0604020202020204" pitchFamily="34" charset="0"/>
+              </a:defRPr>
+            </a:lvl2pPr>
+            <a:lvl3pPr eaLnBrk="0" fontAlgn="base" hangingPunct="0">
+              <a:spcBef>
+                <a:spcPct val="0"/>
+              </a:spcBef>
+              <a:spcAft>
+                <a:spcPct val="0"/>
+              </a:spcAft>
+              <a:defRPr>
+                <a:solidFill>
+                  <a:schemeClr val="tx1"/>
+                </a:solidFill>
+                <a:latin typeface="Arial" panose="020B0604020202020204" pitchFamily="34" charset="0"/>
+              </a:defRPr>
+            </a:lvl3pPr>
+            <a:lvl4pPr eaLnBrk="0" fontAlgn="base" hangingPunct="0">
+              <a:spcBef>
+                <a:spcPct val="0"/>
+              </a:spcBef>
+              <a:spcAft>
+                <a:spcPct val="0"/>
+              </a:spcAft>
+              <a:defRPr>
+                <a:solidFill>
+                  <a:schemeClr val="tx1"/>
+                </a:solidFill>
+                <a:latin typeface="Arial" panose="020B0604020202020204" pitchFamily="34" charset="0"/>
+              </a:defRPr>
+            </a:lvl4pPr>
+            <a:lvl5pPr eaLnBrk="0" fontAlgn="base" hangingPunct="0">
+              <a:spcBef>
+                <a:spcPct val="0"/>
+              </a:spcBef>
+              <a:spcAft>
+                <a:spcPct val="0"/>
+              </a:spcAft>
+              <a:defRPr>
+                <a:solidFill>
+                  <a:schemeClr val="tx1"/>
+                </a:solidFill>
+                <a:latin typeface="Arial" panose="020B0604020202020204" pitchFamily="34" charset="0"/>
+              </a:defRPr>
+            </a:lvl5pPr>
+            <a:lvl6pPr eaLnBrk="0" fontAlgn="base" hangingPunct="0">
+              <a:spcBef>
+                <a:spcPct val="0"/>
+              </a:spcBef>
+              <a:spcAft>
+                <a:spcPct val="0"/>
+              </a:spcAft>
+              <a:defRPr>
+                <a:solidFill>
+                  <a:schemeClr val="tx1"/>
+                </a:solidFill>
+                <a:latin typeface="Arial" panose="020B0604020202020204" pitchFamily="34" charset="0"/>
+              </a:defRPr>
+            </a:lvl6pPr>
+            <a:lvl7pPr eaLnBrk="0" fontAlgn="base" hangingPunct="0">
+              <a:spcBef>
+                <a:spcPct val="0"/>
+              </a:spcBef>
+              <a:spcAft>
+                <a:spcPct val="0"/>
+              </a:spcAft>
+              <a:defRPr>
+                <a:solidFill>
+                  <a:schemeClr val="tx1"/>
+                </a:solidFill>
+                <a:latin typeface="Arial" panose="020B0604020202020204" pitchFamily="34" charset="0"/>
+              </a:defRPr>
+            </a:lvl7pPr>
+            <a:lvl8pPr eaLnBrk="0" fontAlgn="base" hangingPunct="0">
+              <a:spcBef>
+                <a:spcPct val="0"/>
+              </a:spcBef>
+              <a:spcAft>
+                <a:spcPct val="0"/>
+              </a:spcAft>
+              <a:defRPr>
+                <a:solidFill>
+                  <a:schemeClr val="tx1"/>
+                </a:solidFill>
+                <a:latin typeface="Arial" panose="020B0604020202020204" pitchFamily="34" charset="0"/>
+              </a:defRPr>
+            </a:lvl8pPr>
+            <a:lvl9pPr eaLnBrk="0" fontAlgn="base" hangingPunct="0">
+              <a:spcBef>
+                <a:spcPct val="0"/>
+              </a:spcBef>
+              <a:spcAft>
+                <a:spcPct val="0"/>
+              </a:spcAft>
+              <a:defRPr>
+                <a:solidFill>
+                  <a:schemeClr val="tx1"/>
+                </a:solidFill>
+                <a:latin typeface="Arial" panose="020B0604020202020204" pitchFamily="34" charset="0"/>
+              </a:defRPr>
+            </a:lvl9pPr>
+          </a:lstStyle>
+          <a:p>
+            <a:pPr marL="0" marR="0" lvl="0" indent="0" algn="l" defTabSz="914400" rtl="0" eaLnBrk="0" fontAlgn="base" latinLnBrk="0" hangingPunct="0">
+              <a:lnSpc>
+                <a:spcPct val="100000"/>
+              </a:lnSpc>
+              <a:spcBef>
+                <a:spcPct val="0"/>
+              </a:spcBef>
+              <a:spcAft>
+                <a:spcPct val="0"/>
+              </a:spcAft>
+              <a:buClrTx/>
+              <a:buSzTx/>
+              <a:buFontTx/>
+              <a:buNone/>
+              <a:tabLst/>
+            </a:pPr>
+            <a:r>
+              <a:rPr kumimoji="0" lang="ko-KR" altLang="ko-KR" sz="1200" b="1" i="0" u="none" strike="noStrike" cap="none" normalizeH="0" baseline="0" dirty="0" err="1">
+                <a:ln>
+                  <a:noFill/>
+                </a:ln>
+                <a:solidFill>
+                  <a:srgbClr val="000000"/>
+                </a:solidFill>
+                <a:effectLst/>
+                <a:latin typeface="Arial" panose="020B0604020202020204" pitchFamily="34" charset="0"/>
+                <a:ea typeface="Noto Sans"/>
+              </a:rPr>
+              <a:t>git</a:t>
+            </a:r>
+            <a:r>
+              <a:rPr kumimoji="0" lang="ko-KR" altLang="ko-KR" sz="1200" b="1" i="0" u="none" strike="noStrike" cap="none" normalizeH="0" baseline="0" dirty="0">
+                <a:ln>
+                  <a:noFill/>
+                </a:ln>
+                <a:solidFill>
+                  <a:srgbClr val="000000"/>
+                </a:solidFill>
+                <a:effectLst/>
+                <a:latin typeface="Arial" panose="020B0604020202020204" pitchFamily="34" charset="0"/>
+                <a:ea typeface="Noto Sans"/>
+              </a:rPr>
+              <a:t> </a:t>
+            </a:r>
+            <a:r>
+              <a:rPr kumimoji="0" lang="ko-KR" altLang="ko-KR" sz="1200" b="1" i="0" u="none" strike="noStrike" cap="none" normalizeH="0" baseline="0" dirty="0" err="1">
+                <a:ln>
+                  <a:noFill/>
+                </a:ln>
+                <a:solidFill>
+                  <a:srgbClr val="000000"/>
+                </a:solidFill>
+                <a:effectLst/>
+                <a:latin typeface="Arial" panose="020B0604020202020204" pitchFamily="34" charset="0"/>
+                <a:ea typeface="Noto Sans"/>
+              </a:rPr>
+              <a:t>init</a:t>
+            </a:r>
+            <a:endParaRPr kumimoji="0" lang="ko-KR" altLang="ko-KR" sz="800" b="0" i="0" u="none" strike="noStrike" cap="none" normalizeH="0" baseline="0" dirty="0">
+              <a:ln>
+                <a:noFill/>
+              </a:ln>
+              <a:solidFill>
+                <a:schemeClr val="tx1"/>
+              </a:solidFill>
+              <a:effectLst/>
+              <a:latin typeface="Arial" panose="020B0604020202020204" pitchFamily="34" charset="0"/>
+            </a:endParaRPr>
+          </a:p>
+          <a:p>
+            <a:pPr marL="0" marR="0" lvl="0" indent="0" algn="l" defTabSz="914400" rtl="0" eaLnBrk="0" fontAlgn="base" latinLnBrk="0" hangingPunct="0">
+              <a:lnSpc>
+                <a:spcPct val="100000"/>
+              </a:lnSpc>
+              <a:spcBef>
+                <a:spcPct val="0"/>
+              </a:spcBef>
+              <a:spcAft>
+                <a:spcPct val="0"/>
+              </a:spcAft>
+              <a:buClrTx/>
+              <a:buSzTx/>
+              <a:buFontTx/>
+              <a:buNone/>
+              <a:tabLst/>
+            </a:pPr>
+            <a:r>
+              <a:rPr kumimoji="0" lang="ko-KR" altLang="ko-KR" sz="1100" b="0" i="0" u="none" strike="noStrike" cap="none" normalizeH="0" baseline="0" dirty="0">
+                <a:ln>
+                  <a:noFill/>
+                </a:ln>
+                <a:solidFill>
+                  <a:srgbClr val="000000"/>
+                </a:solidFill>
+                <a:effectLst/>
+                <a:latin typeface="Arial" panose="020B0604020202020204" pitchFamily="34" charset="0"/>
+                <a:ea typeface="Noto Sans"/>
+              </a:rPr>
+              <a:t>현재 디렉토리를 로컬저장소로 설정한다</a:t>
+            </a:r>
+            <a:endParaRPr kumimoji="0" lang="ko-KR" altLang="ko-KR" sz="800" b="0" i="0" u="none" strike="noStrike" cap="none" normalizeH="0" baseline="0" dirty="0">
+              <a:ln>
+                <a:noFill/>
+              </a:ln>
+              <a:solidFill>
+                <a:schemeClr val="tx1"/>
+              </a:solidFill>
+              <a:effectLst/>
+              <a:latin typeface="Arial" panose="020B0604020202020204" pitchFamily="34" charset="0"/>
+            </a:endParaRPr>
+          </a:p>
+        </p:txBody>
+      </p:sp>
+      <p:sp>
+        <p:nvSpPr>
+          <p:cNvPr id="9" name="제목 1">
+            <a:extLst>
+              <a:ext uri="{FF2B5EF4-FFF2-40B4-BE49-F238E27FC236}">
+                <a16:creationId xmlns:a16="http://schemas.microsoft.com/office/drawing/2014/main" id="{4AF48E65-42AD-41AA-A14A-239B696944F9}"/>
+              </a:ext>
+            </a:extLst>
+          </p:cNvPr>
+          <p:cNvSpPr>
+            <a:spLocks noGrp="1"/>
+          </p:cNvSpPr>
+          <p:nvPr>
+            <p:ph type="title"/>
+          </p:nvPr>
+        </p:nvSpPr>
+        <p:spPr>
+          <a:xfrm>
+            <a:off x="838200" y="365125"/>
+            <a:ext cx="10515600" cy="1325563"/>
+          </a:xfrm>
+        </p:spPr>
+        <p:txBody>
+          <a:bodyPr/>
+          <a:lstStyle/>
+          <a:p>
+            <a:r>
+              <a:rPr lang="ko-KR" altLang="en-US" dirty="0"/>
+              <a:t>우분투 </a:t>
+            </a:r>
+            <a:r>
+              <a:rPr lang="en-US" altLang="ko-KR" dirty="0"/>
+              <a:t>, git bash </a:t>
+            </a:r>
+            <a:r>
+              <a:rPr lang="ko-KR" altLang="en-US" dirty="0"/>
+              <a:t>와 같은 터미널에서 </a:t>
+            </a:r>
+            <a:br>
+              <a:rPr lang="en-US" altLang="ko-KR" dirty="0"/>
+            </a:br>
+            <a:r>
+              <a:rPr lang="ko-KR" altLang="en-US" dirty="0"/>
+              <a:t>연결</a:t>
+            </a:r>
+          </a:p>
+        </p:txBody>
+      </p:sp>
+    </p:spTree>
+    <p:extLst>
+      <p:ext uri="{BB962C8B-B14F-4D97-AF65-F5344CB8AC3E}">
+        <p14:creationId xmlns:p14="http://schemas.microsoft.com/office/powerpoint/2010/main" val="615124071"/>
+      </p:ext>
+    </p:extLst>
+  </p:cSld>
+  <p:clrMapOvr>
+    <a:masterClrMapping/>
+  </p:clrMapOvr>
+</p:sld>
+</file>
+
+<file path=ppt/slides/slide7.xml><?xml version="1.0" encoding="utf-8"?>
+<p:sld xmlns:a="http://schemas.openxmlformats.org/drawingml/2006/main" xmlns:r="http://schemas.openxmlformats.org/officeDocument/2006/relationships" xmlns:p="http://schemas.openxmlformats.org/presentationml/2006/main">
+  <p:cSld>
+    <p:spTree>
+      <p:nvGrpSpPr>
+        <p:cNvPr id="1" name=""/>
+        <p:cNvGrpSpPr/>
+        <p:nvPr/>
+      </p:nvGrpSpPr>
+      <p:grpSpPr>
+        <a:xfrm>
+          <a:off x="0" y="0"/>
+          <a:ext cx="0" cy="0"/>
+          <a:chOff x="0" y="0"/>
+          <a:chExt cx="0" cy="0"/>
+        </a:xfrm>
+      </p:grpSpPr>
+      <p:pic>
+        <p:nvPicPr>
+          <p:cNvPr id="3074" name="Picture 2" descr="https://t1.daumcdn.net/cfile/tistory/99F643345A3015D705">
+            <a:extLst>
+              <a:ext uri="{FF2B5EF4-FFF2-40B4-BE49-F238E27FC236}">
+                <a16:creationId xmlns:a16="http://schemas.microsoft.com/office/drawing/2014/main" id="{CC60EB18-C559-451C-9755-A0518FF414AD}"/>
+              </a:ext>
+            </a:extLst>
+          </p:cNvPr>
+          <p:cNvPicPr>
+            <a:picLocks noChangeAspect="1" noChangeArrowheads="1"/>
+          </p:cNvPicPr>
+          <p:nvPr/>
+        </p:nvPicPr>
+        <p:blipFill>
+          <a:blip r:embed="rId2">
+            <a:extLst>
+              <a:ext uri="{28A0092B-C50C-407E-A947-70E740481C1C}">
+                <a14:useLocalDpi xmlns:a14="http://schemas.microsoft.com/office/drawing/2010/main" val="0"/>
+              </a:ext>
+            </a:extLst>
+          </a:blip>
+          <a:srcRect/>
+          <a:stretch>
+            <a:fillRect/>
+          </a:stretch>
+        </p:blipFill>
+        <p:spPr bwMode="auto">
+          <a:xfrm>
+            <a:off x="2494280" y="2925147"/>
+            <a:ext cx="6562725" cy="3038476"/>
+          </a:xfrm>
+          <a:prstGeom prst="rect">
+            <a:avLst/>
+          </a:prstGeom>
+          <a:noFill/>
+          <a:extLst>
+            <a:ext uri="{909E8E84-426E-40DD-AFC4-6F175D3DCCD1}">
+              <a14:hiddenFill xmlns:a14="http://schemas.microsoft.com/office/drawing/2010/main">
+                <a:solidFill>
+                  <a:srgbClr val="FFFFFF"/>
+                </a:solidFill>
+              </a14:hiddenFill>
+            </a:ext>
+          </a:extLst>
+        </p:spPr>
+      </p:pic>
+      <p:sp>
+        <p:nvSpPr>
+          <p:cNvPr id="5" name="TextBox 4">
+            <a:extLst>
+              <a:ext uri="{FF2B5EF4-FFF2-40B4-BE49-F238E27FC236}">
+                <a16:creationId xmlns:a16="http://schemas.microsoft.com/office/drawing/2014/main" id="{D67CEE68-FBB7-410B-9342-7293A6F58B86}"/>
+              </a:ext>
+            </a:extLst>
+          </p:cNvPr>
+          <p:cNvSpPr txBox="1"/>
+          <p:nvPr/>
+        </p:nvSpPr>
+        <p:spPr>
+          <a:xfrm>
+            <a:off x="2377440" y="1696720"/>
+            <a:ext cx="3903633" cy="954107"/>
+          </a:xfrm>
+          <a:prstGeom prst="rect">
+            <a:avLst/>
+          </a:prstGeom>
+          <a:noFill/>
+        </p:spPr>
+        <p:txBody>
+          <a:bodyPr wrap="none" rtlCol="0">
+            <a:spAutoFit/>
+          </a:bodyPr>
+          <a:lstStyle/>
+          <a:p>
+            <a:pPr lvl="0" eaLnBrk="0" fontAlgn="base" latinLnBrk="0" hangingPunct="0">
+              <a:spcBef>
+                <a:spcPct val="0"/>
+              </a:spcBef>
+              <a:spcAft>
+                <a:spcPct val="0"/>
+              </a:spcAft>
+            </a:pPr>
+            <a:r>
+              <a:rPr lang="ko-KR" altLang="ko-KR" sz="2000" b="1" dirty="0" err="1">
+                <a:solidFill>
+                  <a:srgbClr val="000000"/>
+                </a:solidFill>
+                <a:latin typeface="Arial" panose="020B0604020202020204" pitchFamily="34" charset="0"/>
+                <a:ea typeface="Noto Sans"/>
+              </a:rPr>
+              <a:t>git</a:t>
+            </a:r>
+            <a:r>
+              <a:rPr lang="ko-KR" altLang="ko-KR" sz="2000" b="1" dirty="0">
+                <a:solidFill>
+                  <a:srgbClr val="000000"/>
+                </a:solidFill>
+                <a:latin typeface="Arial" panose="020B0604020202020204" pitchFamily="34" charset="0"/>
+                <a:ea typeface="Noto Sans"/>
+              </a:rPr>
+              <a:t> </a:t>
+            </a:r>
+            <a:r>
+              <a:rPr lang="ko-KR" altLang="ko-KR" sz="2000" b="1" dirty="0" err="1">
+                <a:solidFill>
+                  <a:srgbClr val="000000"/>
+                </a:solidFill>
+                <a:latin typeface="Arial" panose="020B0604020202020204" pitchFamily="34" charset="0"/>
+                <a:ea typeface="Noto Sans"/>
+              </a:rPr>
+              <a:t>status</a:t>
+            </a:r>
+            <a:endParaRPr lang="ko-KR" altLang="ko-KR" sz="1100" dirty="0">
+              <a:latin typeface="Arial" panose="020B0604020202020204" pitchFamily="34" charset="0"/>
+            </a:endParaRPr>
+          </a:p>
+          <a:p>
+            <a:pPr lvl="0" eaLnBrk="0" fontAlgn="base" latinLnBrk="0" hangingPunct="0">
+              <a:spcBef>
+                <a:spcPct val="0"/>
+              </a:spcBef>
+              <a:spcAft>
+                <a:spcPct val="0"/>
+              </a:spcAft>
+            </a:pPr>
+            <a:r>
+              <a:rPr lang="ko-KR" altLang="ko-KR" dirty="0">
+                <a:solidFill>
+                  <a:srgbClr val="000000"/>
+                </a:solidFill>
+                <a:latin typeface="Arial" panose="020B0604020202020204" pitchFamily="34" charset="0"/>
+                <a:ea typeface="Noto Sans"/>
+              </a:rPr>
+              <a:t>로컬저장소의 현재 상태를 보여준다.</a:t>
+            </a:r>
+            <a:endParaRPr lang="ko-KR" altLang="ko-KR" sz="1100" dirty="0">
+              <a:latin typeface="Arial" panose="020B0604020202020204" pitchFamily="34" charset="0"/>
+            </a:endParaRPr>
+          </a:p>
+          <a:p>
+            <a:endParaRPr lang="ko-KR" altLang="en-US" dirty="0"/>
+          </a:p>
+        </p:txBody>
+      </p:sp>
+      <p:sp>
+        <p:nvSpPr>
+          <p:cNvPr id="7" name="제목 1">
+            <a:extLst>
+              <a:ext uri="{FF2B5EF4-FFF2-40B4-BE49-F238E27FC236}">
+                <a16:creationId xmlns:a16="http://schemas.microsoft.com/office/drawing/2014/main" id="{C0AEAB77-4322-430B-A939-1F5BE5C02208}"/>
+              </a:ext>
+            </a:extLst>
+          </p:cNvPr>
+          <p:cNvSpPr>
+            <a:spLocks noGrp="1"/>
+          </p:cNvSpPr>
+          <p:nvPr>
+            <p:ph type="title"/>
+          </p:nvPr>
+        </p:nvSpPr>
+        <p:spPr>
+          <a:xfrm>
+            <a:off x="838200" y="365125"/>
+            <a:ext cx="10515600" cy="1325563"/>
+          </a:xfrm>
+        </p:spPr>
+        <p:txBody>
+          <a:bodyPr/>
+          <a:lstStyle/>
+          <a:p>
+            <a:r>
+              <a:rPr lang="ko-KR" altLang="en-US" dirty="0"/>
+              <a:t>우분투 </a:t>
+            </a:r>
+            <a:r>
+              <a:rPr lang="en-US" altLang="ko-KR" dirty="0"/>
+              <a:t>, git bash </a:t>
+            </a:r>
+            <a:r>
+              <a:rPr lang="ko-KR" altLang="en-US" dirty="0"/>
+              <a:t>와 같은 터미널에서 </a:t>
+            </a:r>
+            <a:br>
+              <a:rPr lang="en-US" altLang="ko-KR" dirty="0"/>
+            </a:br>
+            <a:r>
+              <a:rPr lang="ko-KR" altLang="en-US" dirty="0"/>
+              <a:t>연결</a:t>
+            </a:r>
+          </a:p>
+        </p:txBody>
+      </p:sp>
+    </p:spTree>
+    <p:extLst>
+      <p:ext uri="{BB962C8B-B14F-4D97-AF65-F5344CB8AC3E}">
+        <p14:creationId xmlns:p14="http://schemas.microsoft.com/office/powerpoint/2010/main" val="1128421487"/>
+      </p:ext>
+    </p:extLst>
+  </p:cSld>
+  <p:clrMapOvr>
+    <a:masterClrMapping/>
+  </p:clrMapOvr>
+</p:sld>
+</file>
+
+<file path=ppt/slides/slide8.xml><?xml version="1.0" encoding="utf-8"?>
+<p:sld xmlns:a="http://schemas.openxmlformats.org/drawingml/2006/main" xmlns:r="http://schemas.openxmlformats.org/officeDocument/2006/relationships" xmlns:p="http://schemas.openxmlformats.org/presentationml/2006/main">
+  <p:cSld>
+    <p:spTree>
+      <p:nvGrpSpPr>
+        <p:cNvPr id="1" name=""/>
+        <p:cNvGrpSpPr/>
+        <p:nvPr/>
+      </p:nvGrpSpPr>
+      <p:grpSpPr>
+        <a:xfrm>
+          <a:off x="0" y="0"/>
+          <a:ext cx="0" cy="0"/>
+          <a:chOff x="0" y="0"/>
+          <a:chExt cx="0" cy="0"/>
+        </a:xfrm>
+      </p:grpSpPr>
+      <p:sp>
+        <p:nvSpPr>
+          <p:cNvPr id="7" name="제목 1">
+            <a:extLst>
+              <a:ext uri="{FF2B5EF4-FFF2-40B4-BE49-F238E27FC236}">
+                <a16:creationId xmlns:a16="http://schemas.microsoft.com/office/drawing/2014/main" id="{C0AEAB77-4322-430B-A939-1F5BE5C02208}"/>
+              </a:ext>
+            </a:extLst>
+          </p:cNvPr>
+          <p:cNvSpPr>
+            <a:spLocks noGrp="1"/>
+          </p:cNvSpPr>
+          <p:nvPr>
+            <p:ph type="title"/>
+          </p:nvPr>
+        </p:nvSpPr>
+        <p:spPr>
+          <a:xfrm>
+            <a:off x="838200" y="365125"/>
+            <a:ext cx="10515600" cy="1325563"/>
+          </a:xfrm>
+        </p:spPr>
+        <p:txBody>
+          <a:bodyPr/>
+          <a:lstStyle/>
+          <a:p>
+            <a:r>
+              <a:rPr lang="ko-KR" altLang="en-US" dirty="0"/>
+              <a:t>우분투 </a:t>
+            </a:r>
+            <a:r>
+              <a:rPr lang="en-US" altLang="ko-KR" dirty="0"/>
+              <a:t>, git bash </a:t>
+            </a:r>
+            <a:r>
+              <a:rPr lang="ko-KR" altLang="en-US" dirty="0"/>
+              <a:t>와 같은 터미널에서 </a:t>
+            </a:r>
+            <a:br>
+              <a:rPr lang="en-US" altLang="ko-KR" dirty="0"/>
+            </a:br>
+            <a:r>
+              <a:rPr lang="ko-KR" altLang="en-US" dirty="0"/>
+              <a:t>연결</a:t>
+            </a:r>
+          </a:p>
+        </p:txBody>
+      </p:sp>
+      <p:graphicFrame>
+        <p:nvGraphicFramePr>
+          <p:cNvPr id="2" name="표 1">
+            <a:extLst>
+              <a:ext uri="{FF2B5EF4-FFF2-40B4-BE49-F238E27FC236}">
+                <a16:creationId xmlns:a16="http://schemas.microsoft.com/office/drawing/2014/main" id="{2A194236-3420-4773-844F-286B54AB6ADE}"/>
+              </a:ext>
+            </a:extLst>
+          </p:cNvPr>
+          <p:cNvGraphicFramePr>
+            <a:graphicFrameLocks noGrp="1"/>
+          </p:cNvGraphicFramePr>
+          <p:nvPr>
+            <p:extLst>
+              <p:ext uri="{D42A27DB-BD31-4B8C-83A1-F6EECF244321}">
+                <p14:modId xmlns:p14="http://schemas.microsoft.com/office/powerpoint/2010/main" val="1023919034"/>
+              </p:ext>
+            </p:extLst>
+          </p:nvPr>
+        </p:nvGraphicFramePr>
+        <p:xfrm>
+          <a:off x="4988931" y="2273617"/>
+          <a:ext cx="6867418" cy="4351338"/>
+        </p:xfrm>
+        <a:graphic>
+          <a:graphicData uri="http://schemas.openxmlformats.org/drawingml/2006/table">
+            <a:tbl>
+              <a:tblPr/>
+              <a:tblGrid>
+                <a:gridCol w="3433709">
+                  <a:extLst>
+                    <a:ext uri="{9D8B030D-6E8A-4147-A177-3AD203B41FA5}">
+                      <a16:colId xmlns:a16="http://schemas.microsoft.com/office/drawing/2014/main" val="4163605962"/>
+                    </a:ext>
+                  </a:extLst>
+                </a:gridCol>
+                <a:gridCol w="3433709">
+                  <a:extLst>
+                    <a:ext uri="{9D8B030D-6E8A-4147-A177-3AD203B41FA5}">
+                      <a16:colId xmlns:a16="http://schemas.microsoft.com/office/drawing/2014/main" val="2528492929"/>
+                    </a:ext>
+                  </a:extLst>
+                </a:gridCol>
+              </a:tblGrid>
+              <a:tr h="4351338">
+                <a:tc>
+                  <a:txBody>
+                    <a:bodyPr/>
+                    <a:lstStyle/>
+                    <a:p>
+                      <a:r>
+                        <a:rPr lang="en-US" altLang="ko-KR" sz="1700">
+                          <a:solidFill>
+                            <a:srgbClr val="999999"/>
+                          </a:solidFill>
+                          <a:effectLst/>
+                          <a:latin typeface="Consolas" panose="020B0609020204030204" pitchFamily="49" charset="0"/>
+                        </a:rPr>
+                        <a:t>// a.html </a:t>
+                      </a:r>
+                      <a:r>
+                        <a:rPr lang="ko-KR" altLang="en-US" sz="1700">
+                          <a:solidFill>
+                            <a:srgbClr val="999999"/>
+                          </a:solidFill>
+                          <a:effectLst/>
+                          <a:latin typeface="Consolas" panose="020B0609020204030204" pitchFamily="49" charset="0"/>
+                        </a:rPr>
+                        <a:t>파일만 추가</a:t>
+                      </a:r>
+                      <a:endParaRPr lang="ko-KR" altLang="en-US" sz="1700">
+                        <a:solidFill>
+                          <a:srgbClr val="010101"/>
+                        </a:solidFill>
+                        <a:effectLst/>
+                        <a:latin typeface="Consolas" panose="020B0609020204030204" pitchFamily="49" charset="0"/>
+                      </a:endParaRPr>
+                    </a:p>
+                    <a:p>
+                      <a:r>
+                        <a:rPr lang="en-US" altLang="ko-KR" sz="1700">
+                          <a:solidFill>
+                            <a:srgbClr val="010101"/>
+                          </a:solidFill>
+                          <a:effectLst/>
+                          <a:latin typeface="Consolas" panose="020B0609020204030204" pitchFamily="49" charset="0"/>
+                        </a:rPr>
+                        <a:t>git add a.html</a:t>
+                      </a:r>
+                    </a:p>
+                    <a:p>
+                      <a:r>
+                        <a:rPr lang="en-US" altLang="ko-KR" sz="1700">
+                          <a:solidFill>
+                            <a:srgbClr val="010101"/>
+                          </a:solidFill>
+                          <a:effectLst/>
+                          <a:latin typeface="Consolas" panose="020B0609020204030204" pitchFamily="49" charset="0"/>
+                        </a:rPr>
+                        <a:t> </a:t>
+                      </a:r>
+                    </a:p>
+                    <a:p>
+                      <a:r>
+                        <a:rPr lang="en-US" altLang="ko-KR" sz="1700">
+                          <a:solidFill>
+                            <a:srgbClr val="999999"/>
+                          </a:solidFill>
+                          <a:effectLst/>
+                          <a:latin typeface="Consolas" panose="020B0609020204030204" pitchFamily="49" charset="0"/>
+                        </a:rPr>
+                        <a:t>// </a:t>
+                      </a:r>
+                      <a:r>
+                        <a:rPr lang="ko-KR" altLang="en-US" sz="1700">
+                          <a:solidFill>
+                            <a:srgbClr val="999999"/>
+                          </a:solidFill>
+                          <a:effectLst/>
+                          <a:latin typeface="Consolas" panose="020B0609020204030204" pitchFamily="49" charset="0"/>
+                        </a:rPr>
+                        <a:t>워킹 디렉터리 내 모든 파일을 추가</a:t>
+                      </a:r>
+                      <a:endParaRPr lang="ko-KR" altLang="en-US" sz="1700">
+                        <a:solidFill>
+                          <a:srgbClr val="010101"/>
+                        </a:solidFill>
+                        <a:effectLst/>
+                        <a:latin typeface="Consolas" panose="020B0609020204030204" pitchFamily="49" charset="0"/>
+                      </a:endParaRPr>
+                    </a:p>
+                    <a:p>
+                      <a:r>
+                        <a:rPr lang="en-US" altLang="ko-KR" sz="1700">
+                          <a:solidFill>
+                            <a:srgbClr val="010101"/>
+                          </a:solidFill>
+                          <a:effectLst/>
+                          <a:latin typeface="Consolas" panose="020B0609020204030204" pitchFamily="49" charset="0"/>
+                        </a:rPr>
+                        <a:t>git add .</a:t>
+                      </a:r>
+                    </a:p>
+                    <a:p>
+                      <a:r>
+                        <a:rPr lang="en-US" altLang="ko-KR" sz="1700">
+                          <a:solidFill>
+                            <a:srgbClr val="010101"/>
+                          </a:solidFill>
+                          <a:effectLst/>
+                          <a:latin typeface="Consolas" panose="020B0609020204030204" pitchFamily="49" charset="0"/>
+                        </a:rPr>
+                        <a:t> </a:t>
+                      </a:r>
+                    </a:p>
+                    <a:p>
+                      <a:r>
+                        <a:rPr lang="en-US" altLang="ko-KR" sz="1700">
+                          <a:solidFill>
+                            <a:srgbClr val="999999"/>
+                          </a:solidFill>
+                          <a:effectLst/>
+                          <a:latin typeface="Consolas" panose="020B0609020204030204" pitchFamily="49" charset="0"/>
+                        </a:rPr>
+                        <a:t>// </a:t>
+                      </a:r>
+                      <a:r>
+                        <a:rPr lang="ko-KR" altLang="en-US" sz="1700">
+                          <a:solidFill>
+                            <a:srgbClr val="999999"/>
+                          </a:solidFill>
+                          <a:effectLst/>
+                          <a:latin typeface="Consolas" panose="020B0609020204030204" pitchFamily="49" charset="0"/>
+                        </a:rPr>
+                        <a:t>명령 프롬프트에서 상호작용하면서 추가 </a:t>
+                      </a:r>
+                      <a:r>
+                        <a:rPr lang="en-US" altLang="ko-KR" sz="1700">
+                          <a:solidFill>
+                            <a:srgbClr val="999999"/>
+                          </a:solidFill>
+                          <a:effectLst/>
+                          <a:latin typeface="Consolas" panose="020B0609020204030204" pitchFamily="49" charset="0"/>
+                        </a:rPr>
+                        <a:t>(</a:t>
+                      </a:r>
+                      <a:r>
+                        <a:rPr lang="ko-KR" altLang="en-US" sz="1700">
+                          <a:solidFill>
+                            <a:srgbClr val="999999"/>
+                          </a:solidFill>
+                          <a:effectLst/>
+                          <a:latin typeface="Consolas" panose="020B0609020204030204" pitchFamily="49" charset="0"/>
+                        </a:rPr>
+                        <a:t>나갈땐 </a:t>
+                      </a:r>
+                      <a:r>
+                        <a:rPr lang="en-US" altLang="ko-KR" sz="1700">
+                          <a:solidFill>
+                            <a:srgbClr val="999999"/>
+                          </a:solidFill>
+                          <a:effectLst/>
+                          <a:latin typeface="Consolas" panose="020B0609020204030204" pitchFamily="49" charset="0"/>
+                        </a:rPr>
+                        <a:t>q</a:t>
+                      </a:r>
+                      <a:r>
+                        <a:rPr lang="ko-KR" altLang="en-US" sz="1700">
+                          <a:solidFill>
+                            <a:srgbClr val="999999"/>
+                          </a:solidFill>
+                          <a:effectLst/>
+                          <a:latin typeface="Consolas" panose="020B0609020204030204" pitchFamily="49" charset="0"/>
+                        </a:rPr>
+                        <a:t>를 입력</a:t>
+                      </a:r>
+                      <a:r>
+                        <a:rPr lang="en-US" altLang="ko-KR" sz="1700">
+                          <a:solidFill>
+                            <a:srgbClr val="999999"/>
+                          </a:solidFill>
+                          <a:effectLst/>
+                          <a:latin typeface="Consolas" panose="020B0609020204030204" pitchFamily="49" charset="0"/>
+                        </a:rPr>
+                        <a:t>)</a:t>
+                      </a:r>
+                      <a:endParaRPr lang="ko-KR" altLang="en-US" sz="1700">
+                        <a:solidFill>
+                          <a:srgbClr val="010101"/>
+                        </a:solidFill>
+                        <a:effectLst/>
+                        <a:latin typeface="Consolas" panose="020B0609020204030204" pitchFamily="49" charset="0"/>
+                      </a:endParaRPr>
+                    </a:p>
+                    <a:p>
+                      <a:r>
+                        <a:rPr lang="en-US" altLang="ko-KR" sz="1700">
+                          <a:solidFill>
+                            <a:srgbClr val="010101"/>
+                          </a:solidFill>
+                          <a:effectLst/>
+                          <a:latin typeface="Consolas" panose="020B0609020204030204" pitchFamily="49" charset="0"/>
+                        </a:rPr>
+                        <a:t>git add </a:t>
+                      </a:r>
+                      <a:r>
+                        <a:rPr lang="en-US" altLang="ko-KR" sz="1700">
+                          <a:solidFill>
+                            <a:srgbClr val="A71D5D"/>
+                          </a:solidFill>
+                          <a:effectLst/>
+                          <a:latin typeface="Consolas" panose="020B0609020204030204" pitchFamily="49" charset="0"/>
+                        </a:rPr>
+                        <a:t>-</a:t>
+                      </a:r>
+                      <a:r>
+                        <a:rPr lang="en-US" altLang="ko-KR" sz="1700">
+                          <a:solidFill>
+                            <a:srgbClr val="010101"/>
+                          </a:solidFill>
+                          <a:effectLst/>
+                          <a:latin typeface="Consolas" panose="020B0609020204030204" pitchFamily="49" charset="0"/>
+                        </a:rPr>
+                        <a:t>i</a:t>
+                      </a:r>
+                    </a:p>
+                    <a:p>
+                      <a:r>
+                        <a:rPr lang="en-US" altLang="ko-KR" sz="1700">
+                          <a:solidFill>
+                            <a:srgbClr val="010101"/>
+                          </a:solidFill>
+                          <a:effectLst/>
+                          <a:latin typeface="Consolas" panose="020B0609020204030204" pitchFamily="49" charset="0"/>
+                        </a:rPr>
+                        <a:t> </a:t>
+                      </a:r>
+                    </a:p>
+                    <a:p>
+                      <a:r>
+                        <a:rPr lang="en-US" altLang="ko-KR" sz="1700">
+                          <a:solidFill>
+                            <a:srgbClr val="999999"/>
+                          </a:solidFill>
+                          <a:effectLst/>
+                          <a:latin typeface="Consolas" panose="020B0609020204030204" pitchFamily="49" charset="0"/>
+                        </a:rPr>
+                        <a:t>// </a:t>
+                      </a:r>
+                      <a:r>
+                        <a:rPr lang="ko-KR" altLang="en-US" sz="1700">
+                          <a:solidFill>
+                            <a:srgbClr val="999999"/>
+                          </a:solidFill>
+                          <a:effectLst/>
+                          <a:latin typeface="Consolas" panose="020B0609020204030204" pitchFamily="49" charset="0"/>
+                        </a:rPr>
+                        <a:t>진행중인 파일일 경우</a:t>
+                      </a:r>
+                      <a:r>
+                        <a:rPr lang="en-US" altLang="ko-KR" sz="1700">
+                          <a:solidFill>
+                            <a:srgbClr val="999999"/>
+                          </a:solidFill>
+                          <a:effectLst/>
+                          <a:latin typeface="Consolas" panose="020B0609020204030204" pitchFamily="49" charset="0"/>
+                        </a:rPr>
+                        <a:t>, Staging Area</a:t>
+                      </a:r>
+                      <a:r>
+                        <a:rPr lang="ko-KR" altLang="en-US" sz="1700">
+                          <a:solidFill>
+                            <a:srgbClr val="999999"/>
+                          </a:solidFill>
+                          <a:effectLst/>
+                          <a:latin typeface="Consolas" panose="020B0609020204030204" pitchFamily="49" charset="0"/>
+                        </a:rPr>
+                        <a:t>에서 워킹 디렉터리로 옮겨온다</a:t>
+                      </a:r>
+                      <a:r>
+                        <a:rPr lang="en-US" altLang="ko-KR" sz="1700">
+                          <a:solidFill>
+                            <a:srgbClr val="999999"/>
+                          </a:solidFill>
+                          <a:effectLst/>
+                          <a:latin typeface="Consolas" panose="020B0609020204030204" pitchFamily="49" charset="0"/>
+                        </a:rPr>
+                        <a:t>. </a:t>
+                      </a:r>
+                      <a:endParaRPr lang="ko-KR" altLang="en-US" sz="1700">
+                        <a:solidFill>
+                          <a:srgbClr val="010101"/>
+                        </a:solidFill>
+                        <a:effectLst/>
+                        <a:latin typeface="Consolas" panose="020B0609020204030204" pitchFamily="49" charset="0"/>
+                      </a:endParaRPr>
+                    </a:p>
+                    <a:p>
+                      <a:r>
+                        <a:rPr lang="en-US" altLang="ko-KR" sz="1700">
+                          <a:solidFill>
+                            <a:srgbClr val="010101"/>
+                          </a:solidFill>
+                          <a:effectLst/>
+                          <a:latin typeface="Consolas" panose="020B0609020204030204" pitchFamily="49" charset="0"/>
+                        </a:rPr>
+                        <a:t>$git rm </a:t>
+                      </a:r>
+                      <a:r>
+                        <a:rPr lang="en-US" altLang="ko-KR" sz="1700">
+                          <a:solidFill>
+                            <a:srgbClr val="A71D5D"/>
+                          </a:solidFill>
+                          <a:effectLst/>
+                          <a:latin typeface="Consolas" panose="020B0609020204030204" pitchFamily="49" charset="0"/>
+                        </a:rPr>
+                        <a:t>--</a:t>
+                      </a:r>
+                      <a:r>
+                        <a:rPr lang="en-US" altLang="ko-KR" sz="1700">
+                          <a:solidFill>
+                            <a:srgbClr val="010101"/>
+                          </a:solidFill>
+                          <a:effectLst/>
+                          <a:latin typeface="Consolas" panose="020B0609020204030204" pitchFamily="49" charset="0"/>
+                        </a:rPr>
+                        <a:t>cached a.html</a:t>
+                      </a:r>
+                    </a:p>
+                    <a:p>
+                      <a:r>
+                        <a:rPr lang="en-US" altLang="ko-KR" sz="1700">
+                          <a:solidFill>
+                            <a:srgbClr val="010101"/>
+                          </a:solidFill>
+                          <a:effectLst/>
+                          <a:latin typeface="Consolas" panose="020B0609020204030204" pitchFamily="49" charset="0"/>
+                        </a:rPr>
+                        <a:t>$git rm </a:t>
+                      </a:r>
+                      <a:r>
+                        <a:rPr lang="en-US" altLang="ko-KR" sz="1700">
+                          <a:solidFill>
+                            <a:srgbClr val="A71D5D"/>
+                          </a:solidFill>
+                          <a:effectLst/>
+                          <a:latin typeface="Consolas" panose="020B0609020204030204" pitchFamily="49" charset="0"/>
+                        </a:rPr>
+                        <a:t>-</a:t>
+                      </a:r>
+                      <a:r>
+                        <a:rPr lang="en-US" altLang="ko-KR" sz="1700">
+                          <a:solidFill>
+                            <a:srgbClr val="010101"/>
+                          </a:solidFill>
+                          <a:effectLst/>
+                          <a:latin typeface="Consolas" panose="020B0609020204030204" pitchFamily="49" charset="0"/>
+                        </a:rPr>
+                        <a:t>r </a:t>
+                      </a:r>
+                      <a:r>
+                        <a:rPr lang="en-US" altLang="ko-KR" sz="1700">
+                          <a:solidFill>
+                            <a:srgbClr val="A71D5D"/>
+                          </a:solidFill>
+                          <a:effectLst/>
+                          <a:latin typeface="Consolas" panose="020B0609020204030204" pitchFamily="49" charset="0"/>
+                        </a:rPr>
+                        <a:t>--</a:t>
+                      </a:r>
+                      <a:r>
+                        <a:rPr lang="en-US" altLang="ko-KR" sz="1700">
+                          <a:solidFill>
+                            <a:srgbClr val="010101"/>
+                          </a:solidFill>
+                          <a:effectLst/>
+                          <a:latin typeface="Consolas" panose="020B0609020204030204" pitchFamily="49" charset="0"/>
+                        </a:rPr>
+                        <a:t>cached .</a:t>
+                      </a:r>
+                    </a:p>
+                  </a:txBody>
+                  <a:tcPr marL="0" marR="0" marT="44401" marB="44401" anchor="ctr">
+                    <a:lnL>
+                      <a:noFill/>
+                    </a:lnL>
+                    <a:lnR>
+                      <a:noFill/>
+                    </a:lnR>
+                    <a:lnT>
+                      <a:noFill/>
+                    </a:lnT>
+                    <a:lnB>
+                      <a:noFill/>
+                    </a:lnB>
+                    <a:solidFill>
+                      <a:srgbClr val="FAFAFA"/>
+                    </a:solidFill>
+                  </a:tcPr>
+                </a:tc>
+                <a:tc>
+                  <a:txBody>
+                    <a:bodyPr/>
+                    <a:lstStyle/>
+                    <a:p>
+                      <a:pPr fontAlgn="b"/>
+                      <a:r>
+                        <a:rPr lang="en-US" sz="1700" u="none" strike="noStrike" dirty="0">
+                          <a:solidFill>
+                            <a:srgbClr val="FFFFFF"/>
+                          </a:solidFill>
+                          <a:effectLst/>
+                          <a:hlinkClick r:id="rId2"/>
+                        </a:rPr>
+                        <a:t>cs</a:t>
+                      </a:r>
+                      <a:endParaRPr lang="en-US" sz="1700" dirty="0">
+                        <a:effectLst/>
+                      </a:endParaRPr>
+                    </a:p>
+                  </a:txBody>
+                  <a:tcPr marL="0" marR="14800" marT="0" marB="29601" anchor="b">
+                    <a:lnL>
+                      <a:noFill/>
+                    </a:lnL>
+                    <a:lnR>
+                      <a:noFill/>
+                    </a:lnR>
+                    <a:lnT>
+                      <a:noFill/>
+                    </a:lnT>
+                    <a:lnB>
+                      <a:noFill/>
+                    </a:lnB>
+                    <a:solidFill>
+                      <a:srgbClr val="FAFAFA"/>
+                    </a:solidFill>
+                  </a:tcPr>
+                </a:tc>
+                <a:extLst>
+                  <a:ext uri="{0D108BD9-81ED-4DB2-BD59-A6C34878D82A}">
+                    <a16:rowId xmlns:a16="http://schemas.microsoft.com/office/drawing/2014/main" val="1290564025"/>
+                  </a:ext>
+                </a:extLst>
+              </a:tr>
+            </a:tbl>
+          </a:graphicData>
+        </a:graphic>
+      </p:graphicFrame>
+      <p:sp>
+        <p:nvSpPr>
+          <p:cNvPr id="4" name="TextBox 3">
+            <a:extLst>
+              <a:ext uri="{FF2B5EF4-FFF2-40B4-BE49-F238E27FC236}">
+                <a16:creationId xmlns:a16="http://schemas.microsoft.com/office/drawing/2014/main" id="{E3964DDC-906E-46E8-853C-B4E77C5EBA48}"/>
+              </a:ext>
+            </a:extLst>
+          </p:cNvPr>
+          <p:cNvSpPr txBox="1"/>
+          <p:nvPr/>
+        </p:nvSpPr>
+        <p:spPr>
+          <a:xfrm>
+            <a:off x="113088" y="2718434"/>
+            <a:ext cx="4621843" cy="954107"/>
+          </a:xfrm>
+          <a:prstGeom prst="rect">
+            <a:avLst/>
+          </a:prstGeom>
+          <a:noFill/>
+        </p:spPr>
+        <p:txBody>
+          <a:bodyPr wrap="none" rtlCol="0">
+            <a:spAutoFit/>
+          </a:bodyPr>
+          <a:lstStyle/>
+          <a:p>
+            <a:r>
+              <a:rPr lang="ko-KR" altLang="ko-KR" sz="2000" b="1" dirty="0" err="1">
+                <a:solidFill>
+                  <a:srgbClr val="000000"/>
+                </a:solidFill>
+                <a:latin typeface="Arial" panose="020B0604020202020204" pitchFamily="34" charset="0"/>
+                <a:ea typeface="Noto Sans"/>
+              </a:rPr>
+              <a:t>git</a:t>
+            </a:r>
+            <a:r>
+              <a:rPr lang="ko-KR" altLang="ko-KR" sz="2000" b="1" dirty="0">
+                <a:solidFill>
+                  <a:srgbClr val="000000"/>
+                </a:solidFill>
+                <a:latin typeface="Arial" panose="020B0604020202020204" pitchFamily="34" charset="0"/>
+                <a:ea typeface="Noto Sans"/>
+              </a:rPr>
+              <a:t> </a:t>
+            </a:r>
+            <a:r>
+              <a:rPr lang="ko-KR" altLang="ko-KR" sz="2000" b="1" dirty="0" err="1">
+                <a:solidFill>
+                  <a:srgbClr val="000000"/>
+                </a:solidFill>
+                <a:latin typeface="Arial" panose="020B0604020202020204" pitchFamily="34" charset="0"/>
+                <a:ea typeface="Noto Sans"/>
+              </a:rPr>
+              <a:t>add</a:t>
+            </a:r>
+            <a:br>
+              <a:rPr lang="ko-KR" altLang="ko-KR" b="1" dirty="0">
+                <a:solidFill>
+                  <a:srgbClr val="F15F5F"/>
+                </a:solidFill>
+                <a:latin typeface="Arial" panose="020B0604020202020204" pitchFamily="34" charset="0"/>
+                <a:ea typeface="Noto Sans"/>
+              </a:rPr>
+            </a:br>
+            <a:r>
+              <a:rPr lang="ko-KR" altLang="ko-KR" dirty="0">
+                <a:solidFill>
+                  <a:srgbClr val="000000"/>
+                </a:solidFill>
+                <a:latin typeface="Arial" panose="020B0604020202020204" pitchFamily="34" charset="0"/>
+                <a:ea typeface="Noto Sans"/>
+              </a:rPr>
+              <a:t>파일을 준비영역(</a:t>
+            </a:r>
+            <a:r>
+              <a:rPr lang="ko-KR" altLang="ko-KR" dirty="0" err="1">
+                <a:solidFill>
+                  <a:srgbClr val="000000"/>
+                </a:solidFill>
+                <a:latin typeface="Arial" panose="020B0604020202020204" pitchFamily="34" charset="0"/>
+                <a:ea typeface="Noto Sans"/>
+              </a:rPr>
+              <a:t>Staging</a:t>
+            </a:r>
+            <a:r>
+              <a:rPr lang="ko-KR" altLang="ko-KR" dirty="0">
+                <a:solidFill>
+                  <a:srgbClr val="000000"/>
+                </a:solidFill>
+                <a:latin typeface="Arial" panose="020B0604020202020204" pitchFamily="34" charset="0"/>
+                <a:ea typeface="Noto Sans"/>
+              </a:rPr>
+              <a:t> </a:t>
+            </a:r>
+            <a:r>
+              <a:rPr lang="ko-KR" altLang="ko-KR" dirty="0" err="1">
+                <a:solidFill>
+                  <a:srgbClr val="000000"/>
+                </a:solidFill>
+                <a:latin typeface="Arial" panose="020B0604020202020204" pitchFamily="34" charset="0"/>
+                <a:ea typeface="Noto Sans"/>
+              </a:rPr>
+              <a:t>Area</a:t>
+            </a:r>
+            <a:r>
+              <a:rPr lang="ko-KR" altLang="ko-KR" dirty="0">
+                <a:solidFill>
+                  <a:srgbClr val="000000"/>
+                </a:solidFill>
+                <a:latin typeface="Arial" panose="020B0604020202020204" pitchFamily="34" charset="0"/>
+                <a:ea typeface="Noto Sans"/>
+              </a:rPr>
+              <a:t>)</a:t>
+            </a:r>
+            <a:r>
+              <a:rPr lang="ko-KR" altLang="ko-KR" dirty="0" err="1">
+                <a:solidFill>
+                  <a:srgbClr val="000000"/>
+                </a:solidFill>
+                <a:latin typeface="Arial" panose="020B0604020202020204" pitchFamily="34" charset="0"/>
+                <a:ea typeface="Noto Sans"/>
+              </a:rPr>
+              <a:t>으로</a:t>
+            </a:r>
+            <a:r>
+              <a:rPr lang="ko-KR" altLang="ko-KR" dirty="0">
+                <a:solidFill>
+                  <a:srgbClr val="000000"/>
+                </a:solidFill>
+                <a:latin typeface="Arial" panose="020B0604020202020204" pitchFamily="34" charset="0"/>
+                <a:ea typeface="Noto Sans"/>
+              </a:rPr>
+              <a:t> 옮긴다.</a:t>
+            </a:r>
+            <a:endParaRPr lang="ko-KR" altLang="ko-KR" sz="1100" dirty="0">
+              <a:latin typeface="Arial" panose="020B0604020202020204" pitchFamily="34" charset="0"/>
+            </a:endParaRPr>
+          </a:p>
+          <a:p>
+            <a:endParaRPr lang="ko-KR" altLang="en-US" dirty="0"/>
+          </a:p>
+        </p:txBody>
+      </p:sp>
+    </p:spTree>
+    <p:extLst>
+      <p:ext uri="{BB962C8B-B14F-4D97-AF65-F5344CB8AC3E}">
+        <p14:creationId xmlns:p14="http://schemas.microsoft.com/office/powerpoint/2010/main" val="1557614269"/>
+      </p:ext>
+    </p:extLst>
+  </p:cSld>
+  <p:clrMapOvr>
+    <a:masterClrMapping/>
+  </p:clrMapOvr>
+</p:sld>
+</file>
+
+<file path=ppt/slides/slide9.xml><?xml version="1.0" encoding="utf-8"?>
+<p:sld xmlns:a="http://schemas.openxmlformats.org/drawingml/2006/main" xmlns:r="http://schemas.openxmlformats.org/officeDocument/2006/relationships" xmlns:p="http://schemas.openxmlformats.org/presentationml/2006/main">
+  <p:cSld>
+    <p:spTree>
+      <p:nvGrpSpPr>
+        <p:cNvPr id="1" name=""/>
+        <p:cNvGrpSpPr/>
+        <p:nvPr/>
+      </p:nvGrpSpPr>
+      <p:grpSpPr>
+        <a:xfrm>
+          <a:off x="0" y="0"/>
+          <a:ext cx="0" cy="0"/>
+          <a:chOff x="0" y="0"/>
+          <a:chExt cx="0" cy="0"/>
+        </a:xfrm>
+      </p:grpSpPr>
+      <p:sp>
+        <p:nvSpPr>
+          <p:cNvPr id="7" name="제목 1">
+            <a:extLst>
+              <a:ext uri="{FF2B5EF4-FFF2-40B4-BE49-F238E27FC236}">
+                <a16:creationId xmlns:a16="http://schemas.microsoft.com/office/drawing/2014/main" id="{C0AEAB77-4322-430B-A939-1F5BE5C02208}"/>
+              </a:ext>
+            </a:extLst>
+          </p:cNvPr>
+          <p:cNvSpPr>
+            <a:spLocks noGrp="1"/>
+          </p:cNvSpPr>
+          <p:nvPr>
+            <p:ph type="title"/>
+          </p:nvPr>
+        </p:nvSpPr>
+        <p:spPr>
+          <a:xfrm>
+            <a:off x="838200" y="365125"/>
+            <a:ext cx="10515600" cy="1325563"/>
+          </a:xfrm>
+        </p:spPr>
+        <p:txBody>
+          <a:bodyPr/>
+          <a:lstStyle/>
+          <a:p>
+            <a:r>
+              <a:rPr lang="ko-KR" altLang="en-US" dirty="0"/>
+              <a:t>우분투 </a:t>
+            </a:r>
+            <a:r>
+              <a:rPr lang="en-US" altLang="ko-KR" dirty="0"/>
+              <a:t>, git bash </a:t>
+            </a:r>
+            <a:r>
+              <a:rPr lang="ko-KR" altLang="en-US" dirty="0"/>
+              <a:t>와 같은 터미널에서 </a:t>
+            </a:r>
+            <a:br>
+              <a:rPr lang="en-US" altLang="ko-KR" dirty="0"/>
+            </a:br>
+            <a:r>
+              <a:rPr lang="ko-KR" altLang="en-US" dirty="0"/>
+              <a:t>연결</a:t>
+            </a:r>
+          </a:p>
+        </p:txBody>
+      </p:sp>
+      <p:graphicFrame>
+        <p:nvGraphicFramePr>
+          <p:cNvPr id="2" name="표 1">
+            <a:extLst>
+              <a:ext uri="{FF2B5EF4-FFF2-40B4-BE49-F238E27FC236}">
+                <a16:creationId xmlns:a16="http://schemas.microsoft.com/office/drawing/2014/main" id="{17637A8D-7EBA-4004-90A1-3A7ADC200CD7}"/>
+              </a:ext>
+            </a:extLst>
+          </p:cNvPr>
+          <p:cNvGraphicFramePr>
+            <a:graphicFrameLocks noGrp="1"/>
+          </p:cNvGraphicFramePr>
+          <p:nvPr>
+            <p:extLst>
+              <p:ext uri="{D42A27DB-BD31-4B8C-83A1-F6EECF244321}">
+                <p14:modId xmlns:p14="http://schemas.microsoft.com/office/powerpoint/2010/main" val="4042369123"/>
+              </p:ext>
+            </p:extLst>
+          </p:nvPr>
+        </p:nvGraphicFramePr>
+        <p:xfrm>
+          <a:off x="2653003" y="3143910"/>
+          <a:ext cx="7071360" cy="2834640"/>
+        </p:xfrm>
+        <a:graphic>
+          <a:graphicData uri="http://schemas.openxmlformats.org/drawingml/2006/table">
+            <a:tbl>
+              <a:tblPr/>
+              <a:tblGrid>
+                <a:gridCol w="7071360">
+                  <a:extLst>
+                    <a:ext uri="{9D8B030D-6E8A-4147-A177-3AD203B41FA5}">
+                      <a16:colId xmlns:a16="http://schemas.microsoft.com/office/drawing/2014/main" val="4161016679"/>
+                    </a:ext>
+                  </a:extLst>
+                </a:gridCol>
+              </a:tblGrid>
+              <a:tr h="0">
+                <a:tc>
+                  <a:txBody>
+                    <a:bodyPr/>
+                    <a:lstStyle/>
+                    <a:p>
+                      <a:r>
+                        <a:rPr lang="en-US" altLang="ko-KR" dirty="0">
+                          <a:solidFill>
+                            <a:srgbClr val="999999"/>
+                          </a:solidFill>
+                          <a:effectLst/>
+                          <a:latin typeface="Consolas" panose="020B0609020204030204" pitchFamily="49" charset="0"/>
+                        </a:rPr>
+                        <a:t>// </a:t>
+                      </a:r>
+                      <a:r>
+                        <a:rPr lang="ko-KR" altLang="en-US" dirty="0">
+                          <a:solidFill>
+                            <a:srgbClr val="999999"/>
+                          </a:solidFill>
+                          <a:effectLst/>
+                          <a:latin typeface="Consolas" panose="020B0609020204030204" pitchFamily="49" charset="0"/>
+                        </a:rPr>
+                        <a:t>에디터가 출력되고</a:t>
+                      </a:r>
+                      <a:r>
+                        <a:rPr lang="en-US" altLang="ko-KR" dirty="0">
+                          <a:solidFill>
+                            <a:srgbClr val="999999"/>
+                          </a:solidFill>
+                          <a:effectLst/>
+                          <a:latin typeface="Consolas" panose="020B0609020204030204" pitchFamily="49" charset="0"/>
+                        </a:rPr>
+                        <a:t>, </a:t>
+                      </a:r>
+                      <a:r>
+                        <a:rPr lang="ko-KR" altLang="en-US" dirty="0">
+                          <a:solidFill>
+                            <a:srgbClr val="999999"/>
+                          </a:solidFill>
+                          <a:effectLst/>
+                          <a:latin typeface="Consolas" panose="020B0609020204030204" pitchFamily="49" charset="0"/>
+                        </a:rPr>
+                        <a:t>에디터에서 </a:t>
+                      </a:r>
+                      <a:r>
+                        <a:rPr lang="ko-KR" altLang="en-US" dirty="0" err="1">
+                          <a:solidFill>
+                            <a:srgbClr val="999999"/>
+                          </a:solidFill>
+                          <a:effectLst/>
+                          <a:latin typeface="Consolas" panose="020B0609020204030204" pitchFamily="49" charset="0"/>
+                        </a:rPr>
+                        <a:t>커밋</a:t>
+                      </a:r>
+                      <a:r>
+                        <a:rPr lang="ko-KR" altLang="en-US" dirty="0">
+                          <a:solidFill>
+                            <a:srgbClr val="999999"/>
+                          </a:solidFill>
+                          <a:effectLst/>
+                          <a:latin typeface="Consolas" panose="020B0609020204030204" pitchFamily="49" charset="0"/>
+                        </a:rPr>
+                        <a:t> 메시지 입력 후 저장하면 </a:t>
+                      </a:r>
+                      <a:r>
+                        <a:rPr lang="ko-KR" altLang="en-US" dirty="0" err="1">
+                          <a:solidFill>
+                            <a:srgbClr val="999999"/>
+                          </a:solidFill>
+                          <a:effectLst/>
+                          <a:latin typeface="Consolas" panose="020B0609020204030204" pitchFamily="49" charset="0"/>
+                        </a:rPr>
+                        <a:t>커밋됨</a:t>
+                      </a:r>
+                      <a:endParaRPr lang="ko-KR" altLang="en-US" dirty="0">
+                        <a:solidFill>
+                          <a:srgbClr val="010101"/>
+                        </a:solidFill>
+                        <a:effectLst/>
+                        <a:latin typeface="Consolas" panose="020B0609020204030204" pitchFamily="49" charset="0"/>
+                      </a:endParaRPr>
+                    </a:p>
+                    <a:p>
+                      <a:r>
+                        <a:rPr lang="en-US" altLang="ko-KR" dirty="0">
+                          <a:solidFill>
+                            <a:srgbClr val="010101"/>
+                          </a:solidFill>
+                          <a:effectLst/>
+                          <a:latin typeface="Consolas" panose="020B0609020204030204" pitchFamily="49" charset="0"/>
+                        </a:rPr>
+                        <a:t>git commit</a:t>
+                      </a:r>
+                    </a:p>
+                    <a:p>
+                      <a:r>
+                        <a:rPr lang="en-US" altLang="ko-KR" dirty="0">
+                          <a:solidFill>
+                            <a:srgbClr val="010101"/>
+                          </a:solidFill>
+                          <a:effectLst/>
+                          <a:latin typeface="Consolas" panose="020B0609020204030204" pitchFamily="49" charset="0"/>
+                        </a:rPr>
+                        <a:t> </a:t>
+                      </a:r>
+                    </a:p>
+                    <a:p>
+                      <a:r>
+                        <a:rPr lang="en-US" altLang="ko-KR" dirty="0">
+                          <a:solidFill>
+                            <a:srgbClr val="999999"/>
+                          </a:solidFill>
+                          <a:effectLst/>
+                          <a:latin typeface="Consolas" panose="020B0609020204030204" pitchFamily="49" charset="0"/>
+                        </a:rPr>
+                        <a:t>// </a:t>
+                      </a:r>
+                      <a:r>
+                        <a:rPr lang="ko-KR" altLang="en-US" dirty="0">
+                          <a:solidFill>
+                            <a:srgbClr val="999999"/>
+                          </a:solidFill>
+                          <a:effectLst/>
+                          <a:latin typeface="Consolas" panose="020B0609020204030204" pitchFamily="49" charset="0"/>
+                        </a:rPr>
+                        <a:t>간단한 </a:t>
+                      </a:r>
+                      <a:r>
+                        <a:rPr lang="ko-KR" altLang="en-US" dirty="0" err="1">
+                          <a:solidFill>
+                            <a:srgbClr val="999999"/>
+                          </a:solidFill>
+                          <a:effectLst/>
+                          <a:latin typeface="Consolas" panose="020B0609020204030204" pitchFamily="49" charset="0"/>
+                        </a:rPr>
+                        <a:t>커밋</a:t>
+                      </a:r>
+                      <a:r>
+                        <a:rPr lang="ko-KR" altLang="en-US" dirty="0">
+                          <a:solidFill>
+                            <a:srgbClr val="999999"/>
+                          </a:solidFill>
+                          <a:effectLst/>
+                          <a:latin typeface="Consolas" panose="020B0609020204030204" pitchFamily="49" charset="0"/>
+                        </a:rPr>
+                        <a:t> 메시지를 </a:t>
+                      </a:r>
+                      <a:r>
+                        <a:rPr lang="ko-KR" altLang="en-US" dirty="0" err="1">
+                          <a:solidFill>
+                            <a:srgbClr val="999999"/>
+                          </a:solidFill>
+                          <a:effectLst/>
+                          <a:latin typeface="Consolas" panose="020B0609020204030204" pitchFamily="49" charset="0"/>
+                        </a:rPr>
+                        <a:t>입력후</a:t>
+                      </a:r>
+                      <a:r>
+                        <a:rPr lang="ko-KR" altLang="en-US" dirty="0">
+                          <a:solidFill>
+                            <a:srgbClr val="999999"/>
+                          </a:solidFill>
+                          <a:effectLst/>
+                          <a:latin typeface="Consolas" panose="020B0609020204030204" pitchFamily="49" charset="0"/>
+                        </a:rPr>
+                        <a:t> </a:t>
+                      </a:r>
+                      <a:r>
+                        <a:rPr lang="ko-KR" altLang="en-US" dirty="0" err="1">
+                          <a:solidFill>
+                            <a:srgbClr val="999999"/>
+                          </a:solidFill>
+                          <a:effectLst/>
+                          <a:latin typeface="Consolas" panose="020B0609020204030204" pitchFamily="49" charset="0"/>
+                        </a:rPr>
+                        <a:t>커밋</a:t>
+                      </a:r>
+                      <a:endParaRPr lang="ko-KR" altLang="en-US" dirty="0">
+                        <a:solidFill>
+                          <a:srgbClr val="010101"/>
+                        </a:solidFill>
+                        <a:effectLst/>
+                        <a:latin typeface="Consolas" panose="020B0609020204030204" pitchFamily="49" charset="0"/>
+                      </a:endParaRPr>
+                    </a:p>
+                    <a:p>
+                      <a:r>
+                        <a:rPr lang="en-US" altLang="ko-KR" dirty="0">
+                          <a:solidFill>
+                            <a:srgbClr val="010101"/>
+                          </a:solidFill>
+                          <a:effectLst/>
+                          <a:latin typeface="Consolas" panose="020B0609020204030204" pitchFamily="49" charset="0"/>
+                        </a:rPr>
+                        <a:t>git commit </a:t>
+                      </a:r>
+                      <a:r>
+                        <a:rPr lang="en-US" altLang="ko-KR" dirty="0">
+                          <a:solidFill>
+                            <a:srgbClr val="A71D5D"/>
+                          </a:solidFill>
+                          <a:effectLst/>
+                          <a:latin typeface="Consolas" panose="020B0609020204030204" pitchFamily="49" charset="0"/>
+                        </a:rPr>
+                        <a:t>-</a:t>
+                      </a:r>
+                      <a:r>
+                        <a:rPr lang="en-US" altLang="ko-KR" dirty="0">
+                          <a:solidFill>
+                            <a:srgbClr val="010101"/>
+                          </a:solidFill>
+                          <a:effectLst/>
+                          <a:latin typeface="Consolas" panose="020B0609020204030204" pitchFamily="49" charset="0"/>
+                        </a:rPr>
+                        <a:t>m </a:t>
+                      </a:r>
+                      <a:r>
+                        <a:rPr lang="en-US" altLang="ko-KR" dirty="0">
+                          <a:solidFill>
+                            <a:srgbClr val="63A35C"/>
+                          </a:solidFill>
+                          <a:effectLst/>
+                          <a:latin typeface="Consolas" panose="020B0609020204030204" pitchFamily="49" charset="0"/>
+                        </a:rPr>
+                        <a:t>"</a:t>
+                      </a:r>
+                      <a:r>
+                        <a:rPr lang="ko-KR" altLang="en-US" dirty="0" err="1">
+                          <a:solidFill>
+                            <a:srgbClr val="63A35C"/>
+                          </a:solidFill>
+                          <a:effectLst/>
+                          <a:latin typeface="Consolas" panose="020B0609020204030204" pitchFamily="49" charset="0"/>
+                        </a:rPr>
+                        <a:t>커밋</a:t>
+                      </a:r>
+                      <a:r>
+                        <a:rPr lang="ko-KR" altLang="en-US" dirty="0">
+                          <a:solidFill>
+                            <a:srgbClr val="63A35C"/>
+                          </a:solidFill>
+                          <a:effectLst/>
+                          <a:latin typeface="Consolas" panose="020B0609020204030204" pitchFamily="49" charset="0"/>
+                        </a:rPr>
+                        <a:t> 메시지</a:t>
+                      </a:r>
+                      <a:r>
+                        <a:rPr lang="en-US" altLang="ko-KR" dirty="0">
+                          <a:solidFill>
+                            <a:srgbClr val="63A35C"/>
+                          </a:solidFill>
+                          <a:effectLst/>
+                          <a:latin typeface="Consolas" panose="020B0609020204030204" pitchFamily="49" charset="0"/>
+                        </a:rPr>
+                        <a:t>"</a:t>
+                      </a:r>
+                      <a:endParaRPr lang="ko-KR" altLang="en-US" dirty="0">
+                        <a:solidFill>
+                          <a:srgbClr val="010101"/>
+                        </a:solidFill>
+                        <a:effectLst/>
+                        <a:latin typeface="Consolas" panose="020B0609020204030204" pitchFamily="49" charset="0"/>
+                      </a:endParaRPr>
+                    </a:p>
+                    <a:p>
+                      <a:r>
+                        <a:rPr lang="ko-KR" altLang="en-US" dirty="0">
+                          <a:solidFill>
+                            <a:srgbClr val="010101"/>
+                          </a:solidFill>
+                          <a:effectLst/>
+                          <a:latin typeface="Consolas" panose="020B0609020204030204" pitchFamily="49" charset="0"/>
+                        </a:rPr>
+                        <a:t> </a:t>
+                      </a:r>
+                    </a:p>
+                    <a:p>
+                      <a:r>
+                        <a:rPr lang="en-US" altLang="ko-KR" dirty="0">
+                          <a:solidFill>
+                            <a:srgbClr val="999999"/>
+                          </a:solidFill>
+                          <a:effectLst/>
+                          <a:latin typeface="Consolas" panose="020B0609020204030204" pitchFamily="49" charset="0"/>
+                        </a:rPr>
+                        <a:t>// Staging Area</a:t>
+                      </a:r>
+                      <a:r>
+                        <a:rPr lang="ko-KR" altLang="en-US" dirty="0">
+                          <a:solidFill>
+                            <a:srgbClr val="999999"/>
+                          </a:solidFill>
+                          <a:effectLst/>
+                          <a:latin typeface="Consolas" panose="020B0609020204030204" pitchFamily="49" charset="0"/>
+                        </a:rPr>
+                        <a:t>에 들어간 파일에 대해서만 </a:t>
+                      </a:r>
+                      <a:r>
+                        <a:rPr lang="en-US" altLang="ko-KR" dirty="0">
+                          <a:solidFill>
+                            <a:srgbClr val="999999"/>
+                          </a:solidFill>
+                          <a:effectLst/>
+                          <a:latin typeface="Consolas" panose="020B0609020204030204" pitchFamily="49" charset="0"/>
+                        </a:rPr>
+                        <a:t>(</a:t>
+                      </a:r>
+                      <a:r>
+                        <a:rPr lang="ko-KR" altLang="en-US" dirty="0">
+                          <a:solidFill>
+                            <a:srgbClr val="999999"/>
+                          </a:solidFill>
+                          <a:effectLst/>
+                          <a:latin typeface="Consolas" panose="020B0609020204030204" pitchFamily="49" charset="0"/>
+                        </a:rPr>
+                        <a:t>워킹 디렉터리는 적용 </a:t>
+                      </a:r>
+                      <a:r>
+                        <a:rPr lang="en-US" altLang="ko-KR" dirty="0">
+                          <a:solidFill>
+                            <a:srgbClr val="999999"/>
+                          </a:solidFill>
+                          <a:effectLst/>
+                          <a:latin typeface="Consolas" panose="020B0609020204030204" pitchFamily="49" charset="0"/>
+                        </a:rPr>
+                        <a:t>X)</a:t>
+                      </a:r>
+                      <a:endParaRPr lang="ko-KR" altLang="en-US" dirty="0">
+                        <a:solidFill>
+                          <a:srgbClr val="010101"/>
+                        </a:solidFill>
+                        <a:effectLst/>
+                        <a:latin typeface="Consolas" panose="020B0609020204030204" pitchFamily="49" charset="0"/>
+                      </a:endParaRPr>
+                    </a:p>
+                    <a:p>
+                      <a:r>
+                        <a:rPr lang="en-US" altLang="ko-KR" dirty="0">
+                          <a:solidFill>
+                            <a:srgbClr val="010101"/>
+                          </a:solidFill>
+                          <a:effectLst/>
+                          <a:latin typeface="Consolas" panose="020B0609020204030204" pitchFamily="49" charset="0"/>
+                        </a:rPr>
+                        <a:t>git commit </a:t>
+                      </a:r>
+                      <a:r>
+                        <a:rPr lang="en-US" altLang="ko-KR" dirty="0">
+                          <a:solidFill>
+                            <a:srgbClr val="A71D5D"/>
+                          </a:solidFill>
+                          <a:effectLst/>
+                          <a:latin typeface="Consolas" panose="020B0609020204030204" pitchFamily="49" charset="0"/>
+                        </a:rPr>
+                        <a:t>-</a:t>
+                      </a:r>
+                      <a:r>
+                        <a:rPr lang="en-US" altLang="ko-KR" dirty="0">
+                          <a:solidFill>
+                            <a:srgbClr val="010101"/>
+                          </a:solidFill>
+                          <a:effectLst/>
+                          <a:latin typeface="Consolas" panose="020B0609020204030204" pitchFamily="49" charset="0"/>
+                        </a:rPr>
+                        <a:t>a </a:t>
+                      </a:r>
+                      <a:r>
+                        <a:rPr lang="en-US" altLang="ko-KR" dirty="0">
+                          <a:solidFill>
+                            <a:srgbClr val="A71D5D"/>
+                          </a:solidFill>
+                          <a:effectLst/>
+                          <a:latin typeface="Consolas" panose="020B0609020204030204" pitchFamily="49" charset="0"/>
+                        </a:rPr>
+                        <a:t>-</a:t>
+                      </a:r>
+                      <a:r>
+                        <a:rPr lang="en-US" altLang="ko-KR" dirty="0">
+                          <a:solidFill>
+                            <a:srgbClr val="010101"/>
+                          </a:solidFill>
+                          <a:effectLst/>
+                          <a:latin typeface="Consolas" panose="020B0609020204030204" pitchFamily="49" charset="0"/>
+                        </a:rPr>
+                        <a:t>m </a:t>
+                      </a:r>
+                      <a:r>
+                        <a:rPr lang="en-US" altLang="ko-KR" dirty="0">
+                          <a:solidFill>
+                            <a:srgbClr val="63A35C"/>
+                          </a:solidFill>
+                          <a:effectLst/>
+                          <a:latin typeface="Consolas" panose="020B0609020204030204" pitchFamily="49" charset="0"/>
+                        </a:rPr>
+                        <a:t>"</a:t>
+                      </a:r>
+                      <a:r>
+                        <a:rPr lang="ko-KR" altLang="en-US" dirty="0" err="1">
+                          <a:solidFill>
+                            <a:srgbClr val="63A35C"/>
+                          </a:solidFill>
+                          <a:effectLst/>
+                          <a:latin typeface="Consolas" panose="020B0609020204030204" pitchFamily="49" charset="0"/>
+                        </a:rPr>
+                        <a:t>커밋</a:t>
+                      </a:r>
+                      <a:r>
+                        <a:rPr lang="ko-KR" altLang="en-US" dirty="0">
+                          <a:solidFill>
+                            <a:srgbClr val="63A35C"/>
+                          </a:solidFill>
+                          <a:effectLst/>
+                          <a:latin typeface="Consolas" panose="020B0609020204030204" pitchFamily="49" charset="0"/>
+                        </a:rPr>
+                        <a:t> 메시지</a:t>
+                      </a:r>
+                      <a:r>
+                        <a:rPr lang="en-US" altLang="ko-KR" dirty="0">
+                          <a:solidFill>
+                            <a:srgbClr val="63A35C"/>
+                          </a:solidFill>
+                          <a:effectLst/>
+                          <a:latin typeface="Consolas" panose="020B0609020204030204" pitchFamily="49" charset="0"/>
+                        </a:rPr>
+                        <a:t>"</a:t>
+                      </a:r>
+                      <a:endParaRPr lang="ko-KR" altLang="en-US" dirty="0">
+                        <a:solidFill>
+                          <a:srgbClr val="010101"/>
+                        </a:solidFill>
+                        <a:effectLst/>
+                        <a:latin typeface="Consolas" panose="020B0609020204030204" pitchFamily="49" charset="0"/>
+                      </a:endParaRPr>
+                    </a:p>
+                  </a:txBody>
+                  <a:tcPr marL="0" marR="0" anchor="ctr">
+                    <a:lnL>
+                      <a:noFill/>
+                    </a:lnL>
+                    <a:lnR>
+                      <a:noFill/>
+                    </a:lnR>
+                    <a:lnT>
+                      <a:noFill/>
+                    </a:lnT>
+                    <a:lnB>
+                      <a:noFill/>
+                    </a:lnB>
+                    <a:solidFill>
+                      <a:srgbClr val="FAFAFA"/>
+                    </a:solidFill>
+                  </a:tcPr>
+                </a:tc>
+                <a:extLst>
+                  <a:ext uri="{0D108BD9-81ED-4DB2-BD59-A6C34878D82A}">
+                    <a16:rowId xmlns:a16="http://schemas.microsoft.com/office/drawing/2014/main" val="1270344744"/>
+                  </a:ext>
+                </a:extLst>
+              </a:tr>
+            </a:tbl>
+          </a:graphicData>
+        </a:graphic>
+      </p:graphicFrame>
+      <p:sp>
+        <p:nvSpPr>
+          <p:cNvPr id="3" name="Rectangle 1">
+            <a:extLst>
+              <a:ext uri="{FF2B5EF4-FFF2-40B4-BE49-F238E27FC236}">
+                <a16:creationId xmlns:a16="http://schemas.microsoft.com/office/drawing/2014/main" id="{BCC22582-1373-448C-818B-5117971466F6}"/>
+              </a:ext>
+            </a:extLst>
+          </p:cNvPr>
+          <p:cNvSpPr>
+            <a:spLocks noChangeArrowheads="1"/>
+          </p:cNvSpPr>
+          <p:nvPr/>
+        </p:nvSpPr>
+        <p:spPr bwMode="auto">
+          <a:xfrm>
+            <a:off x="2560638" y="2482190"/>
+            <a:ext cx="184731" cy="661720"/>
+          </a:xfrm>
+          <a:prstGeom prst="rect">
+            <a:avLst/>
+          </a:prstGeom>
+          <a:noFill/>
+          <a:ln>
+            <a:noFill/>
+          </a:ln>
+          <a:effectLst/>
+          <a:extLst>
+            <a:ext uri="{909E8E84-426E-40DD-AFC4-6F175D3DCCD1}">
+              <a14:hiddenFill xmlns:a14="http://schemas.microsoft.com/office/drawing/2010/main">
+                <a:solidFill>
+                  <a:schemeClr val="accent1"/>
+                </a:solidFill>
+              </a14:hiddenFill>
+            </a:ext>
+            <a:ext uri="{91240B29-F687-4F45-9708-019B960494DF}">
+              <a14:hiddenLine xmlns:a14="http://schemas.microsoft.com/office/drawing/2010/main" w="9525">
+                <a:solidFill>
+                  <a:schemeClr val="tx1"/>
+                </a:solidFill>
+                <a:miter lim="800000"/>
+                <a:headEnd/>
+                <a:tailEnd/>
+              </a14:hiddenLine>
+            </a:ext>
+            <a:ext uri="{AF507438-7753-43E0-B8FC-AC1667EBCBE1}">
+              <a14:hiddenEffects xmlns:a14="http://schemas.microsoft.com/office/drawing/2010/main">
+                <a:effectLst>
+                  <a:outerShdw dist="35921" dir="2700000" algn="ctr" rotWithShape="0">
+                    <a:schemeClr val="bg2"/>
+                  </a:outerShdw>
+                </a:effectLst>
+              </a14:hiddenEffects>
+            </a:ext>
+          </a:extLst>
+        </p:spPr>
+        <p:txBody>
+          <a:bodyPr vert="horz" wrap="none" lIns="91440" tIns="45720" rIns="91440" bIns="45720" numCol="1" anchor="ctr" anchorCtr="0" compatLnSpc="1">
+            <a:prstTxWarp prst="textNoShape">
+              <a:avLst/>
+            </a:prstTxWarp>
+            <a:spAutoFit/>
+          </a:bodyPr>
+          <a:lstStyle>
+            <a:lvl1pPr eaLnBrk="0" fontAlgn="base" hangingPunct="0">
+              <a:spcBef>
+                <a:spcPct val="0"/>
+              </a:spcBef>
+              <a:spcAft>
+                <a:spcPct val="0"/>
+              </a:spcAft>
+              <a:defRPr>
+                <a:solidFill>
+                  <a:schemeClr val="tx1"/>
+                </a:solidFill>
+                <a:latin typeface="Arial" panose="020B0604020202020204" pitchFamily="34" charset="0"/>
+              </a:defRPr>
+            </a:lvl1pPr>
+            <a:lvl2pPr eaLnBrk="0" fontAlgn="base" hangingPunct="0">
+              <a:spcBef>
+                <a:spcPct val="0"/>
+              </a:spcBef>
+              <a:spcAft>
+                <a:spcPct val="0"/>
+              </a:spcAft>
+              <a:defRPr>
+                <a:solidFill>
+                  <a:schemeClr val="tx1"/>
+                </a:solidFill>
+                <a:latin typeface="Arial" panose="020B0604020202020204" pitchFamily="34" charset="0"/>
+              </a:defRPr>
+            </a:lvl2pPr>
+            <a:lvl3pPr eaLnBrk="0" fontAlgn="base" hangingPunct="0">
+              <a:spcBef>
+                <a:spcPct val="0"/>
+              </a:spcBef>
+              <a:spcAft>
+                <a:spcPct val="0"/>
+              </a:spcAft>
+              <a:defRPr>
+                <a:solidFill>
+                  <a:schemeClr val="tx1"/>
+                </a:solidFill>
+                <a:latin typeface="Arial" panose="020B0604020202020204" pitchFamily="34" charset="0"/>
+              </a:defRPr>
+            </a:lvl3pPr>
+            <a:lvl4pPr eaLnBrk="0" fontAlgn="base" hangingPunct="0">
+              <a:spcBef>
+                <a:spcPct val="0"/>
+              </a:spcBef>
+              <a:spcAft>
+                <a:spcPct val="0"/>
+              </a:spcAft>
+              <a:defRPr>
+                <a:solidFill>
+                  <a:schemeClr val="tx1"/>
+                </a:solidFill>
+                <a:latin typeface="Arial" panose="020B0604020202020204" pitchFamily="34" charset="0"/>
+              </a:defRPr>
+            </a:lvl4pPr>
+            <a:lvl5pPr eaLnBrk="0" fontAlgn="base" hangingPunct="0">
+              <a:spcBef>
+                <a:spcPct val="0"/>
+              </a:spcBef>
+              <a:spcAft>
+                <a:spcPct val="0"/>
+              </a:spcAft>
+              <a:defRPr>
+                <a:solidFill>
+                  <a:schemeClr val="tx1"/>
+                </a:solidFill>
+                <a:latin typeface="Arial" panose="020B0604020202020204" pitchFamily="34" charset="0"/>
+              </a:defRPr>
+            </a:lvl5pPr>
+            <a:lvl6pPr eaLnBrk="0" fontAlgn="base" hangingPunct="0">
+              <a:spcBef>
+                <a:spcPct val="0"/>
+              </a:spcBef>
+              <a:spcAft>
+                <a:spcPct val="0"/>
+              </a:spcAft>
+              <a:defRPr>
+                <a:solidFill>
+                  <a:schemeClr val="tx1"/>
+                </a:solidFill>
+                <a:latin typeface="Arial" panose="020B0604020202020204" pitchFamily="34" charset="0"/>
+              </a:defRPr>
+            </a:lvl6pPr>
+            <a:lvl7pPr eaLnBrk="0" fontAlgn="base" hangingPunct="0">
+              <a:spcBef>
+                <a:spcPct val="0"/>
+              </a:spcBef>
+              <a:spcAft>
+                <a:spcPct val="0"/>
+              </a:spcAft>
+              <a:defRPr>
+                <a:solidFill>
+                  <a:schemeClr val="tx1"/>
+                </a:solidFill>
+                <a:latin typeface="Arial" panose="020B0604020202020204" pitchFamily="34" charset="0"/>
+              </a:defRPr>
+            </a:lvl7pPr>
+            <a:lvl8pPr eaLnBrk="0" fontAlgn="base" hangingPunct="0">
+              <a:spcBef>
+                <a:spcPct val="0"/>
+              </a:spcBef>
+              <a:spcAft>
+                <a:spcPct val="0"/>
+              </a:spcAft>
+              <a:defRPr>
+                <a:solidFill>
+                  <a:schemeClr val="tx1"/>
+                </a:solidFill>
+                <a:latin typeface="Arial" panose="020B0604020202020204" pitchFamily="34" charset="0"/>
+              </a:defRPr>
+            </a:lvl8pPr>
+            <a:lvl9pPr eaLnBrk="0" fontAlgn="base" hangingPunct="0">
+              <a:spcBef>
+                <a:spcPct val="0"/>
+              </a:spcBef>
+              <a:spcAft>
+                <a:spcPct val="0"/>
+              </a:spcAft>
+              <a:defRPr>
+                <a:solidFill>
+                  <a:schemeClr val="tx1"/>
+                </a:solidFill>
+                <a:latin typeface="Arial" panose="020B0604020202020204" pitchFamily="34" charset="0"/>
+              </a:defRPr>
+            </a:lvl9pPr>
+          </a:lstStyle>
+          <a:p>
+            <a:pPr marL="0" marR="0" lvl="0" indent="0" algn="l" defTabSz="914400" rtl="0" eaLnBrk="0" fontAlgn="base" latinLnBrk="0" hangingPunct="0">
+              <a:lnSpc>
+                <a:spcPct val="100000"/>
+              </a:lnSpc>
+              <a:spcBef>
+                <a:spcPct val="0"/>
+              </a:spcBef>
+              <a:spcAft>
+                <a:spcPct val="0"/>
+              </a:spcAft>
+              <a:buClrTx/>
+              <a:buSzTx/>
+              <a:buFontTx/>
+              <a:buNone/>
+              <a:tabLst/>
+            </a:pPr>
+            <a:br>
+              <a:rPr kumimoji="0" lang="ko-KR" altLang="ko-KR" sz="1100" b="0" i="0" u="none" strike="noStrike" cap="none" normalizeH="0" baseline="0" dirty="0">
+                <a:ln>
+                  <a:noFill/>
+                </a:ln>
+                <a:solidFill>
+                  <a:srgbClr val="000000"/>
+                </a:solidFill>
+                <a:effectLst/>
+                <a:latin typeface="Arial" panose="020B0604020202020204" pitchFamily="34" charset="0"/>
+                <a:ea typeface="Noto Sans"/>
+              </a:rPr>
+            </a:br>
+            <a:endParaRPr kumimoji="0" lang="ko-KR" altLang="ko-KR" sz="800" b="0" i="0" u="none" strike="noStrike" cap="none" normalizeH="0" baseline="0" dirty="0">
+              <a:ln>
+                <a:noFill/>
+              </a:ln>
+              <a:solidFill>
+                <a:schemeClr val="tx1"/>
+              </a:solidFill>
+              <a:effectLst/>
+              <a:latin typeface="Arial" panose="020B0604020202020204" pitchFamily="34" charset="0"/>
+            </a:endParaRPr>
+          </a:p>
+          <a:p>
+            <a:pPr marL="0" marR="0" lvl="0" indent="0" algn="l" defTabSz="914400" rtl="0" eaLnBrk="0" fontAlgn="base" latinLnBrk="0" hangingPunct="0">
+              <a:lnSpc>
+                <a:spcPct val="100000"/>
+              </a:lnSpc>
+              <a:spcBef>
+                <a:spcPct val="0"/>
+              </a:spcBef>
+              <a:spcAft>
+                <a:spcPct val="0"/>
+              </a:spcAft>
+              <a:buClrTx/>
+              <a:buSzTx/>
+              <a:buFontTx/>
+              <a:buNone/>
+              <a:tabLst/>
+            </a:pPr>
+            <a:endParaRPr kumimoji="0" lang="ko-KR" altLang="ko-KR" sz="1800" b="0" i="0" u="none" strike="noStrike" cap="none" normalizeH="0" baseline="0" dirty="0">
+              <a:ln>
+                <a:noFill/>
+              </a:ln>
+              <a:solidFill>
+                <a:schemeClr val="tx1"/>
+              </a:solidFill>
+              <a:effectLst/>
+              <a:latin typeface="Arial" panose="020B0604020202020204" pitchFamily="34" charset="0"/>
+            </a:endParaRPr>
+          </a:p>
+        </p:txBody>
+      </p:sp>
+      <p:sp>
+        <p:nvSpPr>
+          <p:cNvPr id="4" name="TextBox 3">
+            <a:extLst>
+              <a:ext uri="{FF2B5EF4-FFF2-40B4-BE49-F238E27FC236}">
+                <a16:creationId xmlns:a16="http://schemas.microsoft.com/office/drawing/2014/main" id="{2D223137-F460-4F91-BD1B-C7F49AB3A934}"/>
+              </a:ext>
+            </a:extLst>
+          </p:cNvPr>
+          <p:cNvSpPr txBox="1"/>
+          <p:nvPr/>
+        </p:nvSpPr>
+        <p:spPr>
+          <a:xfrm>
+            <a:off x="1686560" y="1792472"/>
+            <a:ext cx="6070957" cy="954107"/>
+          </a:xfrm>
+          <a:prstGeom prst="rect">
+            <a:avLst/>
+          </a:prstGeom>
+          <a:noFill/>
+        </p:spPr>
+        <p:txBody>
+          <a:bodyPr wrap="none" rtlCol="0">
+            <a:spAutoFit/>
+          </a:bodyPr>
+          <a:lstStyle/>
+          <a:p>
+            <a:pPr lvl="0" eaLnBrk="0" fontAlgn="base" latinLnBrk="0" hangingPunct="0">
+              <a:spcBef>
+                <a:spcPct val="0"/>
+              </a:spcBef>
+              <a:spcAft>
+                <a:spcPct val="0"/>
+              </a:spcAft>
+            </a:pPr>
+            <a:r>
+              <a:rPr lang="ko-KR" altLang="ko-KR" sz="2000" b="1" dirty="0" err="1">
+                <a:solidFill>
+                  <a:srgbClr val="000000"/>
+                </a:solidFill>
+                <a:latin typeface="Arial" panose="020B0604020202020204" pitchFamily="34" charset="0"/>
+                <a:ea typeface="Noto Sans"/>
+              </a:rPr>
+              <a:t>git</a:t>
+            </a:r>
+            <a:r>
+              <a:rPr lang="ko-KR" altLang="ko-KR" sz="2000" b="1" dirty="0">
+                <a:solidFill>
+                  <a:srgbClr val="000000"/>
+                </a:solidFill>
+                <a:latin typeface="Arial" panose="020B0604020202020204" pitchFamily="34" charset="0"/>
+                <a:ea typeface="Noto Sans"/>
+              </a:rPr>
+              <a:t> </a:t>
+            </a:r>
+            <a:r>
+              <a:rPr lang="ko-KR" altLang="ko-KR" sz="2000" b="1" dirty="0" err="1">
+                <a:solidFill>
+                  <a:srgbClr val="000000"/>
+                </a:solidFill>
+                <a:latin typeface="Arial" panose="020B0604020202020204" pitchFamily="34" charset="0"/>
+                <a:ea typeface="Noto Sans"/>
+              </a:rPr>
+              <a:t>commit</a:t>
+            </a:r>
+            <a:endParaRPr lang="ko-KR" altLang="ko-KR" sz="1100" dirty="0">
+              <a:latin typeface="Arial" panose="020B0604020202020204" pitchFamily="34" charset="0"/>
+            </a:endParaRPr>
+          </a:p>
+          <a:p>
+            <a:pPr lvl="0" eaLnBrk="0" fontAlgn="base" latinLnBrk="0" hangingPunct="0">
+              <a:spcBef>
+                <a:spcPct val="0"/>
+              </a:spcBef>
+              <a:spcAft>
+                <a:spcPct val="0"/>
+              </a:spcAft>
+            </a:pPr>
+            <a:r>
+              <a:rPr lang="ko-KR" altLang="ko-KR" dirty="0">
+                <a:solidFill>
+                  <a:srgbClr val="000000"/>
+                </a:solidFill>
+                <a:latin typeface="Arial" panose="020B0604020202020204" pitchFamily="34" charset="0"/>
+                <a:ea typeface="Noto Sans"/>
+              </a:rPr>
+              <a:t>준비영역(</a:t>
+            </a:r>
+            <a:r>
+              <a:rPr lang="ko-KR" altLang="ko-KR" dirty="0" err="1">
+                <a:solidFill>
+                  <a:srgbClr val="000000"/>
+                </a:solidFill>
+                <a:latin typeface="Arial" panose="020B0604020202020204" pitchFamily="34" charset="0"/>
+                <a:ea typeface="Noto Sans"/>
+              </a:rPr>
+              <a:t>Staging</a:t>
+            </a:r>
+            <a:r>
+              <a:rPr lang="ko-KR" altLang="ko-KR" dirty="0">
+                <a:solidFill>
+                  <a:srgbClr val="000000"/>
+                </a:solidFill>
+                <a:latin typeface="Arial" panose="020B0604020202020204" pitchFamily="34" charset="0"/>
+                <a:ea typeface="Noto Sans"/>
+              </a:rPr>
+              <a:t> </a:t>
+            </a:r>
+            <a:r>
+              <a:rPr lang="ko-KR" altLang="ko-KR" dirty="0" err="1">
+                <a:solidFill>
+                  <a:srgbClr val="000000"/>
+                </a:solidFill>
+                <a:latin typeface="Arial" panose="020B0604020202020204" pitchFamily="34" charset="0"/>
+                <a:ea typeface="Noto Sans"/>
+              </a:rPr>
+              <a:t>Area</a:t>
+            </a:r>
+            <a:r>
+              <a:rPr lang="ko-KR" altLang="ko-KR" dirty="0">
+                <a:solidFill>
+                  <a:srgbClr val="000000"/>
+                </a:solidFill>
+                <a:latin typeface="Arial" panose="020B0604020202020204" pitchFamily="34" charset="0"/>
+                <a:ea typeface="Noto Sans"/>
+              </a:rPr>
+              <a:t>)의 파일을 로컬저장소에 저장한다.</a:t>
+            </a:r>
+            <a:br>
+              <a:rPr lang="ko-KR" altLang="ko-KR" dirty="0">
+                <a:solidFill>
+                  <a:srgbClr val="000000"/>
+                </a:solidFill>
+                <a:latin typeface="Arial" panose="020B0604020202020204" pitchFamily="34" charset="0"/>
+                <a:ea typeface="Noto Sans"/>
+              </a:rPr>
+            </a:br>
+            <a:endParaRPr lang="ko-KR" altLang="en-US" dirty="0"/>
+          </a:p>
+        </p:txBody>
+      </p:sp>
+    </p:spTree>
+    <p:extLst>
+      <p:ext uri="{BB962C8B-B14F-4D97-AF65-F5344CB8AC3E}">
+        <p14:creationId xmlns:p14="http://schemas.microsoft.com/office/powerpoint/2010/main" val="415948518"/>
       </p:ext>
     </p:extLst>
   </p:cSld>

--- a/Github.pptx
+++ b/Github.pptx
@@ -5314,13 +5314,13 @@
           <p:nvPr>
             <p:extLst>
               <p:ext uri="{D42A27DB-BD31-4B8C-83A1-F6EECF244321}">
-                <p14:modId xmlns:p14="http://schemas.microsoft.com/office/powerpoint/2010/main" val="2821535617"/>
+                <p14:modId xmlns:p14="http://schemas.microsoft.com/office/powerpoint/2010/main" val="2912912517"/>
               </p:ext>
             </p:extLst>
           </p:nvPr>
         </p:nvGraphicFramePr>
         <p:xfrm>
-          <a:off x="2247803" y="3428841"/>
+          <a:off x="1156122" y="3225019"/>
           <a:ext cx="7071360" cy="3383280"/>
         </p:xfrm>
         <a:graphic>
@@ -5727,7 +5727,7 @@
         </p:nvSpPr>
         <p:spPr>
           <a:xfrm>
-            <a:off x="1867383" y="2450123"/>
+            <a:off x="1064950" y="2058237"/>
             <a:ext cx="6096000" cy="615553"/>
           </a:xfrm>
           <a:prstGeom prst="rect">
@@ -5868,6 +5868,78 @@
             <a:r>
               <a:rPr lang="ko-KR" altLang="en-US" dirty="0"/>
               <a:t>연결</a:t>
+            </a:r>
+          </a:p>
+        </p:txBody>
+      </p:sp>
+      <p:sp>
+        <p:nvSpPr>
+          <p:cNvPr id="2" name="직사각형 1">
+            <a:extLst>
+              <a:ext uri="{FF2B5EF4-FFF2-40B4-BE49-F238E27FC236}">
+                <a16:creationId xmlns:a16="http://schemas.microsoft.com/office/drawing/2014/main" id="{A5D0EB70-BD14-488F-A006-D8231D5FD853}"/>
+              </a:ext>
+            </a:extLst>
+          </p:cNvPr>
+          <p:cNvSpPr/>
+          <p:nvPr/>
+        </p:nvSpPr>
+        <p:spPr>
+          <a:xfrm>
+            <a:off x="7561442" y="2058237"/>
+            <a:ext cx="3003386" cy="369332"/>
+          </a:xfrm>
+          <a:prstGeom prst="rect">
+            <a:avLst/>
+          </a:prstGeom>
+        </p:spPr>
+        <p:txBody>
+          <a:bodyPr wrap="none">
+            <a:spAutoFit/>
+          </a:bodyPr>
+          <a:lstStyle/>
+          <a:p>
+            <a:r>
+              <a:rPr lang="en-US" altLang="ko-KR" dirty="0">
+                <a:hlinkClick r:id="rId2"/>
+              </a:rPr>
+              <a:t>https://gbsb.tistory.com/10</a:t>
+            </a:r>
+            <a:endParaRPr lang="ko-KR" altLang="en-US" dirty="0"/>
+          </a:p>
+        </p:txBody>
+      </p:sp>
+      <p:sp>
+        <p:nvSpPr>
+          <p:cNvPr id="3" name="TextBox 2">
+            <a:extLst>
+              <a:ext uri="{FF2B5EF4-FFF2-40B4-BE49-F238E27FC236}">
+                <a16:creationId xmlns:a16="http://schemas.microsoft.com/office/drawing/2014/main" id="{B73B84C7-AF8D-491B-B426-2725BE773328}"/>
+              </a:ext>
+            </a:extLst>
+          </p:cNvPr>
+          <p:cNvSpPr txBox="1"/>
+          <p:nvPr/>
+        </p:nvSpPr>
+        <p:spPr>
+          <a:xfrm>
+            <a:off x="7557796" y="1689797"/>
+            <a:ext cx="1189749" cy="369332"/>
+          </a:xfrm>
+          <a:prstGeom prst="rect">
+            <a:avLst/>
+          </a:prstGeom>
+          <a:noFill/>
+        </p:spPr>
+        <p:txBody>
+          <a:bodyPr wrap="none" rtlCol="0">
+            <a:spAutoFit/>
+          </a:bodyPr>
+          <a:lstStyle/>
+          <a:p>
+            <a:r>
+              <a:rPr lang="ko-KR" altLang="en-US" dirty="0"/>
+              <a:t>참고 링크</a:t>
             </a:r>
           </a:p>
         </p:txBody>
